--- a/Slide/03-How We Can Represent a Problem.pptx
+++ b/Slide/03-How We Can Represent a Problem.pptx
@@ -5,10 +5,10 @@
     <p:sldMasterId id="2147483714" r:id="rId4"/>
   </p:sldMasterIdLst>
   <p:notesMasterIdLst>
-    <p:notesMasterId r:id="rId42"/>
+    <p:notesMasterId r:id="rId43"/>
   </p:notesMasterIdLst>
   <p:handoutMasterIdLst>
-    <p:handoutMasterId r:id="rId43"/>
+    <p:handoutMasterId r:id="rId44"/>
   </p:handoutMasterIdLst>
   <p:sldIdLst>
     <p:sldId id="263" r:id="rId5"/>
@@ -31,23 +31,24 @@
     <p:sldId id="330" r:id="rId22"/>
     <p:sldId id="347" r:id="rId23"/>
     <p:sldId id="335" r:id="rId24"/>
-    <p:sldId id="354" r:id="rId25"/>
-    <p:sldId id="348" r:id="rId26"/>
-    <p:sldId id="349" r:id="rId27"/>
-    <p:sldId id="350" r:id="rId28"/>
-    <p:sldId id="351" r:id="rId29"/>
-    <p:sldId id="353" r:id="rId30"/>
-    <p:sldId id="355" r:id="rId31"/>
-    <p:sldId id="352" r:id="rId32"/>
-    <p:sldId id="356" r:id="rId33"/>
-    <p:sldId id="359" r:id="rId34"/>
-    <p:sldId id="358" r:id="rId35"/>
-    <p:sldId id="339" r:id="rId36"/>
-    <p:sldId id="305" r:id="rId37"/>
-    <p:sldId id="345" r:id="rId38"/>
-    <p:sldId id="337" r:id="rId39"/>
-    <p:sldId id="346" r:id="rId40"/>
-    <p:sldId id="269" r:id="rId41"/>
+    <p:sldId id="360" r:id="rId25"/>
+    <p:sldId id="354" r:id="rId26"/>
+    <p:sldId id="348" r:id="rId27"/>
+    <p:sldId id="349" r:id="rId28"/>
+    <p:sldId id="350" r:id="rId29"/>
+    <p:sldId id="351" r:id="rId30"/>
+    <p:sldId id="353" r:id="rId31"/>
+    <p:sldId id="355" r:id="rId32"/>
+    <p:sldId id="352" r:id="rId33"/>
+    <p:sldId id="356" r:id="rId34"/>
+    <p:sldId id="359" r:id="rId35"/>
+    <p:sldId id="361" r:id="rId36"/>
+    <p:sldId id="339" r:id="rId37"/>
+    <p:sldId id="305" r:id="rId38"/>
+    <p:sldId id="345" r:id="rId39"/>
+    <p:sldId id="337" r:id="rId40"/>
+    <p:sldId id="346" r:id="rId41"/>
+    <p:sldId id="269" r:id="rId42"/>
   </p:sldIdLst>
   <p:sldSz cx="12192000" cy="6858000"/>
   <p:notesSz cx="6858000" cy="9144000"/>
@@ -18310,6 +18311,402 @@
   <p:clrMapOvr>
     <a:masterClrMapping/>
   </p:clrMapOvr>
+  <p:timing>
+    <p:tnLst>
+      <p:par>
+        <p:cTn id="1" dur="indefinite" restart="never" nodeType="tmRoot">
+          <p:childTnLst>
+            <p:seq concurrent="1" nextAc="seek">
+              <p:cTn id="2" dur="indefinite" nodeType="mainSeq">
+                <p:childTnLst>
+                  <p:par>
+                    <p:cTn id="3" fill="hold">
+                      <p:stCondLst>
+                        <p:cond delay="indefinite"/>
+                      </p:stCondLst>
+                      <p:childTnLst>
+                        <p:par>
+                          <p:cTn id="4" fill="hold">
+                            <p:stCondLst>
+                              <p:cond delay="0"/>
+                            </p:stCondLst>
+                            <p:childTnLst>
+                              <p:par>
+                                <p:cTn id="5" presetID="22" presetClass="entr" presetSubtype="4" fill="hold" nodeType="clickEffect">
+                                  <p:stCondLst>
+                                    <p:cond delay="0"/>
+                                  </p:stCondLst>
+                                  <p:childTnLst>
+                                    <p:set>
+                                      <p:cBhvr>
+                                        <p:cTn id="6" dur="1" fill="hold">
+                                          <p:stCondLst>
+                                            <p:cond delay="0"/>
+                                          </p:stCondLst>
+                                        </p:cTn>
+                                        <p:tgtEl>
+                                          <p:spTgt spid="3">
+                                            <p:txEl>
+                                              <p:pRg st="0" end="0"/>
+                                            </p:txEl>
+                                          </p:spTgt>
+                                        </p:tgtEl>
+                                        <p:attrNameLst>
+                                          <p:attrName>style.visibility</p:attrName>
+                                        </p:attrNameLst>
+                                      </p:cBhvr>
+                                      <p:to>
+                                        <p:strVal val="visible"/>
+                                      </p:to>
+                                    </p:set>
+                                    <p:animEffect transition="in" filter="wipe(down)">
+                                      <p:cBhvr>
+                                        <p:cTn id="7" dur="500"/>
+                                        <p:tgtEl>
+                                          <p:spTgt spid="3">
+                                            <p:txEl>
+                                              <p:pRg st="0" end="0"/>
+                                            </p:txEl>
+                                          </p:spTgt>
+                                        </p:tgtEl>
+                                      </p:cBhvr>
+                                    </p:animEffect>
+                                  </p:childTnLst>
+                                </p:cTn>
+                              </p:par>
+                            </p:childTnLst>
+                          </p:cTn>
+                        </p:par>
+                      </p:childTnLst>
+                    </p:cTn>
+                  </p:par>
+                  <p:par>
+                    <p:cTn id="8" fill="hold">
+                      <p:stCondLst>
+                        <p:cond delay="indefinite"/>
+                      </p:stCondLst>
+                      <p:childTnLst>
+                        <p:par>
+                          <p:cTn id="9" fill="hold">
+                            <p:stCondLst>
+                              <p:cond delay="0"/>
+                            </p:stCondLst>
+                            <p:childTnLst>
+                              <p:par>
+                                <p:cTn id="10" presetID="22" presetClass="entr" presetSubtype="4" fill="hold" nodeType="clickEffect">
+                                  <p:stCondLst>
+                                    <p:cond delay="0"/>
+                                  </p:stCondLst>
+                                  <p:childTnLst>
+                                    <p:set>
+                                      <p:cBhvr>
+                                        <p:cTn id="11" dur="1" fill="hold">
+                                          <p:stCondLst>
+                                            <p:cond delay="0"/>
+                                          </p:stCondLst>
+                                        </p:cTn>
+                                        <p:tgtEl>
+                                          <p:spTgt spid="3">
+                                            <p:txEl>
+                                              <p:pRg st="1" end="1"/>
+                                            </p:txEl>
+                                          </p:spTgt>
+                                        </p:tgtEl>
+                                        <p:attrNameLst>
+                                          <p:attrName>style.visibility</p:attrName>
+                                        </p:attrNameLst>
+                                      </p:cBhvr>
+                                      <p:to>
+                                        <p:strVal val="visible"/>
+                                      </p:to>
+                                    </p:set>
+                                    <p:animEffect transition="in" filter="wipe(down)">
+                                      <p:cBhvr>
+                                        <p:cTn id="12" dur="500"/>
+                                        <p:tgtEl>
+                                          <p:spTgt spid="3">
+                                            <p:txEl>
+                                              <p:pRg st="1" end="1"/>
+                                            </p:txEl>
+                                          </p:spTgt>
+                                        </p:tgtEl>
+                                      </p:cBhvr>
+                                    </p:animEffect>
+                                  </p:childTnLst>
+                                </p:cTn>
+                              </p:par>
+                            </p:childTnLst>
+                          </p:cTn>
+                        </p:par>
+                      </p:childTnLst>
+                    </p:cTn>
+                  </p:par>
+                  <p:par>
+                    <p:cTn id="13" fill="hold">
+                      <p:stCondLst>
+                        <p:cond delay="indefinite"/>
+                      </p:stCondLst>
+                      <p:childTnLst>
+                        <p:par>
+                          <p:cTn id="14" fill="hold">
+                            <p:stCondLst>
+                              <p:cond delay="0"/>
+                            </p:stCondLst>
+                            <p:childTnLst>
+                              <p:par>
+                                <p:cTn id="15" presetID="22" presetClass="entr" presetSubtype="4" fill="hold" nodeType="clickEffect">
+                                  <p:stCondLst>
+                                    <p:cond delay="0"/>
+                                  </p:stCondLst>
+                                  <p:childTnLst>
+                                    <p:set>
+                                      <p:cBhvr>
+                                        <p:cTn id="16" dur="1" fill="hold">
+                                          <p:stCondLst>
+                                            <p:cond delay="0"/>
+                                          </p:stCondLst>
+                                        </p:cTn>
+                                        <p:tgtEl>
+                                          <p:spTgt spid="3">
+                                            <p:txEl>
+                                              <p:pRg st="2" end="2"/>
+                                            </p:txEl>
+                                          </p:spTgt>
+                                        </p:tgtEl>
+                                        <p:attrNameLst>
+                                          <p:attrName>style.visibility</p:attrName>
+                                        </p:attrNameLst>
+                                      </p:cBhvr>
+                                      <p:to>
+                                        <p:strVal val="visible"/>
+                                      </p:to>
+                                    </p:set>
+                                    <p:animEffect transition="in" filter="wipe(down)">
+                                      <p:cBhvr>
+                                        <p:cTn id="17" dur="500"/>
+                                        <p:tgtEl>
+                                          <p:spTgt spid="3">
+                                            <p:txEl>
+                                              <p:pRg st="2" end="2"/>
+                                            </p:txEl>
+                                          </p:spTgt>
+                                        </p:tgtEl>
+                                      </p:cBhvr>
+                                    </p:animEffect>
+                                  </p:childTnLst>
+                                </p:cTn>
+                              </p:par>
+                            </p:childTnLst>
+                          </p:cTn>
+                        </p:par>
+                      </p:childTnLst>
+                    </p:cTn>
+                  </p:par>
+                  <p:par>
+                    <p:cTn id="18" fill="hold">
+                      <p:stCondLst>
+                        <p:cond delay="indefinite"/>
+                      </p:stCondLst>
+                      <p:childTnLst>
+                        <p:par>
+                          <p:cTn id="19" fill="hold">
+                            <p:stCondLst>
+                              <p:cond delay="0"/>
+                            </p:stCondLst>
+                            <p:childTnLst>
+                              <p:par>
+                                <p:cTn id="20" presetID="22" presetClass="entr" presetSubtype="4" fill="hold" nodeType="clickEffect">
+                                  <p:stCondLst>
+                                    <p:cond delay="0"/>
+                                  </p:stCondLst>
+                                  <p:childTnLst>
+                                    <p:set>
+                                      <p:cBhvr>
+                                        <p:cTn id="21" dur="1" fill="hold">
+                                          <p:stCondLst>
+                                            <p:cond delay="0"/>
+                                          </p:stCondLst>
+                                        </p:cTn>
+                                        <p:tgtEl>
+                                          <p:spTgt spid="3">
+                                            <p:txEl>
+                                              <p:pRg st="3" end="3"/>
+                                            </p:txEl>
+                                          </p:spTgt>
+                                        </p:tgtEl>
+                                        <p:attrNameLst>
+                                          <p:attrName>style.visibility</p:attrName>
+                                        </p:attrNameLst>
+                                      </p:cBhvr>
+                                      <p:to>
+                                        <p:strVal val="visible"/>
+                                      </p:to>
+                                    </p:set>
+                                    <p:animEffect transition="in" filter="wipe(down)">
+                                      <p:cBhvr>
+                                        <p:cTn id="22" dur="500"/>
+                                        <p:tgtEl>
+                                          <p:spTgt spid="3">
+                                            <p:txEl>
+                                              <p:pRg st="3" end="3"/>
+                                            </p:txEl>
+                                          </p:spTgt>
+                                        </p:tgtEl>
+                                      </p:cBhvr>
+                                    </p:animEffect>
+                                  </p:childTnLst>
+                                </p:cTn>
+                              </p:par>
+                            </p:childTnLst>
+                          </p:cTn>
+                        </p:par>
+                      </p:childTnLst>
+                    </p:cTn>
+                  </p:par>
+                  <p:par>
+                    <p:cTn id="23" fill="hold">
+                      <p:stCondLst>
+                        <p:cond delay="indefinite"/>
+                      </p:stCondLst>
+                      <p:childTnLst>
+                        <p:par>
+                          <p:cTn id="24" fill="hold">
+                            <p:stCondLst>
+                              <p:cond delay="0"/>
+                            </p:stCondLst>
+                            <p:childTnLst>
+                              <p:par>
+                                <p:cTn id="25" presetID="22" presetClass="entr" presetSubtype="4" fill="hold" nodeType="clickEffect">
+                                  <p:stCondLst>
+                                    <p:cond delay="0"/>
+                                  </p:stCondLst>
+                                  <p:childTnLst>
+                                    <p:set>
+                                      <p:cBhvr>
+                                        <p:cTn id="26" dur="1" fill="hold">
+                                          <p:stCondLst>
+                                            <p:cond delay="0"/>
+                                          </p:stCondLst>
+                                        </p:cTn>
+                                        <p:tgtEl>
+                                          <p:spTgt spid="3">
+                                            <p:txEl>
+                                              <p:pRg st="4" end="4"/>
+                                            </p:txEl>
+                                          </p:spTgt>
+                                        </p:tgtEl>
+                                        <p:attrNameLst>
+                                          <p:attrName>style.visibility</p:attrName>
+                                        </p:attrNameLst>
+                                      </p:cBhvr>
+                                      <p:to>
+                                        <p:strVal val="visible"/>
+                                      </p:to>
+                                    </p:set>
+                                    <p:animEffect transition="in" filter="wipe(down)">
+                                      <p:cBhvr>
+                                        <p:cTn id="27" dur="500"/>
+                                        <p:tgtEl>
+                                          <p:spTgt spid="3">
+                                            <p:txEl>
+                                              <p:pRg st="4" end="4"/>
+                                            </p:txEl>
+                                          </p:spTgt>
+                                        </p:tgtEl>
+                                      </p:cBhvr>
+                                    </p:animEffect>
+                                  </p:childTnLst>
+                                </p:cTn>
+                              </p:par>
+                            </p:childTnLst>
+                          </p:cTn>
+                        </p:par>
+                      </p:childTnLst>
+                    </p:cTn>
+                  </p:par>
+                  <p:par>
+                    <p:cTn id="28" fill="hold">
+                      <p:stCondLst>
+                        <p:cond delay="indefinite"/>
+                      </p:stCondLst>
+                      <p:childTnLst>
+                        <p:par>
+                          <p:cTn id="29" fill="hold">
+                            <p:stCondLst>
+                              <p:cond delay="0"/>
+                            </p:stCondLst>
+                            <p:childTnLst>
+                              <p:par>
+                                <p:cTn id="30" presetID="22" presetClass="entr" presetSubtype="4" fill="hold" nodeType="clickEffect">
+                                  <p:stCondLst>
+                                    <p:cond delay="0"/>
+                                  </p:stCondLst>
+                                  <p:childTnLst>
+                                    <p:set>
+                                      <p:cBhvr>
+                                        <p:cTn id="31" dur="1" fill="hold">
+                                          <p:stCondLst>
+                                            <p:cond delay="0"/>
+                                          </p:stCondLst>
+                                        </p:cTn>
+                                        <p:tgtEl>
+                                          <p:spTgt spid="3">
+                                            <p:txEl>
+                                              <p:pRg st="5" end="5"/>
+                                            </p:txEl>
+                                          </p:spTgt>
+                                        </p:tgtEl>
+                                        <p:attrNameLst>
+                                          <p:attrName>style.visibility</p:attrName>
+                                        </p:attrNameLst>
+                                      </p:cBhvr>
+                                      <p:to>
+                                        <p:strVal val="visible"/>
+                                      </p:to>
+                                    </p:set>
+                                    <p:animEffect transition="in" filter="wipe(down)">
+                                      <p:cBhvr>
+                                        <p:cTn id="32" dur="500"/>
+                                        <p:tgtEl>
+                                          <p:spTgt spid="3">
+                                            <p:txEl>
+                                              <p:pRg st="5" end="5"/>
+                                            </p:txEl>
+                                          </p:spTgt>
+                                        </p:tgtEl>
+                                      </p:cBhvr>
+                                    </p:animEffect>
+                                  </p:childTnLst>
+                                </p:cTn>
+                              </p:par>
+                            </p:childTnLst>
+                          </p:cTn>
+                        </p:par>
+                      </p:childTnLst>
+                    </p:cTn>
+                  </p:par>
+                </p:childTnLst>
+              </p:cTn>
+              <p:prevCondLst>
+                <p:cond evt="onPrev" delay="0">
+                  <p:tgtEl>
+                    <p:sldTgt/>
+                  </p:tgtEl>
+                </p:cond>
+              </p:prevCondLst>
+              <p:nextCondLst>
+                <p:cond evt="onNext" delay="0">
+                  <p:tgtEl>
+                    <p:sldTgt/>
+                  </p:tgtEl>
+                </p:cond>
+              </p:nextCondLst>
+            </p:seq>
+          </p:childTnLst>
+        </p:cTn>
+      </p:par>
+    </p:tnLst>
+  </p:timing>
 </p:sld>
 </file>
 
@@ -20903,6 +21300,585 @@
   <p:clrMapOvr>
     <a:masterClrMapping/>
   </p:clrMapOvr>
+  <p:timing>
+    <p:tnLst>
+      <p:par>
+        <p:cTn id="1" dur="indefinite" restart="never" nodeType="tmRoot">
+          <p:childTnLst>
+            <p:seq concurrent="1" nextAc="seek">
+              <p:cTn id="2" dur="indefinite" nodeType="mainSeq">
+                <p:childTnLst>
+                  <p:par>
+                    <p:cTn id="3" fill="hold">
+                      <p:stCondLst>
+                        <p:cond delay="indefinite"/>
+                      </p:stCondLst>
+                      <p:childTnLst>
+                        <p:par>
+                          <p:cTn id="4" fill="hold">
+                            <p:stCondLst>
+                              <p:cond delay="0"/>
+                            </p:stCondLst>
+                            <p:childTnLst>
+                              <p:par>
+                                <p:cTn id="5" presetID="22" presetClass="entr" presetSubtype="4" fill="hold" nodeType="clickEffect">
+                                  <p:stCondLst>
+                                    <p:cond delay="0"/>
+                                  </p:stCondLst>
+                                  <p:childTnLst>
+                                    <p:set>
+                                      <p:cBhvr>
+                                        <p:cTn id="6" dur="1" fill="hold">
+                                          <p:stCondLst>
+                                            <p:cond delay="0"/>
+                                          </p:stCondLst>
+                                        </p:cTn>
+                                        <p:tgtEl>
+                                          <p:spTgt spid="3">
+                                            <p:txEl>
+                                              <p:pRg st="0" end="0"/>
+                                            </p:txEl>
+                                          </p:spTgt>
+                                        </p:tgtEl>
+                                        <p:attrNameLst>
+                                          <p:attrName>style.visibility</p:attrName>
+                                        </p:attrNameLst>
+                                      </p:cBhvr>
+                                      <p:to>
+                                        <p:strVal val="visible"/>
+                                      </p:to>
+                                    </p:set>
+                                    <p:animEffect transition="in" filter="wipe(down)">
+                                      <p:cBhvr>
+                                        <p:cTn id="7" dur="500"/>
+                                        <p:tgtEl>
+                                          <p:spTgt spid="3">
+                                            <p:txEl>
+                                              <p:pRg st="0" end="0"/>
+                                            </p:txEl>
+                                          </p:spTgt>
+                                        </p:tgtEl>
+                                      </p:cBhvr>
+                                    </p:animEffect>
+                                  </p:childTnLst>
+                                </p:cTn>
+                              </p:par>
+                            </p:childTnLst>
+                          </p:cTn>
+                        </p:par>
+                      </p:childTnLst>
+                    </p:cTn>
+                  </p:par>
+                  <p:par>
+                    <p:cTn id="8" fill="hold">
+                      <p:stCondLst>
+                        <p:cond delay="indefinite"/>
+                      </p:stCondLst>
+                      <p:childTnLst>
+                        <p:par>
+                          <p:cTn id="9" fill="hold">
+                            <p:stCondLst>
+                              <p:cond delay="0"/>
+                            </p:stCondLst>
+                            <p:childTnLst>
+                              <p:par>
+                                <p:cTn id="10" presetID="22" presetClass="entr" presetSubtype="4" fill="hold" nodeType="clickEffect">
+                                  <p:stCondLst>
+                                    <p:cond delay="0"/>
+                                  </p:stCondLst>
+                                  <p:childTnLst>
+                                    <p:set>
+                                      <p:cBhvr>
+                                        <p:cTn id="11" dur="1" fill="hold">
+                                          <p:stCondLst>
+                                            <p:cond delay="0"/>
+                                          </p:stCondLst>
+                                        </p:cTn>
+                                        <p:tgtEl>
+                                          <p:spTgt spid="3">
+                                            <p:txEl>
+                                              <p:pRg st="1" end="1"/>
+                                            </p:txEl>
+                                          </p:spTgt>
+                                        </p:tgtEl>
+                                        <p:attrNameLst>
+                                          <p:attrName>style.visibility</p:attrName>
+                                        </p:attrNameLst>
+                                      </p:cBhvr>
+                                      <p:to>
+                                        <p:strVal val="visible"/>
+                                      </p:to>
+                                    </p:set>
+                                    <p:animEffect transition="in" filter="wipe(down)">
+                                      <p:cBhvr>
+                                        <p:cTn id="12" dur="500"/>
+                                        <p:tgtEl>
+                                          <p:spTgt spid="3">
+                                            <p:txEl>
+                                              <p:pRg st="1" end="1"/>
+                                            </p:txEl>
+                                          </p:spTgt>
+                                        </p:tgtEl>
+                                      </p:cBhvr>
+                                    </p:animEffect>
+                                  </p:childTnLst>
+                                </p:cTn>
+                              </p:par>
+                            </p:childTnLst>
+                          </p:cTn>
+                        </p:par>
+                      </p:childTnLst>
+                    </p:cTn>
+                  </p:par>
+                  <p:par>
+                    <p:cTn id="13" fill="hold">
+                      <p:stCondLst>
+                        <p:cond delay="indefinite"/>
+                      </p:stCondLst>
+                      <p:childTnLst>
+                        <p:par>
+                          <p:cTn id="14" fill="hold">
+                            <p:stCondLst>
+                              <p:cond delay="0"/>
+                            </p:stCondLst>
+                            <p:childTnLst>
+                              <p:par>
+                                <p:cTn id="15" presetID="22" presetClass="entr" presetSubtype="4" fill="hold" nodeType="clickEffect">
+                                  <p:stCondLst>
+                                    <p:cond delay="0"/>
+                                  </p:stCondLst>
+                                  <p:childTnLst>
+                                    <p:set>
+                                      <p:cBhvr>
+                                        <p:cTn id="16" dur="1" fill="hold">
+                                          <p:stCondLst>
+                                            <p:cond delay="0"/>
+                                          </p:stCondLst>
+                                        </p:cTn>
+                                        <p:tgtEl>
+                                          <p:spTgt spid="3">
+                                            <p:txEl>
+                                              <p:pRg st="2" end="2"/>
+                                            </p:txEl>
+                                          </p:spTgt>
+                                        </p:tgtEl>
+                                        <p:attrNameLst>
+                                          <p:attrName>style.visibility</p:attrName>
+                                        </p:attrNameLst>
+                                      </p:cBhvr>
+                                      <p:to>
+                                        <p:strVal val="visible"/>
+                                      </p:to>
+                                    </p:set>
+                                    <p:animEffect transition="in" filter="wipe(down)">
+                                      <p:cBhvr>
+                                        <p:cTn id="17" dur="500"/>
+                                        <p:tgtEl>
+                                          <p:spTgt spid="3">
+                                            <p:txEl>
+                                              <p:pRg st="2" end="2"/>
+                                            </p:txEl>
+                                          </p:spTgt>
+                                        </p:tgtEl>
+                                      </p:cBhvr>
+                                    </p:animEffect>
+                                  </p:childTnLst>
+                                </p:cTn>
+                              </p:par>
+                            </p:childTnLst>
+                          </p:cTn>
+                        </p:par>
+                      </p:childTnLst>
+                    </p:cTn>
+                  </p:par>
+                  <p:par>
+                    <p:cTn id="18" fill="hold">
+                      <p:stCondLst>
+                        <p:cond delay="indefinite"/>
+                      </p:stCondLst>
+                      <p:childTnLst>
+                        <p:par>
+                          <p:cTn id="19" fill="hold">
+                            <p:stCondLst>
+                              <p:cond delay="0"/>
+                            </p:stCondLst>
+                            <p:childTnLst>
+                              <p:par>
+                                <p:cTn id="20" presetID="22" presetClass="entr" presetSubtype="4" fill="hold" nodeType="clickEffect">
+                                  <p:stCondLst>
+                                    <p:cond delay="0"/>
+                                  </p:stCondLst>
+                                  <p:childTnLst>
+                                    <p:set>
+                                      <p:cBhvr>
+                                        <p:cTn id="21" dur="1" fill="hold">
+                                          <p:stCondLst>
+                                            <p:cond delay="0"/>
+                                          </p:stCondLst>
+                                        </p:cTn>
+                                        <p:tgtEl>
+                                          <p:spTgt spid="3">
+                                            <p:txEl>
+                                              <p:pRg st="3" end="3"/>
+                                            </p:txEl>
+                                          </p:spTgt>
+                                        </p:tgtEl>
+                                        <p:attrNameLst>
+                                          <p:attrName>style.visibility</p:attrName>
+                                        </p:attrNameLst>
+                                      </p:cBhvr>
+                                      <p:to>
+                                        <p:strVal val="visible"/>
+                                      </p:to>
+                                    </p:set>
+                                    <p:animEffect transition="in" filter="wipe(down)">
+                                      <p:cBhvr>
+                                        <p:cTn id="22" dur="500"/>
+                                        <p:tgtEl>
+                                          <p:spTgt spid="3">
+                                            <p:txEl>
+                                              <p:pRg st="3" end="3"/>
+                                            </p:txEl>
+                                          </p:spTgt>
+                                        </p:tgtEl>
+                                      </p:cBhvr>
+                                    </p:animEffect>
+                                  </p:childTnLst>
+                                </p:cTn>
+                              </p:par>
+                            </p:childTnLst>
+                          </p:cTn>
+                        </p:par>
+                      </p:childTnLst>
+                    </p:cTn>
+                  </p:par>
+                  <p:par>
+                    <p:cTn id="23" fill="hold">
+                      <p:stCondLst>
+                        <p:cond delay="indefinite"/>
+                      </p:stCondLst>
+                      <p:childTnLst>
+                        <p:par>
+                          <p:cTn id="24" fill="hold">
+                            <p:stCondLst>
+                              <p:cond delay="0"/>
+                            </p:stCondLst>
+                            <p:childTnLst>
+                              <p:par>
+                                <p:cTn id="25" presetID="22" presetClass="entr" presetSubtype="4" fill="hold" nodeType="clickEffect">
+                                  <p:stCondLst>
+                                    <p:cond delay="0"/>
+                                  </p:stCondLst>
+                                  <p:childTnLst>
+                                    <p:set>
+                                      <p:cBhvr>
+                                        <p:cTn id="26" dur="1" fill="hold">
+                                          <p:stCondLst>
+                                            <p:cond delay="0"/>
+                                          </p:stCondLst>
+                                        </p:cTn>
+                                        <p:tgtEl>
+                                          <p:spTgt spid="3">
+                                            <p:txEl>
+                                              <p:pRg st="4" end="4"/>
+                                            </p:txEl>
+                                          </p:spTgt>
+                                        </p:tgtEl>
+                                        <p:attrNameLst>
+                                          <p:attrName>style.visibility</p:attrName>
+                                        </p:attrNameLst>
+                                      </p:cBhvr>
+                                      <p:to>
+                                        <p:strVal val="visible"/>
+                                      </p:to>
+                                    </p:set>
+                                    <p:animEffect transition="in" filter="wipe(down)">
+                                      <p:cBhvr>
+                                        <p:cTn id="27" dur="500"/>
+                                        <p:tgtEl>
+                                          <p:spTgt spid="3">
+                                            <p:txEl>
+                                              <p:pRg st="4" end="4"/>
+                                            </p:txEl>
+                                          </p:spTgt>
+                                        </p:tgtEl>
+                                      </p:cBhvr>
+                                    </p:animEffect>
+                                  </p:childTnLst>
+                                </p:cTn>
+                              </p:par>
+                            </p:childTnLst>
+                          </p:cTn>
+                        </p:par>
+                      </p:childTnLst>
+                    </p:cTn>
+                  </p:par>
+                  <p:par>
+                    <p:cTn id="28" fill="hold">
+                      <p:stCondLst>
+                        <p:cond delay="indefinite"/>
+                      </p:stCondLst>
+                      <p:childTnLst>
+                        <p:par>
+                          <p:cTn id="29" fill="hold">
+                            <p:stCondLst>
+                              <p:cond delay="0"/>
+                            </p:stCondLst>
+                            <p:childTnLst>
+                              <p:par>
+                                <p:cTn id="30" presetID="22" presetClass="entr" presetSubtype="4" fill="hold" nodeType="clickEffect">
+                                  <p:stCondLst>
+                                    <p:cond delay="0"/>
+                                  </p:stCondLst>
+                                  <p:childTnLst>
+                                    <p:set>
+                                      <p:cBhvr>
+                                        <p:cTn id="31" dur="1" fill="hold">
+                                          <p:stCondLst>
+                                            <p:cond delay="0"/>
+                                          </p:stCondLst>
+                                        </p:cTn>
+                                        <p:tgtEl>
+                                          <p:spTgt spid="3">
+                                            <p:txEl>
+                                              <p:pRg st="5" end="5"/>
+                                            </p:txEl>
+                                          </p:spTgt>
+                                        </p:tgtEl>
+                                        <p:attrNameLst>
+                                          <p:attrName>style.visibility</p:attrName>
+                                        </p:attrNameLst>
+                                      </p:cBhvr>
+                                      <p:to>
+                                        <p:strVal val="visible"/>
+                                      </p:to>
+                                    </p:set>
+                                    <p:animEffect transition="in" filter="wipe(down)">
+                                      <p:cBhvr>
+                                        <p:cTn id="32" dur="500"/>
+                                        <p:tgtEl>
+                                          <p:spTgt spid="3">
+                                            <p:txEl>
+                                              <p:pRg st="5" end="5"/>
+                                            </p:txEl>
+                                          </p:spTgt>
+                                        </p:tgtEl>
+                                      </p:cBhvr>
+                                    </p:animEffect>
+                                  </p:childTnLst>
+                                </p:cTn>
+                              </p:par>
+                            </p:childTnLst>
+                          </p:cTn>
+                        </p:par>
+                      </p:childTnLst>
+                    </p:cTn>
+                  </p:par>
+                  <p:par>
+                    <p:cTn id="33" fill="hold">
+                      <p:stCondLst>
+                        <p:cond delay="indefinite"/>
+                      </p:stCondLst>
+                      <p:childTnLst>
+                        <p:par>
+                          <p:cTn id="34" fill="hold">
+                            <p:stCondLst>
+                              <p:cond delay="0"/>
+                            </p:stCondLst>
+                            <p:childTnLst>
+                              <p:par>
+                                <p:cTn id="35" presetID="22" presetClass="entr" presetSubtype="4" fill="hold" nodeType="clickEffect">
+                                  <p:stCondLst>
+                                    <p:cond delay="0"/>
+                                  </p:stCondLst>
+                                  <p:childTnLst>
+                                    <p:set>
+                                      <p:cBhvr>
+                                        <p:cTn id="36" dur="1" fill="hold">
+                                          <p:stCondLst>
+                                            <p:cond delay="0"/>
+                                          </p:stCondLst>
+                                        </p:cTn>
+                                        <p:tgtEl>
+                                          <p:spTgt spid="3">
+                                            <p:txEl>
+                                              <p:pRg st="6" end="6"/>
+                                            </p:txEl>
+                                          </p:spTgt>
+                                        </p:tgtEl>
+                                        <p:attrNameLst>
+                                          <p:attrName>style.visibility</p:attrName>
+                                        </p:attrNameLst>
+                                      </p:cBhvr>
+                                      <p:to>
+                                        <p:strVal val="visible"/>
+                                      </p:to>
+                                    </p:set>
+                                    <p:animEffect transition="in" filter="wipe(down)">
+                                      <p:cBhvr>
+                                        <p:cTn id="37" dur="500"/>
+                                        <p:tgtEl>
+                                          <p:spTgt spid="3">
+                                            <p:txEl>
+                                              <p:pRg st="6" end="6"/>
+                                            </p:txEl>
+                                          </p:spTgt>
+                                        </p:tgtEl>
+                                      </p:cBhvr>
+                                    </p:animEffect>
+                                  </p:childTnLst>
+                                </p:cTn>
+                              </p:par>
+                            </p:childTnLst>
+                          </p:cTn>
+                        </p:par>
+                      </p:childTnLst>
+                    </p:cTn>
+                  </p:par>
+                  <p:par>
+                    <p:cTn id="38" fill="hold">
+                      <p:stCondLst>
+                        <p:cond delay="indefinite"/>
+                      </p:stCondLst>
+                      <p:childTnLst>
+                        <p:par>
+                          <p:cTn id="39" fill="hold">
+                            <p:stCondLst>
+                              <p:cond delay="0"/>
+                            </p:stCondLst>
+                            <p:childTnLst>
+                              <p:par>
+                                <p:cTn id="40" presetID="22" presetClass="entr" presetSubtype="4" fill="hold" nodeType="clickEffect">
+                                  <p:stCondLst>
+                                    <p:cond delay="0"/>
+                                  </p:stCondLst>
+                                  <p:childTnLst>
+                                    <p:set>
+                                      <p:cBhvr>
+                                        <p:cTn id="41" dur="1" fill="hold">
+                                          <p:stCondLst>
+                                            <p:cond delay="0"/>
+                                          </p:stCondLst>
+                                        </p:cTn>
+                                        <p:tgtEl>
+                                          <p:spTgt spid="3">
+                                            <p:txEl>
+                                              <p:pRg st="7" end="7"/>
+                                            </p:txEl>
+                                          </p:spTgt>
+                                        </p:tgtEl>
+                                        <p:attrNameLst>
+                                          <p:attrName>style.visibility</p:attrName>
+                                        </p:attrNameLst>
+                                      </p:cBhvr>
+                                      <p:to>
+                                        <p:strVal val="visible"/>
+                                      </p:to>
+                                    </p:set>
+                                    <p:animEffect transition="in" filter="wipe(down)">
+                                      <p:cBhvr>
+                                        <p:cTn id="42" dur="500"/>
+                                        <p:tgtEl>
+                                          <p:spTgt spid="3">
+                                            <p:txEl>
+                                              <p:pRg st="7" end="7"/>
+                                            </p:txEl>
+                                          </p:spTgt>
+                                        </p:tgtEl>
+                                      </p:cBhvr>
+                                    </p:animEffect>
+                                  </p:childTnLst>
+                                </p:cTn>
+                              </p:par>
+                            </p:childTnLst>
+                          </p:cTn>
+                        </p:par>
+                      </p:childTnLst>
+                    </p:cTn>
+                  </p:par>
+                  <p:par>
+                    <p:cTn id="43" fill="hold">
+                      <p:stCondLst>
+                        <p:cond delay="indefinite"/>
+                      </p:stCondLst>
+                      <p:childTnLst>
+                        <p:par>
+                          <p:cTn id="44" fill="hold">
+                            <p:stCondLst>
+                              <p:cond delay="0"/>
+                            </p:stCondLst>
+                            <p:childTnLst>
+                              <p:par>
+                                <p:cTn id="45" presetID="22" presetClass="entr" presetSubtype="4" fill="hold" nodeType="clickEffect">
+                                  <p:stCondLst>
+                                    <p:cond delay="0"/>
+                                  </p:stCondLst>
+                                  <p:childTnLst>
+                                    <p:set>
+                                      <p:cBhvr>
+                                        <p:cTn id="46" dur="1" fill="hold">
+                                          <p:stCondLst>
+                                            <p:cond delay="0"/>
+                                          </p:stCondLst>
+                                        </p:cTn>
+                                        <p:tgtEl>
+                                          <p:spTgt spid="3">
+                                            <p:txEl>
+                                              <p:pRg st="8" end="8"/>
+                                            </p:txEl>
+                                          </p:spTgt>
+                                        </p:tgtEl>
+                                        <p:attrNameLst>
+                                          <p:attrName>style.visibility</p:attrName>
+                                        </p:attrNameLst>
+                                      </p:cBhvr>
+                                      <p:to>
+                                        <p:strVal val="visible"/>
+                                      </p:to>
+                                    </p:set>
+                                    <p:animEffect transition="in" filter="wipe(down)">
+                                      <p:cBhvr>
+                                        <p:cTn id="47" dur="500"/>
+                                        <p:tgtEl>
+                                          <p:spTgt spid="3">
+                                            <p:txEl>
+                                              <p:pRg st="8" end="8"/>
+                                            </p:txEl>
+                                          </p:spTgt>
+                                        </p:tgtEl>
+                                      </p:cBhvr>
+                                    </p:animEffect>
+                                  </p:childTnLst>
+                                </p:cTn>
+                              </p:par>
+                            </p:childTnLst>
+                          </p:cTn>
+                        </p:par>
+                      </p:childTnLst>
+                    </p:cTn>
+                  </p:par>
+                </p:childTnLst>
+              </p:cTn>
+              <p:prevCondLst>
+                <p:cond evt="onPrev" delay="0">
+                  <p:tgtEl>
+                    <p:sldTgt/>
+                  </p:tgtEl>
+                </p:cond>
+              </p:prevCondLst>
+              <p:nextCondLst>
+                <p:cond evt="onNext" delay="0">
+                  <p:tgtEl>
+                    <p:sldTgt/>
+                  </p:tgtEl>
+                </p:cond>
+              </p:nextCondLst>
+            </p:seq>
+          </p:childTnLst>
+        </p:cTn>
+      </p:par>
+    </p:tnLst>
+  </p:timing>
 </p:sld>
 </file>
 
@@ -21095,6 +22071,531 @@
   <p:clrMapOvr>
     <a:masterClrMapping/>
   </p:clrMapOvr>
+  <p:timing>
+    <p:tnLst>
+      <p:par>
+        <p:cTn id="1" dur="indefinite" restart="never" nodeType="tmRoot">
+          <p:childTnLst>
+            <p:seq concurrent="1" nextAc="seek">
+              <p:cTn id="2" dur="indefinite" nodeType="mainSeq">
+                <p:childTnLst>
+                  <p:par>
+                    <p:cTn id="3" fill="hold">
+                      <p:stCondLst>
+                        <p:cond delay="indefinite"/>
+                      </p:stCondLst>
+                      <p:childTnLst>
+                        <p:par>
+                          <p:cTn id="4" fill="hold">
+                            <p:stCondLst>
+                              <p:cond delay="0"/>
+                            </p:stCondLst>
+                            <p:childTnLst>
+                              <p:par>
+                                <p:cTn id="5" presetID="10" presetClass="entr" presetSubtype="0" fill="hold" grpId="0" nodeType="clickEffect">
+                                  <p:stCondLst>
+                                    <p:cond delay="0"/>
+                                  </p:stCondLst>
+                                  <p:childTnLst>
+                                    <p:set>
+                                      <p:cBhvr>
+                                        <p:cTn id="6" dur="1" fill="hold">
+                                          <p:stCondLst>
+                                            <p:cond delay="0"/>
+                                          </p:stCondLst>
+                                        </p:cTn>
+                                        <p:tgtEl>
+                                          <p:spTgt spid="6">
+                                            <p:graphicEl>
+                                              <a:dgm id="{408D5D52-F5D8-4165-87E7-31FEA1D8E08D}"/>
+                                            </p:graphicEl>
+                                          </p:spTgt>
+                                        </p:tgtEl>
+                                        <p:attrNameLst>
+                                          <p:attrName>style.visibility</p:attrName>
+                                        </p:attrNameLst>
+                                      </p:cBhvr>
+                                      <p:to>
+                                        <p:strVal val="visible"/>
+                                      </p:to>
+                                    </p:set>
+                                    <p:animEffect transition="in" filter="fade">
+                                      <p:cBhvr>
+                                        <p:cTn id="7" dur="500"/>
+                                        <p:tgtEl>
+                                          <p:spTgt spid="6">
+                                            <p:graphicEl>
+                                              <a:dgm id="{408D5D52-F5D8-4165-87E7-31FEA1D8E08D}"/>
+                                            </p:graphicEl>
+                                          </p:spTgt>
+                                        </p:tgtEl>
+                                      </p:cBhvr>
+                                    </p:animEffect>
+                                  </p:childTnLst>
+                                </p:cTn>
+                              </p:par>
+                            </p:childTnLst>
+                          </p:cTn>
+                        </p:par>
+                      </p:childTnLst>
+                    </p:cTn>
+                  </p:par>
+                  <p:par>
+                    <p:cTn id="8" fill="hold">
+                      <p:stCondLst>
+                        <p:cond delay="indefinite"/>
+                      </p:stCondLst>
+                      <p:childTnLst>
+                        <p:par>
+                          <p:cTn id="9" fill="hold">
+                            <p:stCondLst>
+                              <p:cond delay="0"/>
+                            </p:stCondLst>
+                            <p:childTnLst>
+                              <p:par>
+                                <p:cTn id="10" presetID="10" presetClass="entr" presetSubtype="0" fill="hold" grpId="0" nodeType="clickEffect">
+                                  <p:stCondLst>
+                                    <p:cond delay="0"/>
+                                  </p:stCondLst>
+                                  <p:childTnLst>
+                                    <p:set>
+                                      <p:cBhvr>
+                                        <p:cTn id="11" dur="1" fill="hold">
+                                          <p:stCondLst>
+                                            <p:cond delay="0"/>
+                                          </p:stCondLst>
+                                        </p:cTn>
+                                        <p:tgtEl>
+                                          <p:spTgt spid="6">
+                                            <p:graphicEl>
+                                              <a:dgm id="{875AD107-DE15-4C9E-A9CC-151D3D51FD78}"/>
+                                            </p:graphicEl>
+                                          </p:spTgt>
+                                        </p:tgtEl>
+                                        <p:attrNameLst>
+                                          <p:attrName>style.visibility</p:attrName>
+                                        </p:attrNameLst>
+                                      </p:cBhvr>
+                                      <p:to>
+                                        <p:strVal val="visible"/>
+                                      </p:to>
+                                    </p:set>
+                                    <p:animEffect transition="in" filter="fade">
+                                      <p:cBhvr>
+                                        <p:cTn id="12" dur="500"/>
+                                        <p:tgtEl>
+                                          <p:spTgt spid="6">
+                                            <p:graphicEl>
+                                              <a:dgm id="{875AD107-DE15-4C9E-A9CC-151D3D51FD78}"/>
+                                            </p:graphicEl>
+                                          </p:spTgt>
+                                        </p:tgtEl>
+                                      </p:cBhvr>
+                                    </p:animEffect>
+                                  </p:childTnLst>
+                                </p:cTn>
+                              </p:par>
+                            </p:childTnLst>
+                          </p:cTn>
+                        </p:par>
+                      </p:childTnLst>
+                    </p:cTn>
+                  </p:par>
+                  <p:par>
+                    <p:cTn id="13" fill="hold">
+                      <p:stCondLst>
+                        <p:cond delay="indefinite"/>
+                      </p:stCondLst>
+                      <p:childTnLst>
+                        <p:par>
+                          <p:cTn id="14" fill="hold">
+                            <p:stCondLst>
+                              <p:cond delay="0"/>
+                            </p:stCondLst>
+                            <p:childTnLst>
+                              <p:par>
+                                <p:cTn id="15" presetID="10" presetClass="entr" presetSubtype="0" fill="hold" grpId="0" nodeType="clickEffect">
+                                  <p:stCondLst>
+                                    <p:cond delay="0"/>
+                                  </p:stCondLst>
+                                  <p:childTnLst>
+                                    <p:set>
+                                      <p:cBhvr>
+                                        <p:cTn id="16" dur="1" fill="hold">
+                                          <p:stCondLst>
+                                            <p:cond delay="0"/>
+                                          </p:stCondLst>
+                                        </p:cTn>
+                                        <p:tgtEl>
+                                          <p:spTgt spid="6">
+                                            <p:graphicEl>
+                                              <a:dgm id="{6E486EC9-B17B-47EB-B0FF-0BD2C5222D2B}"/>
+                                            </p:graphicEl>
+                                          </p:spTgt>
+                                        </p:tgtEl>
+                                        <p:attrNameLst>
+                                          <p:attrName>style.visibility</p:attrName>
+                                        </p:attrNameLst>
+                                      </p:cBhvr>
+                                      <p:to>
+                                        <p:strVal val="visible"/>
+                                      </p:to>
+                                    </p:set>
+                                    <p:animEffect transition="in" filter="fade">
+                                      <p:cBhvr>
+                                        <p:cTn id="17" dur="500"/>
+                                        <p:tgtEl>
+                                          <p:spTgt spid="6">
+                                            <p:graphicEl>
+                                              <a:dgm id="{6E486EC9-B17B-47EB-B0FF-0BD2C5222D2B}"/>
+                                            </p:graphicEl>
+                                          </p:spTgt>
+                                        </p:tgtEl>
+                                      </p:cBhvr>
+                                    </p:animEffect>
+                                  </p:childTnLst>
+                                </p:cTn>
+                              </p:par>
+                            </p:childTnLst>
+                          </p:cTn>
+                        </p:par>
+                      </p:childTnLst>
+                    </p:cTn>
+                  </p:par>
+                  <p:par>
+                    <p:cTn id="18" fill="hold">
+                      <p:stCondLst>
+                        <p:cond delay="indefinite"/>
+                      </p:stCondLst>
+                      <p:childTnLst>
+                        <p:par>
+                          <p:cTn id="19" fill="hold">
+                            <p:stCondLst>
+                              <p:cond delay="0"/>
+                            </p:stCondLst>
+                            <p:childTnLst>
+                              <p:par>
+                                <p:cTn id="20" presetID="10" presetClass="entr" presetSubtype="0" fill="hold" grpId="0" nodeType="clickEffect">
+                                  <p:stCondLst>
+                                    <p:cond delay="0"/>
+                                  </p:stCondLst>
+                                  <p:childTnLst>
+                                    <p:set>
+                                      <p:cBhvr>
+                                        <p:cTn id="21" dur="1" fill="hold">
+                                          <p:stCondLst>
+                                            <p:cond delay="0"/>
+                                          </p:stCondLst>
+                                        </p:cTn>
+                                        <p:tgtEl>
+                                          <p:spTgt spid="6">
+                                            <p:graphicEl>
+                                              <a:dgm id="{39AF3A46-75D9-4E0A-B42F-FB06F9EDBD2D}"/>
+                                            </p:graphicEl>
+                                          </p:spTgt>
+                                        </p:tgtEl>
+                                        <p:attrNameLst>
+                                          <p:attrName>style.visibility</p:attrName>
+                                        </p:attrNameLst>
+                                      </p:cBhvr>
+                                      <p:to>
+                                        <p:strVal val="visible"/>
+                                      </p:to>
+                                    </p:set>
+                                    <p:animEffect transition="in" filter="fade">
+                                      <p:cBhvr>
+                                        <p:cTn id="22" dur="500"/>
+                                        <p:tgtEl>
+                                          <p:spTgt spid="6">
+                                            <p:graphicEl>
+                                              <a:dgm id="{39AF3A46-75D9-4E0A-B42F-FB06F9EDBD2D}"/>
+                                            </p:graphicEl>
+                                          </p:spTgt>
+                                        </p:tgtEl>
+                                      </p:cBhvr>
+                                    </p:animEffect>
+                                  </p:childTnLst>
+                                </p:cTn>
+                              </p:par>
+                            </p:childTnLst>
+                          </p:cTn>
+                        </p:par>
+                      </p:childTnLst>
+                    </p:cTn>
+                  </p:par>
+                  <p:par>
+                    <p:cTn id="23" fill="hold">
+                      <p:stCondLst>
+                        <p:cond delay="indefinite"/>
+                      </p:stCondLst>
+                      <p:childTnLst>
+                        <p:par>
+                          <p:cTn id="24" fill="hold">
+                            <p:stCondLst>
+                              <p:cond delay="0"/>
+                            </p:stCondLst>
+                            <p:childTnLst>
+                              <p:par>
+                                <p:cTn id="25" presetID="10" presetClass="entr" presetSubtype="0" fill="hold" grpId="0" nodeType="clickEffect">
+                                  <p:stCondLst>
+                                    <p:cond delay="0"/>
+                                  </p:stCondLst>
+                                  <p:childTnLst>
+                                    <p:set>
+                                      <p:cBhvr>
+                                        <p:cTn id="26" dur="1" fill="hold">
+                                          <p:stCondLst>
+                                            <p:cond delay="0"/>
+                                          </p:stCondLst>
+                                        </p:cTn>
+                                        <p:tgtEl>
+                                          <p:spTgt spid="6">
+                                            <p:graphicEl>
+                                              <a:dgm id="{DE020173-7D67-4BC6-B100-77A24FE70396}"/>
+                                            </p:graphicEl>
+                                          </p:spTgt>
+                                        </p:tgtEl>
+                                        <p:attrNameLst>
+                                          <p:attrName>style.visibility</p:attrName>
+                                        </p:attrNameLst>
+                                      </p:cBhvr>
+                                      <p:to>
+                                        <p:strVal val="visible"/>
+                                      </p:to>
+                                    </p:set>
+                                    <p:animEffect transition="in" filter="fade">
+                                      <p:cBhvr>
+                                        <p:cTn id="27" dur="500"/>
+                                        <p:tgtEl>
+                                          <p:spTgt spid="6">
+                                            <p:graphicEl>
+                                              <a:dgm id="{DE020173-7D67-4BC6-B100-77A24FE70396}"/>
+                                            </p:graphicEl>
+                                          </p:spTgt>
+                                        </p:tgtEl>
+                                      </p:cBhvr>
+                                    </p:animEffect>
+                                  </p:childTnLst>
+                                </p:cTn>
+                              </p:par>
+                            </p:childTnLst>
+                          </p:cTn>
+                        </p:par>
+                      </p:childTnLst>
+                    </p:cTn>
+                  </p:par>
+                  <p:par>
+                    <p:cTn id="28" fill="hold">
+                      <p:stCondLst>
+                        <p:cond delay="indefinite"/>
+                      </p:stCondLst>
+                      <p:childTnLst>
+                        <p:par>
+                          <p:cTn id="29" fill="hold">
+                            <p:stCondLst>
+                              <p:cond delay="0"/>
+                            </p:stCondLst>
+                            <p:childTnLst>
+                              <p:par>
+                                <p:cTn id="30" presetID="10" presetClass="entr" presetSubtype="0" fill="hold" grpId="0" nodeType="clickEffect">
+                                  <p:stCondLst>
+                                    <p:cond delay="0"/>
+                                  </p:stCondLst>
+                                  <p:childTnLst>
+                                    <p:set>
+                                      <p:cBhvr>
+                                        <p:cTn id="31" dur="1" fill="hold">
+                                          <p:stCondLst>
+                                            <p:cond delay="0"/>
+                                          </p:stCondLst>
+                                        </p:cTn>
+                                        <p:tgtEl>
+                                          <p:spTgt spid="6">
+                                            <p:graphicEl>
+                                              <a:dgm id="{448DE9C2-CDFB-4357-A205-7279E3FE636E}"/>
+                                            </p:graphicEl>
+                                          </p:spTgt>
+                                        </p:tgtEl>
+                                        <p:attrNameLst>
+                                          <p:attrName>style.visibility</p:attrName>
+                                        </p:attrNameLst>
+                                      </p:cBhvr>
+                                      <p:to>
+                                        <p:strVal val="visible"/>
+                                      </p:to>
+                                    </p:set>
+                                    <p:animEffect transition="in" filter="fade">
+                                      <p:cBhvr>
+                                        <p:cTn id="32" dur="500"/>
+                                        <p:tgtEl>
+                                          <p:spTgt spid="6">
+                                            <p:graphicEl>
+                                              <a:dgm id="{448DE9C2-CDFB-4357-A205-7279E3FE636E}"/>
+                                            </p:graphicEl>
+                                          </p:spTgt>
+                                        </p:tgtEl>
+                                      </p:cBhvr>
+                                    </p:animEffect>
+                                  </p:childTnLst>
+                                </p:cTn>
+                              </p:par>
+                            </p:childTnLst>
+                          </p:cTn>
+                        </p:par>
+                      </p:childTnLst>
+                    </p:cTn>
+                  </p:par>
+                  <p:par>
+                    <p:cTn id="33" fill="hold">
+                      <p:stCondLst>
+                        <p:cond delay="indefinite"/>
+                      </p:stCondLst>
+                      <p:childTnLst>
+                        <p:par>
+                          <p:cTn id="34" fill="hold">
+                            <p:stCondLst>
+                              <p:cond delay="0"/>
+                            </p:stCondLst>
+                            <p:childTnLst>
+                              <p:par>
+                                <p:cTn id="35" presetID="10" presetClass="entr" presetSubtype="0" fill="hold" grpId="0" nodeType="clickEffect">
+                                  <p:stCondLst>
+                                    <p:cond delay="0"/>
+                                  </p:stCondLst>
+                                  <p:childTnLst>
+                                    <p:set>
+                                      <p:cBhvr>
+                                        <p:cTn id="36" dur="1" fill="hold">
+                                          <p:stCondLst>
+                                            <p:cond delay="0"/>
+                                          </p:stCondLst>
+                                        </p:cTn>
+                                        <p:tgtEl>
+                                          <p:spTgt spid="6">
+                                            <p:graphicEl>
+                                              <a:dgm id="{88D0D01E-22F4-4338-A1A7-2D073920F65D}"/>
+                                            </p:graphicEl>
+                                          </p:spTgt>
+                                        </p:tgtEl>
+                                        <p:attrNameLst>
+                                          <p:attrName>style.visibility</p:attrName>
+                                        </p:attrNameLst>
+                                      </p:cBhvr>
+                                      <p:to>
+                                        <p:strVal val="visible"/>
+                                      </p:to>
+                                    </p:set>
+                                    <p:animEffect transition="in" filter="fade">
+                                      <p:cBhvr>
+                                        <p:cTn id="37" dur="500"/>
+                                        <p:tgtEl>
+                                          <p:spTgt spid="6">
+                                            <p:graphicEl>
+                                              <a:dgm id="{88D0D01E-22F4-4338-A1A7-2D073920F65D}"/>
+                                            </p:graphicEl>
+                                          </p:spTgt>
+                                        </p:tgtEl>
+                                      </p:cBhvr>
+                                    </p:animEffect>
+                                  </p:childTnLst>
+                                </p:cTn>
+                              </p:par>
+                            </p:childTnLst>
+                          </p:cTn>
+                        </p:par>
+                      </p:childTnLst>
+                    </p:cTn>
+                  </p:par>
+                  <p:par>
+                    <p:cTn id="38" fill="hold">
+                      <p:stCondLst>
+                        <p:cond delay="indefinite"/>
+                      </p:stCondLst>
+                      <p:childTnLst>
+                        <p:par>
+                          <p:cTn id="39" fill="hold">
+                            <p:stCondLst>
+                              <p:cond delay="0"/>
+                            </p:stCondLst>
+                            <p:childTnLst>
+                              <p:par>
+                                <p:cTn id="40" presetID="10" presetClass="entr" presetSubtype="0" fill="hold" grpId="0" nodeType="clickEffect">
+                                  <p:stCondLst>
+                                    <p:cond delay="0"/>
+                                  </p:stCondLst>
+                                  <p:childTnLst>
+                                    <p:set>
+                                      <p:cBhvr>
+                                        <p:cTn id="41" dur="1" fill="hold">
+                                          <p:stCondLst>
+                                            <p:cond delay="0"/>
+                                          </p:stCondLst>
+                                        </p:cTn>
+                                        <p:tgtEl>
+                                          <p:spTgt spid="6">
+                                            <p:graphicEl>
+                                              <a:dgm id="{510D1D84-78CA-4C21-997C-F1158461B286}"/>
+                                            </p:graphicEl>
+                                          </p:spTgt>
+                                        </p:tgtEl>
+                                        <p:attrNameLst>
+                                          <p:attrName>style.visibility</p:attrName>
+                                        </p:attrNameLst>
+                                      </p:cBhvr>
+                                      <p:to>
+                                        <p:strVal val="visible"/>
+                                      </p:to>
+                                    </p:set>
+                                    <p:animEffect transition="in" filter="fade">
+                                      <p:cBhvr>
+                                        <p:cTn id="42" dur="500"/>
+                                        <p:tgtEl>
+                                          <p:spTgt spid="6">
+                                            <p:graphicEl>
+                                              <a:dgm id="{510D1D84-78CA-4C21-997C-F1158461B286}"/>
+                                            </p:graphicEl>
+                                          </p:spTgt>
+                                        </p:tgtEl>
+                                      </p:cBhvr>
+                                    </p:animEffect>
+                                  </p:childTnLst>
+                                </p:cTn>
+                              </p:par>
+                            </p:childTnLst>
+                          </p:cTn>
+                        </p:par>
+                      </p:childTnLst>
+                    </p:cTn>
+                  </p:par>
+                </p:childTnLst>
+              </p:cTn>
+              <p:prevCondLst>
+                <p:cond evt="onPrev" delay="0">
+                  <p:tgtEl>
+                    <p:sldTgt/>
+                  </p:tgtEl>
+                </p:cond>
+              </p:prevCondLst>
+              <p:nextCondLst>
+                <p:cond evt="onNext" delay="0">
+                  <p:tgtEl>
+                    <p:sldTgt/>
+                  </p:tgtEl>
+                </p:cond>
+              </p:nextCondLst>
+            </p:seq>
+          </p:childTnLst>
+        </p:cTn>
+      </p:par>
+    </p:tnLst>
+    <p:bldLst>
+      <p:bldGraphic spid="6" grpId="0">
+        <p:bldSub>
+          <a:bldDgm bld="one"/>
+        </p:bldSub>
+      </p:bldGraphic>
+    </p:bldLst>
+  </p:timing>
 </p:sld>
 </file>
 
@@ -21404,6 +22905,14 @@
 <file path=ppt/slides/slide21.xml><?xml version="1.0" encoding="utf-8"?>
 <p:sld xmlns:a="http://schemas.openxmlformats.org/drawingml/2006/main" xmlns:r="http://schemas.openxmlformats.org/officeDocument/2006/relationships" xmlns:p="http://schemas.openxmlformats.org/presentationml/2006/main">
   <p:cSld>
+    <p:bg>
+      <p:bgPr>
+        <a:solidFill>
+          <a:srgbClr val="00B050"/>
+        </a:solidFill>
+        <a:effectLst/>
+      </p:bgPr>
+    </p:bg>
     <p:spTree>
       <p:nvGrpSpPr>
         <p:cNvPr id="1" name=""/>
@@ -21420,130 +22929,10 @@
       </p:grpSpPr>
       <p:sp>
         <p:nvSpPr>
-          <p:cNvPr id="2" name="Title 1">
+          <p:cNvPr id="2" name="Footer Placeholder 1">
             <a:extLst>
               <a:ext uri="{FF2B5EF4-FFF2-40B4-BE49-F238E27FC236}">
-                <a16:creationId xmlns:a16="http://schemas.microsoft.com/office/drawing/2014/main" id="{5736833B-4FAD-91E3-2EC7-9AF98AB0996B}"/>
-              </a:ext>
-            </a:extLst>
-          </p:cNvPr>
-          <p:cNvSpPr>
-            <a:spLocks noGrp="1"/>
-          </p:cNvSpPr>
-          <p:nvPr>
-            <p:ph type="title"/>
-          </p:nvPr>
-        </p:nvSpPr>
-        <p:spPr/>
-        <p:txBody>
-          <a:bodyPr/>
-          <a:lstStyle/>
-          <a:p>
-            <a:r>
-              <a:rPr lang="en-US" dirty="0"/>
-              <a:t>Python Features</a:t>
-            </a:r>
-          </a:p>
-        </p:txBody>
-      </p:sp>
-      <p:sp>
-        <p:nvSpPr>
-          <p:cNvPr id="3" name="Content Placeholder 2">
-            <a:extLst>
-              <a:ext uri="{FF2B5EF4-FFF2-40B4-BE49-F238E27FC236}">
-                <a16:creationId xmlns:a16="http://schemas.microsoft.com/office/drawing/2014/main" id="{71FB8A7E-8F69-6587-5E4D-A1BB38D60AEE}"/>
-              </a:ext>
-            </a:extLst>
-          </p:cNvPr>
-          <p:cNvSpPr>
-            <a:spLocks noGrp="1"/>
-          </p:cNvSpPr>
-          <p:nvPr>
-            <p:ph idx="1"/>
-          </p:nvPr>
-        </p:nvSpPr>
-        <p:spPr>
-          <a:xfrm>
-            <a:off x="1202919" y="2011679"/>
-            <a:ext cx="9784080" cy="4979429"/>
-          </a:xfrm>
-        </p:spPr>
-        <p:txBody>
-          <a:bodyPr>
-            <a:normAutofit fontScale="85000" lnSpcReduction="20000"/>
-          </a:bodyPr>
-          <a:lstStyle/>
-          <a:p>
-            <a:r>
-              <a:rPr lang="en-US" dirty="0"/>
-              <a:t>Easy to read</a:t>
-            </a:r>
-          </a:p>
-          <a:p>
-            <a:r>
-              <a:rPr lang="en-US" dirty="0"/>
-              <a:t>Easy to learn</a:t>
-            </a:r>
-          </a:p>
-          <a:p>
-            <a:r>
-              <a:rPr lang="en-US" dirty="0"/>
-              <a:t>Interactive mode</a:t>
-            </a:r>
-          </a:p>
-          <a:p>
-            <a:r>
-              <a:rPr lang="en-US" dirty="0"/>
-              <a:t>Portable</a:t>
-            </a:r>
-          </a:p>
-          <a:p>
-            <a:r>
-              <a:rPr lang="en-US" dirty="0"/>
-              <a:t>Fast to develop</a:t>
-            </a:r>
-          </a:p>
-          <a:p>
-            <a:r>
-              <a:rPr lang="en-US" dirty="0"/>
-              <a:t>Many different libraries</a:t>
-            </a:r>
-          </a:p>
-          <a:p>
-            <a:r>
-              <a:rPr lang="en-US" dirty="0"/>
-              <a:t>Excellent community and support</a:t>
-            </a:r>
-          </a:p>
-          <a:p>
-            <a:r>
-              <a:rPr lang="en-US" dirty="0"/>
-              <a:t>Open-source</a:t>
-            </a:r>
-          </a:p>
-          <a:p>
-            <a:r>
-              <a:rPr lang="en-US" dirty="0"/>
-              <a:t>Scalable</a:t>
-            </a:r>
-          </a:p>
-          <a:p>
-            <a:r>
-              <a:rPr lang="en-US" dirty="0"/>
-              <a:t>…</a:t>
-            </a:r>
-          </a:p>
-          <a:p>
-            <a:endParaRPr lang="en-US" dirty="0"/>
-          </a:p>
-        </p:txBody>
-      </p:sp>
-      <p:sp>
-        <p:nvSpPr>
-          <p:cNvPr id="4" name="Footer Placeholder 3">
-            <a:extLst>
-              <a:ext uri="{FF2B5EF4-FFF2-40B4-BE49-F238E27FC236}">
-                <a16:creationId xmlns:a16="http://schemas.microsoft.com/office/drawing/2014/main" id="{AD1E9884-9330-FCA6-9AB3-452AC258973D}"/>
+                <a16:creationId xmlns:a16="http://schemas.microsoft.com/office/drawing/2014/main" id="{88F3A02B-EBDE-A1C4-048E-E606628F0D93}"/>
               </a:ext>
             </a:extLst>
           </p:cNvPr>
@@ -21569,10 +22958,10 @@
       </p:sp>
       <p:sp>
         <p:nvSpPr>
-          <p:cNvPr id="5" name="Slide Number Placeholder 4">
+          <p:cNvPr id="4" name="Slide Number Placeholder 3">
             <a:extLst>
               <a:ext uri="{FF2B5EF4-FFF2-40B4-BE49-F238E27FC236}">
-                <a16:creationId xmlns:a16="http://schemas.microsoft.com/office/drawing/2014/main" id="{032A66FE-39E1-7164-2A34-C24BB810559F}"/>
+                <a16:creationId xmlns:a16="http://schemas.microsoft.com/office/drawing/2014/main" id="{872D2B23-7846-DE1D-E096-383132454A1B}"/>
               </a:ext>
             </a:extLst>
           </p:cNvPr>
@@ -21596,10 +22985,50 @@
           </a:p>
         </p:txBody>
       </p:sp>
+      <p:sp>
+        <p:nvSpPr>
+          <p:cNvPr id="5" name="Title 4">
+            <a:extLst>
+              <a:ext uri="{FF2B5EF4-FFF2-40B4-BE49-F238E27FC236}">
+                <a16:creationId xmlns:a16="http://schemas.microsoft.com/office/drawing/2014/main" id="{3E1FC432-A453-870C-34F6-F5AB1E824DD3}"/>
+              </a:ext>
+            </a:extLst>
+          </p:cNvPr>
+          <p:cNvSpPr>
+            <a:spLocks noGrp="1"/>
+          </p:cNvSpPr>
+          <p:nvPr>
+            <p:ph type="title"/>
+          </p:nvPr>
+        </p:nvSpPr>
+        <p:spPr>
+          <a:xfrm>
+            <a:off x="1110322" y="2674620"/>
+            <a:ext cx="9784080" cy="1508760"/>
+          </a:xfrm>
+        </p:spPr>
+        <p:txBody>
+          <a:bodyPr>
+            <a:normAutofit/>
+          </a:bodyPr>
+          <a:lstStyle/>
+          <a:p>
+            <a:pPr algn="ctr"/>
+            <a:r>
+              <a:rPr lang="en-US" sz="6000" dirty="0">
+                <a:solidFill>
+                  <a:schemeClr val="tx1"/>
+                </a:solidFill>
+              </a:rPr>
+              <a:t>Welcome to Python!🎉</a:t>
+            </a:r>
+          </a:p>
+        </p:txBody>
+      </p:sp>
     </p:spTree>
     <p:extLst>
       <p:ext uri="{BB962C8B-B14F-4D97-AF65-F5344CB8AC3E}">
-        <p14:creationId xmlns:p14="http://schemas.microsoft.com/office/powerpoint/2010/main" val="4002102396"/>
+        <p14:creationId xmlns:p14="http://schemas.microsoft.com/office/powerpoint/2010/main" val="2099530326"/>
       </p:ext>
     </p:extLst>
   </p:cSld>
@@ -21649,6 +23078,854 @@
           <a:p>
             <a:r>
               <a:rPr lang="en-US" dirty="0"/>
+              <a:t>Python Features</a:t>
+            </a:r>
+          </a:p>
+        </p:txBody>
+      </p:sp>
+      <p:sp>
+        <p:nvSpPr>
+          <p:cNvPr id="3" name="Content Placeholder 2">
+            <a:extLst>
+              <a:ext uri="{FF2B5EF4-FFF2-40B4-BE49-F238E27FC236}">
+                <a16:creationId xmlns:a16="http://schemas.microsoft.com/office/drawing/2014/main" id="{71FB8A7E-8F69-6587-5E4D-A1BB38D60AEE}"/>
+              </a:ext>
+            </a:extLst>
+          </p:cNvPr>
+          <p:cNvSpPr>
+            <a:spLocks noGrp="1"/>
+          </p:cNvSpPr>
+          <p:nvPr>
+            <p:ph idx="1"/>
+          </p:nvPr>
+        </p:nvSpPr>
+        <p:spPr>
+          <a:xfrm>
+            <a:off x="1202919" y="2011679"/>
+            <a:ext cx="9784080" cy="4979429"/>
+          </a:xfrm>
+        </p:spPr>
+        <p:txBody>
+          <a:bodyPr>
+            <a:normAutofit fontScale="85000" lnSpcReduction="20000"/>
+          </a:bodyPr>
+          <a:lstStyle/>
+          <a:p>
+            <a:r>
+              <a:rPr lang="en-US" dirty="0"/>
+              <a:t>Easy to read</a:t>
+            </a:r>
+          </a:p>
+          <a:p>
+            <a:r>
+              <a:rPr lang="en-US" dirty="0"/>
+              <a:t>Easy to learn</a:t>
+            </a:r>
+          </a:p>
+          <a:p>
+            <a:r>
+              <a:rPr lang="en-US" dirty="0"/>
+              <a:t>Interactive mode</a:t>
+            </a:r>
+          </a:p>
+          <a:p>
+            <a:r>
+              <a:rPr lang="en-US" dirty="0"/>
+              <a:t>Portable</a:t>
+            </a:r>
+          </a:p>
+          <a:p>
+            <a:r>
+              <a:rPr lang="en-US" dirty="0"/>
+              <a:t>Fast to develop</a:t>
+            </a:r>
+          </a:p>
+          <a:p>
+            <a:r>
+              <a:rPr lang="en-US" dirty="0"/>
+              <a:t>Many different libraries</a:t>
+            </a:r>
+          </a:p>
+          <a:p>
+            <a:r>
+              <a:rPr lang="en-US" dirty="0"/>
+              <a:t>Excellent community and support</a:t>
+            </a:r>
+          </a:p>
+          <a:p>
+            <a:r>
+              <a:rPr lang="en-US" dirty="0"/>
+              <a:t>Open-source</a:t>
+            </a:r>
+          </a:p>
+          <a:p>
+            <a:r>
+              <a:rPr lang="en-US" dirty="0"/>
+              <a:t>Scalable</a:t>
+            </a:r>
+          </a:p>
+          <a:p>
+            <a:r>
+              <a:rPr lang="en-US" dirty="0"/>
+              <a:t>…</a:t>
+            </a:r>
+          </a:p>
+          <a:p>
+            <a:endParaRPr lang="en-US" dirty="0"/>
+          </a:p>
+        </p:txBody>
+      </p:sp>
+      <p:sp>
+        <p:nvSpPr>
+          <p:cNvPr id="4" name="Footer Placeholder 3">
+            <a:extLst>
+              <a:ext uri="{FF2B5EF4-FFF2-40B4-BE49-F238E27FC236}">
+                <a16:creationId xmlns:a16="http://schemas.microsoft.com/office/drawing/2014/main" id="{AD1E9884-9330-FCA6-9AB3-452AC258973D}"/>
+              </a:ext>
+            </a:extLst>
+          </p:cNvPr>
+          <p:cNvSpPr>
+            <a:spLocks noGrp="1"/>
+          </p:cNvSpPr>
+          <p:nvPr>
+            <p:ph type="ftr" sz="quarter" idx="11"/>
+          </p:nvPr>
+        </p:nvSpPr>
+        <p:spPr/>
+        <p:txBody>
+          <a:bodyPr/>
+          <a:lstStyle/>
+          <a:p>
+            <a:r>
+              <a:rPr lang="en-US"/>
+              <a:t>Fundamental Programming with Python</a:t>
+            </a:r>
+            <a:endParaRPr lang="en-US" dirty="0"/>
+          </a:p>
+        </p:txBody>
+      </p:sp>
+      <p:sp>
+        <p:nvSpPr>
+          <p:cNvPr id="5" name="Slide Number Placeholder 4">
+            <a:extLst>
+              <a:ext uri="{FF2B5EF4-FFF2-40B4-BE49-F238E27FC236}">
+                <a16:creationId xmlns:a16="http://schemas.microsoft.com/office/drawing/2014/main" id="{032A66FE-39E1-7164-2A34-C24BB810559F}"/>
+              </a:ext>
+            </a:extLst>
+          </p:cNvPr>
+          <p:cNvSpPr>
+            <a:spLocks noGrp="1"/>
+          </p:cNvSpPr>
+          <p:nvPr>
+            <p:ph type="sldNum" sz="quarter" idx="12"/>
+          </p:nvPr>
+        </p:nvSpPr>
+        <p:spPr/>
+        <p:txBody>
+          <a:bodyPr/>
+          <a:lstStyle/>
+          <a:p>
+            <a:fld id="{0079CAC6-A72B-4EF8-B465-34FA47827E7F}" type="slidenum">
+              <a:rPr lang="en-US" smtClean="0"/>
+              <a:t>22</a:t>
+            </a:fld>
+            <a:endParaRPr lang="en-US" dirty="0"/>
+          </a:p>
+        </p:txBody>
+      </p:sp>
+    </p:spTree>
+    <p:extLst>
+      <p:ext uri="{BB962C8B-B14F-4D97-AF65-F5344CB8AC3E}">
+        <p14:creationId xmlns:p14="http://schemas.microsoft.com/office/powerpoint/2010/main" val="4002102396"/>
+      </p:ext>
+    </p:extLst>
+  </p:cSld>
+  <p:clrMapOvr>
+    <a:masterClrMapping/>
+  </p:clrMapOvr>
+  <p:timing>
+    <p:tnLst>
+      <p:par>
+        <p:cTn id="1" dur="indefinite" restart="never" nodeType="tmRoot">
+          <p:childTnLst>
+            <p:seq concurrent="1" nextAc="seek">
+              <p:cTn id="2" dur="indefinite" nodeType="mainSeq">
+                <p:childTnLst>
+                  <p:par>
+                    <p:cTn id="3" fill="hold">
+                      <p:stCondLst>
+                        <p:cond delay="indefinite"/>
+                      </p:stCondLst>
+                      <p:childTnLst>
+                        <p:par>
+                          <p:cTn id="4" fill="hold">
+                            <p:stCondLst>
+                              <p:cond delay="0"/>
+                            </p:stCondLst>
+                            <p:childTnLst>
+                              <p:par>
+                                <p:cTn id="5" presetID="10" presetClass="entr" presetSubtype="0" fill="hold" nodeType="clickEffect">
+                                  <p:stCondLst>
+                                    <p:cond delay="0"/>
+                                  </p:stCondLst>
+                                  <p:childTnLst>
+                                    <p:set>
+                                      <p:cBhvr>
+                                        <p:cTn id="6" dur="1" fill="hold">
+                                          <p:stCondLst>
+                                            <p:cond delay="0"/>
+                                          </p:stCondLst>
+                                        </p:cTn>
+                                        <p:tgtEl>
+                                          <p:spTgt spid="3">
+                                            <p:txEl>
+                                              <p:pRg st="0" end="0"/>
+                                            </p:txEl>
+                                          </p:spTgt>
+                                        </p:tgtEl>
+                                        <p:attrNameLst>
+                                          <p:attrName>style.visibility</p:attrName>
+                                        </p:attrNameLst>
+                                      </p:cBhvr>
+                                      <p:to>
+                                        <p:strVal val="visible"/>
+                                      </p:to>
+                                    </p:set>
+                                    <p:animEffect transition="in" filter="fade">
+                                      <p:cBhvr>
+                                        <p:cTn id="7" dur="500"/>
+                                        <p:tgtEl>
+                                          <p:spTgt spid="3">
+                                            <p:txEl>
+                                              <p:pRg st="0" end="0"/>
+                                            </p:txEl>
+                                          </p:spTgt>
+                                        </p:tgtEl>
+                                      </p:cBhvr>
+                                    </p:animEffect>
+                                  </p:childTnLst>
+                                </p:cTn>
+                              </p:par>
+                            </p:childTnLst>
+                          </p:cTn>
+                        </p:par>
+                      </p:childTnLst>
+                    </p:cTn>
+                  </p:par>
+                  <p:par>
+                    <p:cTn id="8" fill="hold">
+                      <p:stCondLst>
+                        <p:cond delay="indefinite"/>
+                      </p:stCondLst>
+                      <p:childTnLst>
+                        <p:par>
+                          <p:cTn id="9" fill="hold">
+                            <p:stCondLst>
+                              <p:cond delay="0"/>
+                            </p:stCondLst>
+                            <p:childTnLst>
+                              <p:par>
+                                <p:cTn id="10" presetID="10" presetClass="entr" presetSubtype="0" fill="hold" nodeType="clickEffect">
+                                  <p:stCondLst>
+                                    <p:cond delay="0"/>
+                                  </p:stCondLst>
+                                  <p:childTnLst>
+                                    <p:set>
+                                      <p:cBhvr>
+                                        <p:cTn id="11" dur="1" fill="hold">
+                                          <p:stCondLst>
+                                            <p:cond delay="0"/>
+                                          </p:stCondLst>
+                                        </p:cTn>
+                                        <p:tgtEl>
+                                          <p:spTgt spid="3">
+                                            <p:txEl>
+                                              <p:pRg st="1" end="1"/>
+                                            </p:txEl>
+                                          </p:spTgt>
+                                        </p:tgtEl>
+                                        <p:attrNameLst>
+                                          <p:attrName>style.visibility</p:attrName>
+                                        </p:attrNameLst>
+                                      </p:cBhvr>
+                                      <p:to>
+                                        <p:strVal val="visible"/>
+                                      </p:to>
+                                    </p:set>
+                                    <p:animEffect transition="in" filter="fade">
+                                      <p:cBhvr>
+                                        <p:cTn id="12" dur="500"/>
+                                        <p:tgtEl>
+                                          <p:spTgt spid="3">
+                                            <p:txEl>
+                                              <p:pRg st="1" end="1"/>
+                                            </p:txEl>
+                                          </p:spTgt>
+                                        </p:tgtEl>
+                                      </p:cBhvr>
+                                    </p:animEffect>
+                                  </p:childTnLst>
+                                </p:cTn>
+                              </p:par>
+                            </p:childTnLst>
+                          </p:cTn>
+                        </p:par>
+                      </p:childTnLst>
+                    </p:cTn>
+                  </p:par>
+                  <p:par>
+                    <p:cTn id="13" fill="hold">
+                      <p:stCondLst>
+                        <p:cond delay="indefinite"/>
+                      </p:stCondLst>
+                      <p:childTnLst>
+                        <p:par>
+                          <p:cTn id="14" fill="hold">
+                            <p:stCondLst>
+                              <p:cond delay="0"/>
+                            </p:stCondLst>
+                            <p:childTnLst>
+                              <p:par>
+                                <p:cTn id="15" presetID="10" presetClass="entr" presetSubtype="0" fill="hold" nodeType="clickEffect">
+                                  <p:stCondLst>
+                                    <p:cond delay="0"/>
+                                  </p:stCondLst>
+                                  <p:childTnLst>
+                                    <p:set>
+                                      <p:cBhvr>
+                                        <p:cTn id="16" dur="1" fill="hold">
+                                          <p:stCondLst>
+                                            <p:cond delay="0"/>
+                                          </p:stCondLst>
+                                        </p:cTn>
+                                        <p:tgtEl>
+                                          <p:spTgt spid="3">
+                                            <p:txEl>
+                                              <p:pRg st="2" end="2"/>
+                                            </p:txEl>
+                                          </p:spTgt>
+                                        </p:tgtEl>
+                                        <p:attrNameLst>
+                                          <p:attrName>style.visibility</p:attrName>
+                                        </p:attrNameLst>
+                                      </p:cBhvr>
+                                      <p:to>
+                                        <p:strVal val="visible"/>
+                                      </p:to>
+                                    </p:set>
+                                    <p:animEffect transition="in" filter="fade">
+                                      <p:cBhvr>
+                                        <p:cTn id="17" dur="500"/>
+                                        <p:tgtEl>
+                                          <p:spTgt spid="3">
+                                            <p:txEl>
+                                              <p:pRg st="2" end="2"/>
+                                            </p:txEl>
+                                          </p:spTgt>
+                                        </p:tgtEl>
+                                      </p:cBhvr>
+                                    </p:animEffect>
+                                  </p:childTnLst>
+                                </p:cTn>
+                              </p:par>
+                            </p:childTnLst>
+                          </p:cTn>
+                        </p:par>
+                      </p:childTnLst>
+                    </p:cTn>
+                  </p:par>
+                  <p:par>
+                    <p:cTn id="18" fill="hold">
+                      <p:stCondLst>
+                        <p:cond delay="indefinite"/>
+                      </p:stCondLst>
+                      <p:childTnLst>
+                        <p:par>
+                          <p:cTn id="19" fill="hold">
+                            <p:stCondLst>
+                              <p:cond delay="0"/>
+                            </p:stCondLst>
+                            <p:childTnLst>
+                              <p:par>
+                                <p:cTn id="20" presetID="10" presetClass="entr" presetSubtype="0" fill="hold" nodeType="clickEffect">
+                                  <p:stCondLst>
+                                    <p:cond delay="0"/>
+                                  </p:stCondLst>
+                                  <p:childTnLst>
+                                    <p:set>
+                                      <p:cBhvr>
+                                        <p:cTn id="21" dur="1" fill="hold">
+                                          <p:stCondLst>
+                                            <p:cond delay="0"/>
+                                          </p:stCondLst>
+                                        </p:cTn>
+                                        <p:tgtEl>
+                                          <p:spTgt spid="3">
+                                            <p:txEl>
+                                              <p:pRg st="3" end="3"/>
+                                            </p:txEl>
+                                          </p:spTgt>
+                                        </p:tgtEl>
+                                        <p:attrNameLst>
+                                          <p:attrName>style.visibility</p:attrName>
+                                        </p:attrNameLst>
+                                      </p:cBhvr>
+                                      <p:to>
+                                        <p:strVal val="visible"/>
+                                      </p:to>
+                                    </p:set>
+                                    <p:animEffect transition="in" filter="fade">
+                                      <p:cBhvr>
+                                        <p:cTn id="22" dur="500"/>
+                                        <p:tgtEl>
+                                          <p:spTgt spid="3">
+                                            <p:txEl>
+                                              <p:pRg st="3" end="3"/>
+                                            </p:txEl>
+                                          </p:spTgt>
+                                        </p:tgtEl>
+                                      </p:cBhvr>
+                                    </p:animEffect>
+                                  </p:childTnLst>
+                                </p:cTn>
+                              </p:par>
+                            </p:childTnLst>
+                          </p:cTn>
+                        </p:par>
+                      </p:childTnLst>
+                    </p:cTn>
+                  </p:par>
+                  <p:par>
+                    <p:cTn id="23" fill="hold">
+                      <p:stCondLst>
+                        <p:cond delay="indefinite"/>
+                      </p:stCondLst>
+                      <p:childTnLst>
+                        <p:par>
+                          <p:cTn id="24" fill="hold">
+                            <p:stCondLst>
+                              <p:cond delay="0"/>
+                            </p:stCondLst>
+                            <p:childTnLst>
+                              <p:par>
+                                <p:cTn id="25" presetID="10" presetClass="entr" presetSubtype="0" fill="hold" nodeType="clickEffect">
+                                  <p:stCondLst>
+                                    <p:cond delay="0"/>
+                                  </p:stCondLst>
+                                  <p:childTnLst>
+                                    <p:set>
+                                      <p:cBhvr>
+                                        <p:cTn id="26" dur="1" fill="hold">
+                                          <p:stCondLst>
+                                            <p:cond delay="0"/>
+                                          </p:stCondLst>
+                                        </p:cTn>
+                                        <p:tgtEl>
+                                          <p:spTgt spid="3">
+                                            <p:txEl>
+                                              <p:pRg st="4" end="4"/>
+                                            </p:txEl>
+                                          </p:spTgt>
+                                        </p:tgtEl>
+                                        <p:attrNameLst>
+                                          <p:attrName>style.visibility</p:attrName>
+                                        </p:attrNameLst>
+                                      </p:cBhvr>
+                                      <p:to>
+                                        <p:strVal val="visible"/>
+                                      </p:to>
+                                    </p:set>
+                                    <p:animEffect transition="in" filter="fade">
+                                      <p:cBhvr>
+                                        <p:cTn id="27" dur="500"/>
+                                        <p:tgtEl>
+                                          <p:spTgt spid="3">
+                                            <p:txEl>
+                                              <p:pRg st="4" end="4"/>
+                                            </p:txEl>
+                                          </p:spTgt>
+                                        </p:tgtEl>
+                                      </p:cBhvr>
+                                    </p:animEffect>
+                                  </p:childTnLst>
+                                </p:cTn>
+                              </p:par>
+                            </p:childTnLst>
+                          </p:cTn>
+                        </p:par>
+                      </p:childTnLst>
+                    </p:cTn>
+                  </p:par>
+                  <p:par>
+                    <p:cTn id="28" fill="hold">
+                      <p:stCondLst>
+                        <p:cond delay="indefinite"/>
+                      </p:stCondLst>
+                      <p:childTnLst>
+                        <p:par>
+                          <p:cTn id="29" fill="hold">
+                            <p:stCondLst>
+                              <p:cond delay="0"/>
+                            </p:stCondLst>
+                            <p:childTnLst>
+                              <p:par>
+                                <p:cTn id="30" presetID="10" presetClass="entr" presetSubtype="0" fill="hold" nodeType="clickEffect">
+                                  <p:stCondLst>
+                                    <p:cond delay="0"/>
+                                  </p:stCondLst>
+                                  <p:childTnLst>
+                                    <p:set>
+                                      <p:cBhvr>
+                                        <p:cTn id="31" dur="1" fill="hold">
+                                          <p:stCondLst>
+                                            <p:cond delay="0"/>
+                                          </p:stCondLst>
+                                        </p:cTn>
+                                        <p:tgtEl>
+                                          <p:spTgt spid="3">
+                                            <p:txEl>
+                                              <p:pRg st="5" end="5"/>
+                                            </p:txEl>
+                                          </p:spTgt>
+                                        </p:tgtEl>
+                                        <p:attrNameLst>
+                                          <p:attrName>style.visibility</p:attrName>
+                                        </p:attrNameLst>
+                                      </p:cBhvr>
+                                      <p:to>
+                                        <p:strVal val="visible"/>
+                                      </p:to>
+                                    </p:set>
+                                    <p:animEffect transition="in" filter="fade">
+                                      <p:cBhvr>
+                                        <p:cTn id="32" dur="500"/>
+                                        <p:tgtEl>
+                                          <p:spTgt spid="3">
+                                            <p:txEl>
+                                              <p:pRg st="5" end="5"/>
+                                            </p:txEl>
+                                          </p:spTgt>
+                                        </p:tgtEl>
+                                      </p:cBhvr>
+                                    </p:animEffect>
+                                  </p:childTnLst>
+                                </p:cTn>
+                              </p:par>
+                            </p:childTnLst>
+                          </p:cTn>
+                        </p:par>
+                      </p:childTnLst>
+                    </p:cTn>
+                  </p:par>
+                  <p:par>
+                    <p:cTn id="33" fill="hold">
+                      <p:stCondLst>
+                        <p:cond delay="indefinite"/>
+                      </p:stCondLst>
+                      <p:childTnLst>
+                        <p:par>
+                          <p:cTn id="34" fill="hold">
+                            <p:stCondLst>
+                              <p:cond delay="0"/>
+                            </p:stCondLst>
+                            <p:childTnLst>
+                              <p:par>
+                                <p:cTn id="35" presetID="10" presetClass="entr" presetSubtype="0" fill="hold" nodeType="clickEffect">
+                                  <p:stCondLst>
+                                    <p:cond delay="0"/>
+                                  </p:stCondLst>
+                                  <p:childTnLst>
+                                    <p:set>
+                                      <p:cBhvr>
+                                        <p:cTn id="36" dur="1" fill="hold">
+                                          <p:stCondLst>
+                                            <p:cond delay="0"/>
+                                          </p:stCondLst>
+                                        </p:cTn>
+                                        <p:tgtEl>
+                                          <p:spTgt spid="3">
+                                            <p:txEl>
+                                              <p:pRg st="6" end="6"/>
+                                            </p:txEl>
+                                          </p:spTgt>
+                                        </p:tgtEl>
+                                        <p:attrNameLst>
+                                          <p:attrName>style.visibility</p:attrName>
+                                        </p:attrNameLst>
+                                      </p:cBhvr>
+                                      <p:to>
+                                        <p:strVal val="visible"/>
+                                      </p:to>
+                                    </p:set>
+                                    <p:animEffect transition="in" filter="fade">
+                                      <p:cBhvr>
+                                        <p:cTn id="37" dur="500"/>
+                                        <p:tgtEl>
+                                          <p:spTgt spid="3">
+                                            <p:txEl>
+                                              <p:pRg st="6" end="6"/>
+                                            </p:txEl>
+                                          </p:spTgt>
+                                        </p:tgtEl>
+                                      </p:cBhvr>
+                                    </p:animEffect>
+                                  </p:childTnLst>
+                                </p:cTn>
+                              </p:par>
+                            </p:childTnLst>
+                          </p:cTn>
+                        </p:par>
+                      </p:childTnLst>
+                    </p:cTn>
+                  </p:par>
+                  <p:par>
+                    <p:cTn id="38" fill="hold">
+                      <p:stCondLst>
+                        <p:cond delay="indefinite"/>
+                      </p:stCondLst>
+                      <p:childTnLst>
+                        <p:par>
+                          <p:cTn id="39" fill="hold">
+                            <p:stCondLst>
+                              <p:cond delay="0"/>
+                            </p:stCondLst>
+                            <p:childTnLst>
+                              <p:par>
+                                <p:cTn id="40" presetID="10" presetClass="entr" presetSubtype="0" fill="hold" nodeType="clickEffect">
+                                  <p:stCondLst>
+                                    <p:cond delay="0"/>
+                                  </p:stCondLst>
+                                  <p:childTnLst>
+                                    <p:set>
+                                      <p:cBhvr>
+                                        <p:cTn id="41" dur="1" fill="hold">
+                                          <p:stCondLst>
+                                            <p:cond delay="0"/>
+                                          </p:stCondLst>
+                                        </p:cTn>
+                                        <p:tgtEl>
+                                          <p:spTgt spid="3">
+                                            <p:txEl>
+                                              <p:pRg st="7" end="7"/>
+                                            </p:txEl>
+                                          </p:spTgt>
+                                        </p:tgtEl>
+                                        <p:attrNameLst>
+                                          <p:attrName>style.visibility</p:attrName>
+                                        </p:attrNameLst>
+                                      </p:cBhvr>
+                                      <p:to>
+                                        <p:strVal val="visible"/>
+                                      </p:to>
+                                    </p:set>
+                                    <p:animEffect transition="in" filter="fade">
+                                      <p:cBhvr>
+                                        <p:cTn id="42" dur="500"/>
+                                        <p:tgtEl>
+                                          <p:spTgt spid="3">
+                                            <p:txEl>
+                                              <p:pRg st="7" end="7"/>
+                                            </p:txEl>
+                                          </p:spTgt>
+                                        </p:tgtEl>
+                                      </p:cBhvr>
+                                    </p:animEffect>
+                                  </p:childTnLst>
+                                </p:cTn>
+                              </p:par>
+                            </p:childTnLst>
+                          </p:cTn>
+                        </p:par>
+                      </p:childTnLst>
+                    </p:cTn>
+                  </p:par>
+                  <p:par>
+                    <p:cTn id="43" fill="hold">
+                      <p:stCondLst>
+                        <p:cond delay="indefinite"/>
+                      </p:stCondLst>
+                      <p:childTnLst>
+                        <p:par>
+                          <p:cTn id="44" fill="hold">
+                            <p:stCondLst>
+                              <p:cond delay="0"/>
+                            </p:stCondLst>
+                            <p:childTnLst>
+                              <p:par>
+                                <p:cTn id="45" presetID="10" presetClass="entr" presetSubtype="0" fill="hold" nodeType="clickEffect">
+                                  <p:stCondLst>
+                                    <p:cond delay="0"/>
+                                  </p:stCondLst>
+                                  <p:childTnLst>
+                                    <p:set>
+                                      <p:cBhvr>
+                                        <p:cTn id="46" dur="1" fill="hold">
+                                          <p:stCondLst>
+                                            <p:cond delay="0"/>
+                                          </p:stCondLst>
+                                        </p:cTn>
+                                        <p:tgtEl>
+                                          <p:spTgt spid="3">
+                                            <p:txEl>
+                                              <p:pRg st="8" end="8"/>
+                                            </p:txEl>
+                                          </p:spTgt>
+                                        </p:tgtEl>
+                                        <p:attrNameLst>
+                                          <p:attrName>style.visibility</p:attrName>
+                                        </p:attrNameLst>
+                                      </p:cBhvr>
+                                      <p:to>
+                                        <p:strVal val="visible"/>
+                                      </p:to>
+                                    </p:set>
+                                    <p:animEffect transition="in" filter="fade">
+                                      <p:cBhvr>
+                                        <p:cTn id="47" dur="500"/>
+                                        <p:tgtEl>
+                                          <p:spTgt spid="3">
+                                            <p:txEl>
+                                              <p:pRg st="8" end="8"/>
+                                            </p:txEl>
+                                          </p:spTgt>
+                                        </p:tgtEl>
+                                      </p:cBhvr>
+                                    </p:animEffect>
+                                  </p:childTnLst>
+                                </p:cTn>
+                              </p:par>
+                            </p:childTnLst>
+                          </p:cTn>
+                        </p:par>
+                      </p:childTnLst>
+                    </p:cTn>
+                  </p:par>
+                  <p:par>
+                    <p:cTn id="48" fill="hold">
+                      <p:stCondLst>
+                        <p:cond delay="indefinite"/>
+                      </p:stCondLst>
+                      <p:childTnLst>
+                        <p:par>
+                          <p:cTn id="49" fill="hold">
+                            <p:stCondLst>
+                              <p:cond delay="0"/>
+                            </p:stCondLst>
+                            <p:childTnLst>
+                              <p:par>
+                                <p:cTn id="50" presetID="10" presetClass="entr" presetSubtype="0" fill="hold" nodeType="clickEffect">
+                                  <p:stCondLst>
+                                    <p:cond delay="0"/>
+                                  </p:stCondLst>
+                                  <p:childTnLst>
+                                    <p:set>
+                                      <p:cBhvr>
+                                        <p:cTn id="51" dur="1" fill="hold">
+                                          <p:stCondLst>
+                                            <p:cond delay="0"/>
+                                          </p:stCondLst>
+                                        </p:cTn>
+                                        <p:tgtEl>
+                                          <p:spTgt spid="3">
+                                            <p:txEl>
+                                              <p:pRg st="9" end="9"/>
+                                            </p:txEl>
+                                          </p:spTgt>
+                                        </p:tgtEl>
+                                        <p:attrNameLst>
+                                          <p:attrName>style.visibility</p:attrName>
+                                        </p:attrNameLst>
+                                      </p:cBhvr>
+                                      <p:to>
+                                        <p:strVal val="visible"/>
+                                      </p:to>
+                                    </p:set>
+                                    <p:animEffect transition="in" filter="fade">
+                                      <p:cBhvr>
+                                        <p:cTn id="52" dur="500"/>
+                                        <p:tgtEl>
+                                          <p:spTgt spid="3">
+                                            <p:txEl>
+                                              <p:pRg st="9" end="9"/>
+                                            </p:txEl>
+                                          </p:spTgt>
+                                        </p:tgtEl>
+                                      </p:cBhvr>
+                                    </p:animEffect>
+                                  </p:childTnLst>
+                                </p:cTn>
+                              </p:par>
+                            </p:childTnLst>
+                          </p:cTn>
+                        </p:par>
+                      </p:childTnLst>
+                    </p:cTn>
+                  </p:par>
+                </p:childTnLst>
+              </p:cTn>
+              <p:prevCondLst>
+                <p:cond evt="onPrev" delay="0">
+                  <p:tgtEl>
+                    <p:sldTgt/>
+                  </p:tgtEl>
+                </p:cond>
+              </p:prevCondLst>
+              <p:nextCondLst>
+                <p:cond evt="onNext" delay="0">
+                  <p:tgtEl>
+                    <p:sldTgt/>
+                  </p:tgtEl>
+                </p:cond>
+              </p:nextCondLst>
+            </p:seq>
+          </p:childTnLst>
+        </p:cTn>
+      </p:par>
+    </p:tnLst>
+  </p:timing>
+</p:sld>
+</file>
+
+<file path=ppt/slides/slide23.xml><?xml version="1.0" encoding="utf-8"?>
+<p:sld xmlns:a="http://schemas.openxmlformats.org/drawingml/2006/main" xmlns:r="http://schemas.openxmlformats.org/officeDocument/2006/relationships" xmlns:p="http://schemas.openxmlformats.org/presentationml/2006/main">
+  <p:cSld>
+    <p:spTree>
+      <p:nvGrpSpPr>
+        <p:cNvPr id="1" name=""/>
+        <p:cNvGrpSpPr/>
+        <p:nvPr/>
+      </p:nvGrpSpPr>
+      <p:grpSpPr>
+        <a:xfrm>
+          <a:off x="0" y="0"/>
+          <a:ext cx="0" cy="0"/>
+          <a:chOff x="0" y="0"/>
+          <a:chExt cx="0" cy="0"/>
+        </a:xfrm>
+      </p:grpSpPr>
+      <p:sp>
+        <p:nvSpPr>
+          <p:cNvPr id="2" name="Title 1">
+            <a:extLst>
+              <a:ext uri="{FF2B5EF4-FFF2-40B4-BE49-F238E27FC236}">
+                <a16:creationId xmlns:a16="http://schemas.microsoft.com/office/drawing/2014/main" id="{5736833B-4FAD-91E3-2EC7-9AF98AB0996B}"/>
+              </a:ext>
+            </a:extLst>
+          </p:cNvPr>
+          <p:cNvSpPr>
+            <a:spLocks noGrp="1"/>
+          </p:cNvSpPr>
+          <p:nvPr>
+            <p:ph type="title"/>
+          </p:nvPr>
+        </p:nvSpPr>
+        <p:spPr/>
+        <p:txBody>
+          <a:bodyPr/>
+          <a:lstStyle/>
+          <a:p>
+            <a:r>
+              <a:rPr lang="en-US" dirty="0"/>
               <a:t>How we can encode your data with computer language!?</a:t>
             </a:r>
           </a:p>
@@ -21775,7 +24052,7 @@
           <a:p>
             <a:fld id="{0079CAC6-A72B-4EF8-B465-34FA47827E7F}" type="slidenum">
               <a:rPr lang="en-US" smtClean="0"/>
-              <a:t>22</a:t>
+              <a:t>23</a:t>
             </a:fld>
             <a:endParaRPr lang="en-US" dirty="0"/>
           </a:p>
@@ -21791,10 +24068,318 @@
   <p:clrMapOvr>
     <a:masterClrMapping/>
   </p:clrMapOvr>
+  <p:timing>
+    <p:tnLst>
+      <p:par>
+        <p:cTn id="1" dur="indefinite" restart="never" nodeType="tmRoot">
+          <p:childTnLst>
+            <p:seq concurrent="1" nextAc="seek">
+              <p:cTn id="2" dur="indefinite" nodeType="mainSeq">
+                <p:childTnLst>
+                  <p:par>
+                    <p:cTn id="3" fill="hold">
+                      <p:stCondLst>
+                        <p:cond delay="indefinite"/>
+                      </p:stCondLst>
+                      <p:childTnLst>
+                        <p:par>
+                          <p:cTn id="4" fill="hold">
+                            <p:stCondLst>
+                              <p:cond delay="0"/>
+                            </p:stCondLst>
+                            <p:childTnLst>
+                              <p:par>
+                                <p:cTn id="5" presetID="22" presetClass="entr" presetSubtype="4" fill="hold" nodeType="clickEffect">
+                                  <p:stCondLst>
+                                    <p:cond delay="0"/>
+                                  </p:stCondLst>
+                                  <p:childTnLst>
+                                    <p:set>
+                                      <p:cBhvr>
+                                        <p:cTn id="6" dur="1" fill="hold">
+                                          <p:stCondLst>
+                                            <p:cond delay="0"/>
+                                          </p:stCondLst>
+                                        </p:cTn>
+                                        <p:tgtEl>
+                                          <p:spTgt spid="3">
+                                            <p:txEl>
+                                              <p:pRg st="0" end="0"/>
+                                            </p:txEl>
+                                          </p:spTgt>
+                                        </p:tgtEl>
+                                        <p:attrNameLst>
+                                          <p:attrName>style.visibility</p:attrName>
+                                        </p:attrNameLst>
+                                      </p:cBhvr>
+                                      <p:to>
+                                        <p:strVal val="visible"/>
+                                      </p:to>
+                                    </p:set>
+                                    <p:animEffect transition="in" filter="wipe(down)">
+                                      <p:cBhvr>
+                                        <p:cTn id="7" dur="500"/>
+                                        <p:tgtEl>
+                                          <p:spTgt spid="3">
+                                            <p:txEl>
+                                              <p:pRg st="0" end="0"/>
+                                            </p:txEl>
+                                          </p:spTgt>
+                                        </p:tgtEl>
+                                      </p:cBhvr>
+                                    </p:animEffect>
+                                  </p:childTnLst>
+                                </p:cTn>
+                              </p:par>
+                            </p:childTnLst>
+                          </p:cTn>
+                        </p:par>
+                      </p:childTnLst>
+                    </p:cTn>
+                  </p:par>
+                  <p:par>
+                    <p:cTn id="8" fill="hold">
+                      <p:stCondLst>
+                        <p:cond delay="indefinite"/>
+                      </p:stCondLst>
+                      <p:childTnLst>
+                        <p:par>
+                          <p:cTn id="9" fill="hold">
+                            <p:stCondLst>
+                              <p:cond delay="0"/>
+                            </p:stCondLst>
+                            <p:childTnLst>
+                              <p:par>
+                                <p:cTn id="10" presetID="22" presetClass="entr" presetSubtype="4" fill="hold" nodeType="clickEffect">
+                                  <p:stCondLst>
+                                    <p:cond delay="0"/>
+                                  </p:stCondLst>
+                                  <p:childTnLst>
+                                    <p:set>
+                                      <p:cBhvr>
+                                        <p:cTn id="11" dur="1" fill="hold">
+                                          <p:stCondLst>
+                                            <p:cond delay="0"/>
+                                          </p:stCondLst>
+                                        </p:cTn>
+                                        <p:tgtEl>
+                                          <p:spTgt spid="3">
+                                            <p:txEl>
+                                              <p:pRg st="1" end="1"/>
+                                            </p:txEl>
+                                          </p:spTgt>
+                                        </p:tgtEl>
+                                        <p:attrNameLst>
+                                          <p:attrName>style.visibility</p:attrName>
+                                        </p:attrNameLst>
+                                      </p:cBhvr>
+                                      <p:to>
+                                        <p:strVal val="visible"/>
+                                      </p:to>
+                                    </p:set>
+                                    <p:animEffect transition="in" filter="wipe(down)">
+                                      <p:cBhvr>
+                                        <p:cTn id="12" dur="500"/>
+                                        <p:tgtEl>
+                                          <p:spTgt spid="3">
+                                            <p:txEl>
+                                              <p:pRg st="1" end="1"/>
+                                            </p:txEl>
+                                          </p:spTgt>
+                                        </p:tgtEl>
+                                      </p:cBhvr>
+                                    </p:animEffect>
+                                  </p:childTnLst>
+                                </p:cTn>
+                              </p:par>
+                            </p:childTnLst>
+                          </p:cTn>
+                        </p:par>
+                        <p:par>
+                          <p:cTn id="13" fill="hold">
+                            <p:stCondLst>
+                              <p:cond delay="500"/>
+                            </p:stCondLst>
+                            <p:childTnLst>
+                              <p:par>
+                                <p:cTn id="14" presetID="22" presetClass="entr" presetSubtype="4" fill="hold" nodeType="afterEffect">
+                                  <p:stCondLst>
+                                    <p:cond delay="0"/>
+                                  </p:stCondLst>
+                                  <p:childTnLst>
+                                    <p:set>
+                                      <p:cBhvr>
+                                        <p:cTn id="15" dur="1" fill="hold">
+                                          <p:stCondLst>
+                                            <p:cond delay="0"/>
+                                          </p:stCondLst>
+                                        </p:cTn>
+                                        <p:tgtEl>
+                                          <p:spTgt spid="3">
+                                            <p:txEl>
+                                              <p:pRg st="2" end="2"/>
+                                            </p:txEl>
+                                          </p:spTgt>
+                                        </p:tgtEl>
+                                        <p:attrNameLst>
+                                          <p:attrName>style.visibility</p:attrName>
+                                        </p:attrNameLst>
+                                      </p:cBhvr>
+                                      <p:to>
+                                        <p:strVal val="visible"/>
+                                      </p:to>
+                                    </p:set>
+                                    <p:animEffect transition="in" filter="wipe(down)">
+                                      <p:cBhvr>
+                                        <p:cTn id="16" dur="500"/>
+                                        <p:tgtEl>
+                                          <p:spTgt spid="3">
+                                            <p:txEl>
+                                              <p:pRg st="2" end="2"/>
+                                            </p:txEl>
+                                          </p:spTgt>
+                                        </p:tgtEl>
+                                      </p:cBhvr>
+                                    </p:animEffect>
+                                  </p:childTnLst>
+                                </p:cTn>
+                              </p:par>
+                            </p:childTnLst>
+                          </p:cTn>
+                        </p:par>
+                        <p:par>
+                          <p:cTn id="17" fill="hold">
+                            <p:stCondLst>
+                              <p:cond delay="1000"/>
+                            </p:stCondLst>
+                            <p:childTnLst>
+                              <p:par>
+                                <p:cTn id="18" presetID="22" presetClass="entr" presetSubtype="4" fill="hold" nodeType="afterEffect">
+                                  <p:stCondLst>
+                                    <p:cond delay="0"/>
+                                  </p:stCondLst>
+                                  <p:childTnLst>
+                                    <p:set>
+                                      <p:cBhvr>
+                                        <p:cTn id="19" dur="1" fill="hold">
+                                          <p:stCondLst>
+                                            <p:cond delay="0"/>
+                                          </p:stCondLst>
+                                        </p:cTn>
+                                        <p:tgtEl>
+                                          <p:spTgt spid="3">
+                                            <p:txEl>
+                                              <p:pRg st="3" end="3"/>
+                                            </p:txEl>
+                                          </p:spTgt>
+                                        </p:tgtEl>
+                                        <p:attrNameLst>
+                                          <p:attrName>style.visibility</p:attrName>
+                                        </p:attrNameLst>
+                                      </p:cBhvr>
+                                      <p:to>
+                                        <p:strVal val="visible"/>
+                                      </p:to>
+                                    </p:set>
+                                    <p:animEffect transition="in" filter="wipe(down)">
+                                      <p:cBhvr>
+                                        <p:cTn id="20" dur="500"/>
+                                        <p:tgtEl>
+                                          <p:spTgt spid="3">
+                                            <p:txEl>
+                                              <p:pRg st="3" end="3"/>
+                                            </p:txEl>
+                                          </p:spTgt>
+                                        </p:tgtEl>
+                                      </p:cBhvr>
+                                    </p:animEffect>
+                                  </p:childTnLst>
+                                </p:cTn>
+                              </p:par>
+                            </p:childTnLst>
+                          </p:cTn>
+                        </p:par>
+                        <p:par>
+                          <p:cTn id="21" fill="hold">
+                            <p:stCondLst>
+                              <p:cond delay="1500"/>
+                            </p:stCondLst>
+                            <p:childTnLst>
+                              <p:par>
+                                <p:cTn id="22" presetID="22" presetClass="entr" presetSubtype="4" fill="hold" nodeType="afterEffect">
+                                  <p:stCondLst>
+                                    <p:cond delay="0"/>
+                                  </p:stCondLst>
+                                  <p:childTnLst>
+                                    <p:set>
+                                      <p:cBhvr>
+                                        <p:cTn id="23" dur="1" fill="hold">
+                                          <p:stCondLst>
+                                            <p:cond delay="0"/>
+                                          </p:stCondLst>
+                                        </p:cTn>
+                                        <p:tgtEl>
+                                          <p:spTgt spid="3">
+                                            <p:txEl>
+                                              <p:pRg st="4" end="4"/>
+                                            </p:txEl>
+                                          </p:spTgt>
+                                        </p:tgtEl>
+                                        <p:attrNameLst>
+                                          <p:attrName>style.visibility</p:attrName>
+                                        </p:attrNameLst>
+                                      </p:cBhvr>
+                                      <p:to>
+                                        <p:strVal val="visible"/>
+                                      </p:to>
+                                    </p:set>
+                                    <p:animEffect transition="in" filter="wipe(down)">
+                                      <p:cBhvr>
+                                        <p:cTn id="24" dur="500"/>
+                                        <p:tgtEl>
+                                          <p:spTgt spid="3">
+                                            <p:txEl>
+                                              <p:pRg st="4" end="4"/>
+                                            </p:txEl>
+                                          </p:spTgt>
+                                        </p:tgtEl>
+                                      </p:cBhvr>
+                                    </p:animEffect>
+                                  </p:childTnLst>
+                                </p:cTn>
+                              </p:par>
+                            </p:childTnLst>
+                          </p:cTn>
+                        </p:par>
+                      </p:childTnLst>
+                    </p:cTn>
+                  </p:par>
+                </p:childTnLst>
+              </p:cTn>
+              <p:prevCondLst>
+                <p:cond evt="onPrev" delay="0">
+                  <p:tgtEl>
+                    <p:sldTgt/>
+                  </p:tgtEl>
+                </p:cond>
+              </p:prevCondLst>
+              <p:nextCondLst>
+                <p:cond evt="onNext" delay="0">
+                  <p:tgtEl>
+                    <p:sldTgt/>
+                  </p:tgtEl>
+                </p:cond>
+              </p:nextCondLst>
+            </p:seq>
+          </p:childTnLst>
+        </p:cTn>
+      </p:par>
+    </p:tnLst>
+  </p:timing>
 </p:sld>
 </file>
 
-<file path=ppt/slides/slide23.xml><?xml version="1.0" encoding="utf-8"?>
+<file path=ppt/slides/slide24.xml><?xml version="1.0" encoding="utf-8"?>
 <p:sld xmlns:a="http://schemas.openxmlformats.org/drawingml/2006/main" xmlns:r="http://schemas.openxmlformats.org/officeDocument/2006/relationships" xmlns:p="http://schemas.openxmlformats.org/presentationml/2006/main">
   <p:cSld>
     <p:spTree>
@@ -21990,7 +24575,7 @@
           <a:p>
             <a:fld id="{0079CAC6-A72B-4EF8-B465-34FA47827E7F}" type="slidenum">
               <a:rPr lang="en-US" smtClean="0"/>
-              <a:t>23</a:t>
+              <a:t>24</a:t>
             </a:fld>
             <a:endParaRPr lang="en-US" dirty="0"/>
           </a:p>
@@ -22034,10 +24619,708 @@
   <p:clrMapOvr>
     <a:masterClrMapping/>
   </p:clrMapOvr>
+  <p:timing>
+    <p:tnLst>
+      <p:par>
+        <p:cTn id="1" dur="indefinite" restart="never" nodeType="tmRoot">
+          <p:childTnLst>
+            <p:seq concurrent="1" nextAc="seek">
+              <p:cTn id="2" dur="indefinite" nodeType="mainSeq">
+                <p:childTnLst>
+                  <p:par>
+                    <p:cTn id="3" fill="hold">
+                      <p:stCondLst>
+                        <p:cond delay="indefinite"/>
+                      </p:stCondLst>
+                      <p:childTnLst>
+                        <p:par>
+                          <p:cTn id="4" fill="hold">
+                            <p:stCondLst>
+                              <p:cond delay="0"/>
+                            </p:stCondLst>
+                            <p:childTnLst>
+                              <p:par>
+                                <p:cTn id="5" presetID="42" presetClass="entr" presetSubtype="0" fill="hold" nodeType="clickEffect">
+                                  <p:stCondLst>
+                                    <p:cond delay="0"/>
+                                  </p:stCondLst>
+                                  <p:childTnLst>
+                                    <p:set>
+                                      <p:cBhvr>
+                                        <p:cTn id="6" dur="1" fill="hold">
+                                          <p:stCondLst>
+                                            <p:cond delay="0"/>
+                                          </p:stCondLst>
+                                        </p:cTn>
+                                        <p:tgtEl>
+                                          <p:spTgt spid="3">
+                                            <p:txEl>
+                                              <p:pRg st="0" end="0"/>
+                                            </p:txEl>
+                                          </p:spTgt>
+                                        </p:tgtEl>
+                                        <p:attrNameLst>
+                                          <p:attrName>style.visibility</p:attrName>
+                                        </p:attrNameLst>
+                                      </p:cBhvr>
+                                      <p:to>
+                                        <p:strVal val="visible"/>
+                                      </p:to>
+                                    </p:set>
+                                    <p:animEffect transition="in" filter="fade">
+                                      <p:cBhvr>
+                                        <p:cTn id="7" dur="1000"/>
+                                        <p:tgtEl>
+                                          <p:spTgt spid="3">
+                                            <p:txEl>
+                                              <p:pRg st="0" end="0"/>
+                                            </p:txEl>
+                                          </p:spTgt>
+                                        </p:tgtEl>
+                                      </p:cBhvr>
+                                    </p:animEffect>
+                                    <p:anim calcmode="lin" valueType="num">
+                                      <p:cBhvr>
+                                        <p:cTn id="8" dur="1000" fill="hold"/>
+                                        <p:tgtEl>
+                                          <p:spTgt spid="3">
+                                            <p:txEl>
+                                              <p:pRg st="0" end="0"/>
+                                            </p:txEl>
+                                          </p:spTgt>
+                                        </p:tgtEl>
+                                        <p:attrNameLst>
+                                          <p:attrName>ppt_x</p:attrName>
+                                        </p:attrNameLst>
+                                      </p:cBhvr>
+                                      <p:tavLst>
+                                        <p:tav tm="0">
+                                          <p:val>
+                                            <p:strVal val="#ppt_x"/>
+                                          </p:val>
+                                        </p:tav>
+                                        <p:tav tm="100000">
+                                          <p:val>
+                                            <p:strVal val="#ppt_x"/>
+                                          </p:val>
+                                        </p:tav>
+                                      </p:tavLst>
+                                    </p:anim>
+                                    <p:anim calcmode="lin" valueType="num">
+                                      <p:cBhvr>
+                                        <p:cTn id="9" dur="1000" fill="hold"/>
+                                        <p:tgtEl>
+                                          <p:spTgt spid="3">
+                                            <p:txEl>
+                                              <p:pRg st="0" end="0"/>
+                                            </p:txEl>
+                                          </p:spTgt>
+                                        </p:tgtEl>
+                                        <p:attrNameLst>
+                                          <p:attrName>ppt_y</p:attrName>
+                                        </p:attrNameLst>
+                                      </p:cBhvr>
+                                      <p:tavLst>
+                                        <p:tav tm="0">
+                                          <p:val>
+                                            <p:strVal val="#ppt_y+.1"/>
+                                          </p:val>
+                                        </p:tav>
+                                        <p:tav tm="100000">
+                                          <p:val>
+                                            <p:strVal val="#ppt_y"/>
+                                          </p:val>
+                                        </p:tav>
+                                      </p:tavLst>
+                                    </p:anim>
+                                  </p:childTnLst>
+                                </p:cTn>
+                              </p:par>
+                            </p:childTnLst>
+                          </p:cTn>
+                        </p:par>
+                      </p:childTnLst>
+                    </p:cTn>
+                  </p:par>
+                  <p:par>
+                    <p:cTn id="10" fill="hold">
+                      <p:stCondLst>
+                        <p:cond delay="indefinite"/>
+                      </p:stCondLst>
+                      <p:childTnLst>
+                        <p:par>
+                          <p:cTn id="11" fill="hold">
+                            <p:stCondLst>
+                              <p:cond delay="0"/>
+                            </p:stCondLst>
+                            <p:childTnLst>
+                              <p:par>
+                                <p:cTn id="12" presetID="22" presetClass="entr" presetSubtype="4" fill="hold" nodeType="clickEffect">
+                                  <p:stCondLst>
+                                    <p:cond delay="0"/>
+                                  </p:stCondLst>
+                                  <p:childTnLst>
+                                    <p:set>
+                                      <p:cBhvr>
+                                        <p:cTn id="13" dur="1" fill="hold">
+                                          <p:stCondLst>
+                                            <p:cond delay="0"/>
+                                          </p:stCondLst>
+                                        </p:cTn>
+                                        <p:tgtEl>
+                                          <p:spTgt spid="3">
+                                            <p:txEl>
+                                              <p:pRg st="8" end="8"/>
+                                            </p:txEl>
+                                          </p:spTgt>
+                                        </p:tgtEl>
+                                        <p:attrNameLst>
+                                          <p:attrName>style.visibility</p:attrName>
+                                        </p:attrNameLst>
+                                      </p:cBhvr>
+                                      <p:to>
+                                        <p:strVal val="visible"/>
+                                      </p:to>
+                                    </p:set>
+                                    <p:animEffect transition="in" filter="wipe(down)">
+                                      <p:cBhvr>
+                                        <p:cTn id="14" dur="500"/>
+                                        <p:tgtEl>
+                                          <p:spTgt spid="3">
+                                            <p:txEl>
+                                              <p:pRg st="8" end="8"/>
+                                            </p:txEl>
+                                          </p:spTgt>
+                                        </p:tgtEl>
+                                      </p:cBhvr>
+                                    </p:animEffect>
+                                  </p:childTnLst>
+                                </p:cTn>
+                              </p:par>
+                            </p:childTnLst>
+                          </p:cTn>
+                        </p:par>
+                      </p:childTnLst>
+                    </p:cTn>
+                  </p:par>
+                  <p:par>
+                    <p:cTn id="15" fill="hold">
+                      <p:stCondLst>
+                        <p:cond delay="indefinite"/>
+                      </p:stCondLst>
+                      <p:childTnLst>
+                        <p:par>
+                          <p:cTn id="16" fill="hold">
+                            <p:stCondLst>
+                              <p:cond delay="0"/>
+                            </p:stCondLst>
+                            <p:childTnLst>
+                              <p:par>
+                                <p:cTn id="17" presetID="16" presetClass="entr" presetSubtype="42" fill="hold" nodeType="clickEffect">
+                                  <p:stCondLst>
+                                    <p:cond delay="0"/>
+                                  </p:stCondLst>
+                                  <p:childTnLst>
+                                    <p:set>
+                                      <p:cBhvr>
+                                        <p:cTn id="18" dur="1" fill="hold">
+                                          <p:stCondLst>
+                                            <p:cond delay="0"/>
+                                          </p:stCondLst>
+                                        </p:cTn>
+                                        <p:tgtEl>
+                                          <p:spTgt spid="3">
+                                            <p:txEl>
+                                              <p:pRg st="1" end="1"/>
+                                            </p:txEl>
+                                          </p:spTgt>
+                                        </p:tgtEl>
+                                        <p:attrNameLst>
+                                          <p:attrName>style.visibility</p:attrName>
+                                        </p:attrNameLst>
+                                      </p:cBhvr>
+                                      <p:to>
+                                        <p:strVal val="visible"/>
+                                      </p:to>
+                                    </p:set>
+                                    <p:animEffect transition="in" filter="barn(outHorizontal)">
+                                      <p:cBhvr>
+                                        <p:cTn id="19" dur="500"/>
+                                        <p:tgtEl>
+                                          <p:spTgt spid="3">
+                                            <p:txEl>
+                                              <p:pRg st="1" end="1"/>
+                                            </p:txEl>
+                                          </p:spTgt>
+                                        </p:tgtEl>
+                                      </p:cBhvr>
+                                    </p:animEffect>
+                                  </p:childTnLst>
+                                </p:cTn>
+                              </p:par>
+                            </p:childTnLst>
+                          </p:cTn>
+                        </p:par>
+                        <p:par>
+                          <p:cTn id="20" fill="hold">
+                            <p:stCondLst>
+                              <p:cond delay="500"/>
+                            </p:stCondLst>
+                            <p:childTnLst>
+                              <p:par>
+                                <p:cTn id="21" presetID="16" presetClass="entr" presetSubtype="42" fill="hold" nodeType="afterEffect">
+                                  <p:stCondLst>
+                                    <p:cond delay="0"/>
+                                  </p:stCondLst>
+                                  <p:childTnLst>
+                                    <p:set>
+                                      <p:cBhvr>
+                                        <p:cTn id="22" dur="1" fill="hold">
+                                          <p:stCondLst>
+                                            <p:cond delay="0"/>
+                                          </p:stCondLst>
+                                        </p:cTn>
+                                        <p:tgtEl>
+                                          <p:spTgt spid="3">
+                                            <p:txEl>
+                                              <p:pRg st="2" end="2"/>
+                                            </p:txEl>
+                                          </p:spTgt>
+                                        </p:tgtEl>
+                                        <p:attrNameLst>
+                                          <p:attrName>style.visibility</p:attrName>
+                                        </p:attrNameLst>
+                                      </p:cBhvr>
+                                      <p:to>
+                                        <p:strVal val="visible"/>
+                                      </p:to>
+                                    </p:set>
+                                    <p:animEffect transition="in" filter="barn(outHorizontal)">
+                                      <p:cBhvr>
+                                        <p:cTn id="23" dur="500"/>
+                                        <p:tgtEl>
+                                          <p:spTgt spid="3">
+                                            <p:txEl>
+                                              <p:pRg st="2" end="2"/>
+                                            </p:txEl>
+                                          </p:spTgt>
+                                        </p:tgtEl>
+                                      </p:cBhvr>
+                                    </p:animEffect>
+                                  </p:childTnLst>
+                                </p:cTn>
+                              </p:par>
+                            </p:childTnLst>
+                          </p:cTn>
+                        </p:par>
+                        <p:par>
+                          <p:cTn id="24" fill="hold">
+                            <p:stCondLst>
+                              <p:cond delay="1000"/>
+                            </p:stCondLst>
+                            <p:childTnLst>
+                              <p:par>
+                                <p:cTn id="25" presetID="16" presetClass="entr" presetSubtype="42" fill="hold" nodeType="afterEffect">
+                                  <p:stCondLst>
+                                    <p:cond delay="0"/>
+                                  </p:stCondLst>
+                                  <p:childTnLst>
+                                    <p:set>
+                                      <p:cBhvr>
+                                        <p:cTn id="26" dur="1" fill="hold">
+                                          <p:stCondLst>
+                                            <p:cond delay="0"/>
+                                          </p:stCondLst>
+                                        </p:cTn>
+                                        <p:tgtEl>
+                                          <p:spTgt spid="3">
+                                            <p:txEl>
+                                              <p:pRg st="3" end="3"/>
+                                            </p:txEl>
+                                          </p:spTgt>
+                                        </p:tgtEl>
+                                        <p:attrNameLst>
+                                          <p:attrName>style.visibility</p:attrName>
+                                        </p:attrNameLst>
+                                      </p:cBhvr>
+                                      <p:to>
+                                        <p:strVal val="visible"/>
+                                      </p:to>
+                                    </p:set>
+                                    <p:animEffect transition="in" filter="barn(outHorizontal)">
+                                      <p:cBhvr>
+                                        <p:cTn id="27" dur="500"/>
+                                        <p:tgtEl>
+                                          <p:spTgt spid="3">
+                                            <p:txEl>
+                                              <p:pRg st="3" end="3"/>
+                                            </p:txEl>
+                                          </p:spTgt>
+                                        </p:tgtEl>
+                                      </p:cBhvr>
+                                    </p:animEffect>
+                                  </p:childTnLst>
+                                </p:cTn>
+                              </p:par>
+                            </p:childTnLst>
+                          </p:cTn>
+                        </p:par>
+                        <p:par>
+                          <p:cTn id="28" fill="hold">
+                            <p:stCondLst>
+                              <p:cond delay="1500"/>
+                            </p:stCondLst>
+                            <p:childTnLst>
+                              <p:par>
+                                <p:cTn id="29" presetID="16" presetClass="entr" presetSubtype="42" fill="hold" nodeType="afterEffect">
+                                  <p:stCondLst>
+                                    <p:cond delay="0"/>
+                                  </p:stCondLst>
+                                  <p:childTnLst>
+                                    <p:set>
+                                      <p:cBhvr>
+                                        <p:cTn id="30" dur="1" fill="hold">
+                                          <p:stCondLst>
+                                            <p:cond delay="0"/>
+                                          </p:stCondLst>
+                                        </p:cTn>
+                                        <p:tgtEl>
+                                          <p:spTgt spid="3">
+                                            <p:txEl>
+                                              <p:pRg st="4" end="4"/>
+                                            </p:txEl>
+                                          </p:spTgt>
+                                        </p:tgtEl>
+                                        <p:attrNameLst>
+                                          <p:attrName>style.visibility</p:attrName>
+                                        </p:attrNameLst>
+                                      </p:cBhvr>
+                                      <p:to>
+                                        <p:strVal val="visible"/>
+                                      </p:to>
+                                    </p:set>
+                                    <p:animEffect transition="in" filter="barn(outHorizontal)">
+                                      <p:cBhvr>
+                                        <p:cTn id="31" dur="500"/>
+                                        <p:tgtEl>
+                                          <p:spTgt spid="3">
+                                            <p:txEl>
+                                              <p:pRg st="4" end="4"/>
+                                            </p:txEl>
+                                          </p:spTgt>
+                                        </p:tgtEl>
+                                      </p:cBhvr>
+                                    </p:animEffect>
+                                  </p:childTnLst>
+                                </p:cTn>
+                              </p:par>
+                            </p:childTnLst>
+                          </p:cTn>
+                        </p:par>
+                        <p:par>
+                          <p:cTn id="32" fill="hold">
+                            <p:stCondLst>
+                              <p:cond delay="2000"/>
+                            </p:stCondLst>
+                            <p:childTnLst>
+                              <p:par>
+                                <p:cTn id="33" presetID="16" presetClass="entr" presetSubtype="42" fill="hold" nodeType="afterEffect">
+                                  <p:stCondLst>
+                                    <p:cond delay="0"/>
+                                  </p:stCondLst>
+                                  <p:childTnLst>
+                                    <p:set>
+                                      <p:cBhvr>
+                                        <p:cTn id="34" dur="1" fill="hold">
+                                          <p:stCondLst>
+                                            <p:cond delay="0"/>
+                                          </p:stCondLst>
+                                        </p:cTn>
+                                        <p:tgtEl>
+                                          <p:spTgt spid="3">
+                                            <p:txEl>
+                                              <p:pRg st="5" end="5"/>
+                                            </p:txEl>
+                                          </p:spTgt>
+                                        </p:tgtEl>
+                                        <p:attrNameLst>
+                                          <p:attrName>style.visibility</p:attrName>
+                                        </p:attrNameLst>
+                                      </p:cBhvr>
+                                      <p:to>
+                                        <p:strVal val="visible"/>
+                                      </p:to>
+                                    </p:set>
+                                    <p:animEffect transition="in" filter="barn(outHorizontal)">
+                                      <p:cBhvr>
+                                        <p:cTn id="35" dur="500"/>
+                                        <p:tgtEl>
+                                          <p:spTgt spid="3">
+                                            <p:txEl>
+                                              <p:pRg st="5" end="5"/>
+                                            </p:txEl>
+                                          </p:spTgt>
+                                        </p:tgtEl>
+                                      </p:cBhvr>
+                                    </p:animEffect>
+                                  </p:childTnLst>
+                                </p:cTn>
+                              </p:par>
+                            </p:childTnLst>
+                          </p:cTn>
+                        </p:par>
+                        <p:par>
+                          <p:cTn id="36" fill="hold">
+                            <p:stCondLst>
+                              <p:cond delay="2500"/>
+                            </p:stCondLst>
+                            <p:childTnLst>
+                              <p:par>
+                                <p:cTn id="37" presetID="16" presetClass="entr" presetSubtype="42" fill="hold" nodeType="afterEffect">
+                                  <p:stCondLst>
+                                    <p:cond delay="0"/>
+                                  </p:stCondLst>
+                                  <p:childTnLst>
+                                    <p:set>
+                                      <p:cBhvr>
+                                        <p:cTn id="38" dur="1" fill="hold">
+                                          <p:stCondLst>
+                                            <p:cond delay="0"/>
+                                          </p:stCondLst>
+                                        </p:cTn>
+                                        <p:tgtEl>
+                                          <p:spTgt spid="3">
+                                            <p:txEl>
+                                              <p:pRg st="6" end="6"/>
+                                            </p:txEl>
+                                          </p:spTgt>
+                                        </p:tgtEl>
+                                        <p:attrNameLst>
+                                          <p:attrName>style.visibility</p:attrName>
+                                        </p:attrNameLst>
+                                      </p:cBhvr>
+                                      <p:to>
+                                        <p:strVal val="visible"/>
+                                      </p:to>
+                                    </p:set>
+                                    <p:animEffect transition="in" filter="barn(outHorizontal)">
+                                      <p:cBhvr>
+                                        <p:cTn id="39" dur="500"/>
+                                        <p:tgtEl>
+                                          <p:spTgt spid="3">
+                                            <p:txEl>
+                                              <p:pRg st="6" end="6"/>
+                                            </p:txEl>
+                                          </p:spTgt>
+                                        </p:tgtEl>
+                                      </p:cBhvr>
+                                    </p:animEffect>
+                                  </p:childTnLst>
+                                </p:cTn>
+                              </p:par>
+                            </p:childTnLst>
+                          </p:cTn>
+                        </p:par>
+                        <p:par>
+                          <p:cTn id="40" fill="hold">
+                            <p:stCondLst>
+                              <p:cond delay="3000"/>
+                            </p:stCondLst>
+                            <p:childTnLst>
+                              <p:par>
+                                <p:cTn id="41" presetID="16" presetClass="entr" presetSubtype="42" fill="hold" nodeType="afterEffect">
+                                  <p:stCondLst>
+                                    <p:cond delay="0"/>
+                                  </p:stCondLst>
+                                  <p:childTnLst>
+                                    <p:set>
+                                      <p:cBhvr>
+                                        <p:cTn id="42" dur="1" fill="hold">
+                                          <p:stCondLst>
+                                            <p:cond delay="0"/>
+                                          </p:stCondLst>
+                                        </p:cTn>
+                                        <p:tgtEl>
+                                          <p:spTgt spid="3">
+                                            <p:txEl>
+                                              <p:pRg st="7" end="7"/>
+                                            </p:txEl>
+                                          </p:spTgt>
+                                        </p:tgtEl>
+                                        <p:attrNameLst>
+                                          <p:attrName>style.visibility</p:attrName>
+                                        </p:attrNameLst>
+                                      </p:cBhvr>
+                                      <p:to>
+                                        <p:strVal val="visible"/>
+                                      </p:to>
+                                    </p:set>
+                                    <p:animEffect transition="in" filter="barn(outHorizontal)">
+                                      <p:cBhvr>
+                                        <p:cTn id="43" dur="500"/>
+                                        <p:tgtEl>
+                                          <p:spTgt spid="3">
+                                            <p:txEl>
+                                              <p:pRg st="7" end="7"/>
+                                            </p:txEl>
+                                          </p:spTgt>
+                                        </p:tgtEl>
+                                      </p:cBhvr>
+                                    </p:animEffect>
+                                  </p:childTnLst>
+                                </p:cTn>
+                              </p:par>
+                            </p:childTnLst>
+                          </p:cTn>
+                        </p:par>
+                      </p:childTnLst>
+                    </p:cTn>
+                  </p:par>
+                  <p:par>
+                    <p:cTn id="44" fill="hold">
+                      <p:stCondLst>
+                        <p:cond delay="indefinite"/>
+                      </p:stCondLst>
+                      <p:childTnLst>
+                        <p:par>
+                          <p:cTn id="45" fill="hold">
+                            <p:stCondLst>
+                              <p:cond delay="0"/>
+                            </p:stCondLst>
+                            <p:childTnLst>
+                              <p:par>
+                                <p:cTn id="46" presetID="10" presetClass="entr" presetSubtype="0" fill="hold" nodeType="clickEffect">
+                                  <p:stCondLst>
+                                    <p:cond delay="0"/>
+                                  </p:stCondLst>
+                                  <p:childTnLst>
+                                    <p:set>
+                                      <p:cBhvr>
+                                        <p:cTn id="47" dur="1" fill="hold">
+                                          <p:stCondLst>
+                                            <p:cond delay="0"/>
+                                          </p:stCondLst>
+                                        </p:cTn>
+                                        <p:tgtEl>
+                                          <p:spTgt spid="3">
+                                            <p:txEl>
+                                              <p:pRg st="9" end="9"/>
+                                            </p:txEl>
+                                          </p:spTgt>
+                                        </p:tgtEl>
+                                        <p:attrNameLst>
+                                          <p:attrName>style.visibility</p:attrName>
+                                        </p:attrNameLst>
+                                      </p:cBhvr>
+                                      <p:to>
+                                        <p:strVal val="visible"/>
+                                      </p:to>
+                                    </p:set>
+                                    <p:animEffect transition="in" filter="fade">
+                                      <p:cBhvr>
+                                        <p:cTn id="48" dur="500"/>
+                                        <p:tgtEl>
+                                          <p:spTgt spid="3">
+                                            <p:txEl>
+                                              <p:pRg st="9" end="9"/>
+                                            </p:txEl>
+                                          </p:spTgt>
+                                        </p:tgtEl>
+                                      </p:cBhvr>
+                                    </p:animEffect>
+                                  </p:childTnLst>
+                                </p:cTn>
+                              </p:par>
+                            </p:childTnLst>
+                          </p:cTn>
+                        </p:par>
+                      </p:childTnLst>
+                    </p:cTn>
+                  </p:par>
+                  <p:par>
+                    <p:cTn id="49" fill="hold">
+                      <p:stCondLst>
+                        <p:cond delay="indefinite"/>
+                      </p:stCondLst>
+                      <p:childTnLst>
+                        <p:par>
+                          <p:cTn id="50" fill="hold">
+                            <p:stCondLst>
+                              <p:cond delay="0"/>
+                            </p:stCondLst>
+                            <p:childTnLst>
+                              <p:par>
+                                <p:cTn id="51" presetID="16" presetClass="entr" presetSubtype="37" fill="hold" grpId="0" nodeType="clickEffect">
+                                  <p:stCondLst>
+                                    <p:cond delay="0"/>
+                                  </p:stCondLst>
+                                  <p:childTnLst>
+                                    <p:set>
+                                      <p:cBhvr>
+                                        <p:cTn id="52" dur="1" fill="hold">
+                                          <p:stCondLst>
+                                            <p:cond delay="0"/>
+                                          </p:stCondLst>
+                                        </p:cTn>
+                                        <p:tgtEl>
+                                          <p:spTgt spid="6"/>
+                                        </p:tgtEl>
+                                        <p:attrNameLst>
+                                          <p:attrName>style.visibility</p:attrName>
+                                        </p:attrNameLst>
+                                      </p:cBhvr>
+                                      <p:to>
+                                        <p:strVal val="visible"/>
+                                      </p:to>
+                                    </p:set>
+                                    <p:animEffect transition="in" filter="barn(outVertical)">
+                                      <p:cBhvr>
+                                        <p:cTn id="53" dur="500"/>
+                                        <p:tgtEl>
+                                          <p:spTgt spid="6"/>
+                                        </p:tgtEl>
+                                      </p:cBhvr>
+                                    </p:animEffect>
+                                  </p:childTnLst>
+                                </p:cTn>
+                              </p:par>
+                            </p:childTnLst>
+                          </p:cTn>
+                        </p:par>
+                      </p:childTnLst>
+                    </p:cTn>
+                  </p:par>
+                </p:childTnLst>
+              </p:cTn>
+              <p:prevCondLst>
+                <p:cond evt="onPrev" delay="0">
+                  <p:tgtEl>
+                    <p:sldTgt/>
+                  </p:tgtEl>
+                </p:cond>
+              </p:prevCondLst>
+              <p:nextCondLst>
+                <p:cond evt="onNext" delay="0">
+                  <p:tgtEl>
+                    <p:sldTgt/>
+                  </p:tgtEl>
+                </p:cond>
+              </p:nextCondLst>
+            </p:seq>
+          </p:childTnLst>
+        </p:cTn>
+      </p:par>
+    </p:tnLst>
+    <p:bldLst>
+      <p:bldGraphic spid="6" grpId="0">
+        <p:bldAsOne/>
+      </p:bldGraphic>
+    </p:bldLst>
+  </p:timing>
 </p:sld>
 </file>
 
-<file path=ppt/slides/slide24.xml><?xml version="1.0" encoding="utf-8"?>
+<file path=ppt/slides/slide25.xml><?xml version="1.0" encoding="utf-8"?>
 <p:sld xmlns:a="http://schemas.openxmlformats.org/drawingml/2006/main" xmlns:r="http://schemas.openxmlformats.org/officeDocument/2006/relationships" xmlns:p="http://schemas.openxmlformats.org/presentationml/2006/main">
   <p:cSld>
     <p:spTree>
@@ -22174,7 +25457,7 @@
           <a:p>
             <a:fld id="{0079CAC6-A72B-4EF8-B465-34FA47827E7F}" type="slidenum">
               <a:rPr lang="en-US" smtClean="0"/>
-              <a:t>24</a:t>
+              <a:t>25</a:t>
             </a:fld>
             <a:endParaRPr lang="en-US" dirty="0"/>
           </a:p>
@@ -22193,7 +25476,7 @@
 </p:sld>
 </file>
 
-<file path=ppt/slides/slide25.xml><?xml version="1.0" encoding="utf-8"?>
+<file path=ppt/slides/slide26.xml><?xml version="1.0" encoding="utf-8"?>
 <p:sld xmlns:a="http://schemas.openxmlformats.org/drawingml/2006/main" xmlns:r="http://schemas.openxmlformats.org/officeDocument/2006/relationships" xmlns:p="http://schemas.openxmlformats.org/presentationml/2006/main">
   <p:cSld>
     <p:spTree>
@@ -22261,7 +25544,7 @@
           <a:p>
             <a:fld id="{0079CAC6-A72B-4EF8-B465-34FA47827E7F}" type="slidenum">
               <a:rPr lang="en-US" smtClean="0"/>
-              <a:t>25</a:t>
+              <a:t>26</a:t>
             </a:fld>
             <a:endParaRPr lang="en-US" dirty="0"/>
           </a:p>
@@ -22309,7 +25592,7 @@
 </p:sld>
 </file>
 
-<file path=ppt/slides/slide26.xml><?xml version="1.0" encoding="utf-8"?>
+<file path=ppt/slides/slide27.xml><?xml version="1.0" encoding="utf-8"?>
 <p:sld xmlns:a="http://schemas.openxmlformats.org/drawingml/2006/main" xmlns:r="http://schemas.openxmlformats.org/officeDocument/2006/relationships" xmlns:p="http://schemas.openxmlformats.org/presentationml/2006/main">
   <p:cSld>
     <p:spTree>
@@ -22406,7 +25689,7 @@
           <a:p>
             <a:fld id="{0079CAC6-A72B-4EF8-B465-34FA47827E7F}" type="slidenum">
               <a:rPr lang="en-US" smtClean="0"/>
-              <a:t>26</a:t>
+              <a:t>27</a:t>
             </a:fld>
             <a:endParaRPr lang="en-US" dirty="0"/>
           </a:p>
@@ -22486,7 +25769,7 @@
 </p:sld>
 </file>
 
-<file path=ppt/slides/slide27.xml><?xml version="1.0" encoding="utf-8"?>
+<file path=ppt/slides/slide28.xml><?xml version="1.0" encoding="utf-8"?>
 <p:sld xmlns:a="http://schemas.openxmlformats.org/drawingml/2006/main" xmlns:r="http://schemas.openxmlformats.org/officeDocument/2006/relationships" xmlns:p="http://schemas.openxmlformats.org/presentationml/2006/main">
   <p:cSld>
     <p:spTree>
@@ -22583,7 +25866,7 @@
           <a:p>
             <a:fld id="{0079CAC6-A72B-4EF8-B465-34FA47827E7F}" type="slidenum">
               <a:rPr lang="en-US" smtClean="0"/>
-              <a:t>27</a:t>
+              <a:t>28</a:t>
             </a:fld>
             <a:endParaRPr lang="en-US" dirty="0"/>
           </a:p>
@@ -22651,7 +25934,7 @@
 </p:sld>
 </file>
 
-<file path=ppt/slides/slide28.xml><?xml version="1.0" encoding="utf-8"?>
+<file path=ppt/slides/slide29.xml><?xml version="1.0" encoding="utf-8"?>
 <p:sld xmlns:a="http://schemas.openxmlformats.org/drawingml/2006/main" xmlns:r="http://schemas.openxmlformats.org/officeDocument/2006/relationships" xmlns:p="http://schemas.openxmlformats.org/presentationml/2006/main">
   <p:cSld>
     <p:spTree>
@@ -22782,7 +26065,7 @@
           <a:p>
             <a:fld id="{0079CAC6-A72B-4EF8-B465-34FA47827E7F}" type="slidenum">
               <a:rPr lang="en-US" smtClean="0"/>
-              <a:t>28</a:t>
+              <a:t>29</a:t>
             </a:fld>
             <a:endParaRPr lang="en-US" dirty="0"/>
           </a:p>
@@ -22858,122 +26141,202 @@
   <p:clrMapOvr>
     <a:masterClrMapping/>
   </p:clrMapOvr>
-</p:sld>
-</file>
-
-<file path=ppt/slides/slide29.xml><?xml version="1.0" encoding="utf-8"?>
-<p:sld xmlns:a="http://schemas.openxmlformats.org/drawingml/2006/main" xmlns:r="http://schemas.openxmlformats.org/officeDocument/2006/relationships" xmlns:p="http://schemas.openxmlformats.org/presentationml/2006/main">
-  <p:cSld>
-    <p:spTree>
-      <p:nvGrpSpPr>
-        <p:cNvPr id="1" name=""/>
-        <p:cNvGrpSpPr/>
-        <p:nvPr/>
-      </p:nvGrpSpPr>
-      <p:grpSpPr>
-        <a:xfrm>
-          <a:off x="0" y="0"/>
-          <a:ext cx="0" cy="0"/>
-          <a:chOff x="0" y="0"/>
-          <a:chExt cx="0" cy="0"/>
-        </a:xfrm>
-      </p:grpSpPr>
-      <p:sp>
-        <p:nvSpPr>
-          <p:cNvPr id="5" name="Title 4">
-            <a:extLst>
-              <a:ext uri="{FF2B5EF4-FFF2-40B4-BE49-F238E27FC236}">
-                <a16:creationId xmlns:a16="http://schemas.microsoft.com/office/drawing/2014/main" id="{3E1FC432-A453-870C-34F6-F5AB1E824DD3}"/>
-              </a:ext>
-            </a:extLst>
-          </p:cNvPr>
-          <p:cNvSpPr>
-            <a:spLocks noGrp="1"/>
-          </p:cNvSpPr>
-          <p:nvPr>
-            <p:ph type="title"/>
-          </p:nvPr>
-        </p:nvSpPr>
-        <p:spPr/>
-        <p:txBody>
-          <a:bodyPr/>
-          <a:lstStyle/>
-          <a:p>
-            <a:r>
-              <a:rPr lang="en-US" dirty="0"/>
-              <a:t>Programming with Python</a:t>
-            </a:r>
-          </a:p>
-        </p:txBody>
-      </p:sp>
-      <p:sp>
-        <p:nvSpPr>
-          <p:cNvPr id="4" name="Slide Number Placeholder 3">
-            <a:extLst>
-              <a:ext uri="{FF2B5EF4-FFF2-40B4-BE49-F238E27FC236}">
-                <a16:creationId xmlns:a16="http://schemas.microsoft.com/office/drawing/2014/main" id="{872D2B23-7846-DE1D-E096-383132454A1B}"/>
-              </a:ext>
-            </a:extLst>
-          </p:cNvPr>
-          <p:cNvSpPr>
-            <a:spLocks noGrp="1"/>
-          </p:cNvSpPr>
-          <p:nvPr>
-            <p:ph type="sldNum" sz="quarter" idx="12"/>
-          </p:nvPr>
-        </p:nvSpPr>
-        <p:spPr/>
-        <p:txBody>
-          <a:bodyPr/>
-          <a:lstStyle/>
-          <a:p>
-            <a:fld id="{0079CAC6-A72B-4EF8-B465-34FA47827E7F}" type="slidenum">
-              <a:rPr lang="en-US" smtClean="0"/>
-              <a:t>29</a:t>
-            </a:fld>
-            <a:endParaRPr lang="en-US" dirty="0"/>
-          </a:p>
-        </p:txBody>
-      </p:sp>
-      <p:sp>
-        <p:nvSpPr>
-          <p:cNvPr id="2" name="Footer Placeholder 1">
-            <a:extLst>
-              <a:ext uri="{FF2B5EF4-FFF2-40B4-BE49-F238E27FC236}">
-                <a16:creationId xmlns:a16="http://schemas.microsoft.com/office/drawing/2014/main" id="{88F3A02B-EBDE-A1C4-048E-E606628F0D93}"/>
-              </a:ext>
-            </a:extLst>
-          </p:cNvPr>
-          <p:cNvSpPr>
-            <a:spLocks noGrp="1"/>
-          </p:cNvSpPr>
-          <p:nvPr>
-            <p:ph type="ftr" sz="quarter" idx="11"/>
-          </p:nvPr>
-        </p:nvSpPr>
-        <p:spPr/>
-        <p:txBody>
-          <a:bodyPr/>
-          <a:lstStyle/>
-          <a:p>
-            <a:r>
-              <a:rPr lang="en-US"/>
-              <a:t>Fundamental Programming with Python</a:t>
-            </a:r>
-            <a:endParaRPr lang="en-US" dirty="0"/>
-          </a:p>
-        </p:txBody>
-      </p:sp>
-    </p:spTree>
-    <p:extLst>
-      <p:ext uri="{BB962C8B-B14F-4D97-AF65-F5344CB8AC3E}">
-        <p14:creationId xmlns:p14="http://schemas.microsoft.com/office/powerpoint/2010/main" val="2747561522"/>
-      </p:ext>
-    </p:extLst>
-  </p:cSld>
-  <p:clrMapOvr>
-    <a:masterClrMapping/>
-  </p:clrMapOvr>
+  <p:timing>
+    <p:tnLst>
+      <p:par>
+        <p:cTn id="1" dur="indefinite" restart="never" nodeType="tmRoot">
+          <p:childTnLst>
+            <p:seq concurrent="1" nextAc="seek">
+              <p:cTn id="2" dur="indefinite" nodeType="mainSeq">
+                <p:childTnLst>
+                  <p:par>
+                    <p:cTn id="3" fill="hold">
+                      <p:stCondLst>
+                        <p:cond delay="indefinite"/>
+                      </p:stCondLst>
+                      <p:childTnLst>
+                        <p:par>
+                          <p:cTn id="4" fill="hold">
+                            <p:stCondLst>
+                              <p:cond delay="0"/>
+                            </p:stCondLst>
+                            <p:childTnLst>
+                              <p:par>
+                                <p:cTn id="5" presetID="22" presetClass="entr" presetSubtype="4" fill="hold" nodeType="clickEffect">
+                                  <p:stCondLst>
+                                    <p:cond delay="0"/>
+                                  </p:stCondLst>
+                                  <p:childTnLst>
+                                    <p:set>
+                                      <p:cBhvr>
+                                        <p:cTn id="6" dur="1" fill="hold">
+                                          <p:stCondLst>
+                                            <p:cond delay="0"/>
+                                          </p:stCondLst>
+                                        </p:cTn>
+                                        <p:tgtEl>
+                                          <p:spTgt spid="7"/>
+                                        </p:tgtEl>
+                                        <p:attrNameLst>
+                                          <p:attrName>style.visibility</p:attrName>
+                                        </p:attrNameLst>
+                                      </p:cBhvr>
+                                      <p:to>
+                                        <p:strVal val="visible"/>
+                                      </p:to>
+                                    </p:set>
+                                    <p:animEffect transition="in" filter="wipe(down)">
+                                      <p:cBhvr>
+                                        <p:cTn id="7" dur="500"/>
+                                        <p:tgtEl>
+                                          <p:spTgt spid="7"/>
+                                        </p:tgtEl>
+                                      </p:cBhvr>
+                                    </p:animEffect>
+                                  </p:childTnLst>
+                                </p:cTn>
+                              </p:par>
+                            </p:childTnLst>
+                          </p:cTn>
+                        </p:par>
+                      </p:childTnLst>
+                    </p:cTn>
+                  </p:par>
+                  <p:par>
+                    <p:cTn id="8" fill="hold">
+                      <p:stCondLst>
+                        <p:cond delay="indefinite"/>
+                      </p:stCondLst>
+                      <p:childTnLst>
+                        <p:par>
+                          <p:cTn id="9" fill="hold">
+                            <p:stCondLst>
+                              <p:cond delay="0"/>
+                            </p:stCondLst>
+                            <p:childTnLst>
+                              <p:par>
+                                <p:cTn id="10" presetID="10" presetClass="entr" presetSubtype="0" fill="hold" nodeType="clickEffect">
+                                  <p:stCondLst>
+                                    <p:cond delay="0"/>
+                                  </p:stCondLst>
+                                  <p:childTnLst>
+                                    <p:set>
+                                      <p:cBhvr>
+                                        <p:cTn id="11" dur="1" fill="hold">
+                                          <p:stCondLst>
+                                            <p:cond delay="0"/>
+                                          </p:stCondLst>
+                                        </p:cTn>
+                                        <p:tgtEl>
+                                          <p:spTgt spid="3">
+                                            <p:txEl>
+                                              <p:pRg st="0" end="0"/>
+                                            </p:txEl>
+                                          </p:spTgt>
+                                        </p:tgtEl>
+                                        <p:attrNameLst>
+                                          <p:attrName>style.visibility</p:attrName>
+                                        </p:attrNameLst>
+                                      </p:cBhvr>
+                                      <p:to>
+                                        <p:strVal val="visible"/>
+                                      </p:to>
+                                    </p:set>
+                                    <p:animEffect transition="in" filter="fade">
+                                      <p:cBhvr>
+                                        <p:cTn id="12" dur="500"/>
+                                        <p:tgtEl>
+                                          <p:spTgt spid="3">
+                                            <p:txEl>
+                                              <p:pRg st="0" end="0"/>
+                                            </p:txEl>
+                                          </p:spTgt>
+                                        </p:tgtEl>
+                                      </p:cBhvr>
+                                    </p:animEffect>
+                                  </p:childTnLst>
+                                </p:cTn>
+                              </p:par>
+                            </p:childTnLst>
+                          </p:cTn>
+                        </p:par>
+                        <p:par>
+                          <p:cTn id="13" fill="hold">
+                            <p:stCondLst>
+                              <p:cond delay="500"/>
+                            </p:stCondLst>
+                            <p:childTnLst>
+                              <p:par>
+                                <p:cTn id="14" presetID="10" presetClass="entr" presetSubtype="0" fill="hold" nodeType="afterEffect">
+                                  <p:stCondLst>
+                                    <p:cond delay="0"/>
+                                  </p:stCondLst>
+                                  <p:childTnLst>
+                                    <p:set>
+                                      <p:cBhvr>
+                                        <p:cTn id="15" dur="1" fill="hold">
+                                          <p:stCondLst>
+                                            <p:cond delay="0"/>
+                                          </p:stCondLst>
+                                        </p:cTn>
+                                        <p:tgtEl>
+                                          <p:spTgt spid="3">
+                                            <p:txEl>
+                                              <p:pRg st="1" end="1"/>
+                                            </p:txEl>
+                                          </p:spTgt>
+                                        </p:tgtEl>
+                                        <p:attrNameLst>
+                                          <p:attrName>style.visibility</p:attrName>
+                                        </p:attrNameLst>
+                                      </p:cBhvr>
+                                      <p:to>
+                                        <p:strVal val="visible"/>
+                                      </p:to>
+                                    </p:set>
+                                    <p:animEffect transition="in" filter="fade">
+                                      <p:cBhvr>
+                                        <p:cTn id="16" dur="500"/>
+                                        <p:tgtEl>
+                                          <p:spTgt spid="3">
+                                            <p:txEl>
+                                              <p:pRg st="1" end="1"/>
+                                            </p:txEl>
+                                          </p:spTgt>
+                                        </p:tgtEl>
+                                      </p:cBhvr>
+                                    </p:animEffect>
+                                  </p:childTnLst>
+                                </p:cTn>
+                              </p:par>
+                            </p:childTnLst>
+                          </p:cTn>
+                        </p:par>
+                      </p:childTnLst>
+                    </p:cTn>
+                  </p:par>
+                </p:childTnLst>
+              </p:cTn>
+              <p:prevCondLst>
+                <p:cond evt="onPrev" delay="0">
+                  <p:tgtEl>
+                    <p:sldTgt/>
+                  </p:tgtEl>
+                </p:cond>
+              </p:prevCondLst>
+              <p:nextCondLst>
+                <p:cond evt="onNext" delay="0">
+                  <p:tgtEl>
+                    <p:sldTgt/>
+                  </p:tgtEl>
+                </p:cond>
+              </p:nextCondLst>
+            </p:seq>
+          </p:childTnLst>
+        </p:cTn>
+      </p:par>
+    </p:tnLst>
+  </p:timing>
 </p:sld>
 </file>
 
@@ -23153,6 +26516,3076 @@
     <p:extLst>
       <p:ext uri="{BB962C8B-B14F-4D97-AF65-F5344CB8AC3E}">
         <p14:creationId xmlns:p14="http://schemas.microsoft.com/office/powerpoint/2010/main" val="3611489948"/>
+      </p:ext>
+    </p:extLst>
+  </p:cSld>
+  <p:clrMapOvr>
+    <a:masterClrMapping/>
+  </p:clrMapOvr>
+  <p:timing>
+    <p:tnLst>
+      <p:par>
+        <p:cTn id="1" dur="indefinite" restart="never" nodeType="tmRoot">
+          <p:childTnLst>
+            <p:seq concurrent="1" nextAc="seek">
+              <p:cTn id="2" dur="indefinite" nodeType="mainSeq">
+                <p:childTnLst>
+                  <p:par>
+                    <p:cTn id="3" fill="hold">
+                      <p:stCondLst>
+                        <p:cond delay="indefinite"/>
+                      </p:stCondLst>
+                      <p:childTnLst>
+                        <p:par>
+                          <p:cTn id="4" fill="hold">
+                            <p:stCondLst>
+                              <p:cond delay="0"/>
+                            </p:stCondLst>
+                            <p:childTnLst>
+                              <p:par>
+                                <p:cTn id="5" presetID="42" presetClass="entr" presetSubtype="0" fill="hold" nodeType="clickEffect">
+                                  <p:stCondLst>
+                                    <p:cond delay="0"/>
+                                  </p:stCondLst>
+                                  <p:childTnLst>
+                                    <p:set>
+                                      <p:cBhvr>
+                                        <p:cTn id="6" dur="1" fill="hold">
+                                          <p:stCondLst>
+                                            <p:cond delay="0"/>
+                                          </p:stCondLst>
+                                        </p:cTn>
+                                        <p:tgtEl>
+                                          <p:spTgt spid="3">
+                                            <p:txEl>
+                                              <p:pRg st="0" end="0"/>
+                                            </p:txEl>
+                                          </p:spTgt>
+                                        </p:tgtEl>
+                                        <p:attrNameLst>
+                                          <p:attrName>style.visibility</p:attrName>
+                                        </p:attrNameLst>
+                                      </p:cBhvr>
+                                      <p:to>
+                                        <p:strVal val="visible"/>
+                                      </p:to>
+                                    </p:set>
+                                    <p:animEffect transition="in" filter="fade">
+                                      <p:cBhvr>
+                                        <p:cTn id="7" dur="1000"/>
+                                        <p:tgtEl>
+                                          <p:spTgt spid="3">
+                                            <p:txEl>
+                                              <p:pRg st="0" end="0"/>
+                                            </p:txEl>
+                                          </p:spTgt>
+                                        </p:tgtEl>
+                                      </p:cBhvr>
+                                    </p:animEffect>
+                                    <p:anim calcmode="lin" valueType="num">
+                                      <p:cBhvr>
+                                        <p:cTn id="8" dur="1000" fill="hold"/>
+                                        <p:tgtEl>
+                                          <p:spTgt spid="3">
+                                            <p:txEl>
+                                              <p:pRg st="0" end="0"/>
+                                            </p:txEl>
+                                          </p:spTgt>
+                                        </p:tgtEl>
+                                        <p:attrNameLst>
+                                          <p:attrName>ppt_x</p:attrName>
+                                        </p:attrNameLst>
+                                      </p:cBhvr>
+                                      <p:tavLst>
+                                        <p:tav tm="0">
+                                          <p:val>
+                                            <p:strVal val="#ppt_x"/>
+                                          </p:val>
+                                        </p:tav>
+                                        <p:tav tm="100000">
+                                          <p:val>
+                                            <p:strVal val="#ppt_x"/>
+                                          </p:val>
+                                        </p:tav>
+                                      </p:tavLst>
+                                    </p:anim>
+                                    <p:anim calcmode="lin" valueType="num">
+                                      <p:cBhvr>
+                                        <p:cTn id="9" dur="1000" fill="hold"/>
+                                        <p:tgtEl>
+                                          <p:spTgt spid="3">
+                                            <p:txEl>
+                                              <p:pRg st="0" end="0"/>
+                                            </p:txEl>
+                                          </p:spTgt>
+                                        </p:tgtEl>
+                                        <p:attrNameLst>
+                                          <p:attrName>ppt_y</p:attrName>
+                                        </p:attrNameLst>
+                                      </p:cBhvr>
+                                      <p:tavLst>
+                                        <p:tav tm="0">
+                                          <p:val>
+                                            <p:strVal val="#ppt_y+.1"/>
+                                          </p:val>
+                                        </p:tav>
+                                        <p:tav tm="100000">
+                                          <p:val>
+                                            <p:strVal val="#ppt_y"/>
+                                          </p:val>
+                                        </p:tav>
+                                      </p:tavLst>
+                                    </p:anim>
+                                  </p:childTnLst>
+                                </p:cTn>
+                              </p:par>
+                            </p:childTnLst>
+                          </p:cTn>
+                        </p:par>
+                        <p:par>
+                          <p:cTn id="10" fill="hold">
+                            <p:stCondLst>
+                              <p:cond delay="1000"/>
+                            </p:stCondLst>
+                            <p:childTnLst>
+                              <p:par>
+                                <p:cTn id="11" presetID="42" presetClass="entr" presetSubtype="0" fill="hold" nodeType="afterEffect">
+                                  <p:stCondLst>
+                                    <p:cond delay="0"/>
+                                  </p:stCondLst>
+                                  <p:childTnLst>
+                                    <p:set>
+                                      <p:cBhvr>
+                                        <p:cTn id="12" dur="1" fill="hold">
+                                          <p:stCondLst>
+                                            <p:cond delay="0"/>
+                                          </p:stCondLst>
+                                        </p:cTn>
+                                        <p:tgtEl>
+                                          <p:spTgt spid="3">
+                                            <p:txEl>
+                                              <p:pRg st="1" end="1"/>
+                                            </p:txEl>
+                                          </p:spTgt>
+                                        </p:tgtEl>
+                                        <p:attrNameLst>
+                                          <p:attrName>style.visibility</p:attrName>
+                                        </p:attrNameLst>
+                                      </p:cBhvr>
+                                      <p:to>
+                                        <p:strVal val="visible"/>
+                                      </p:to>
+                                    </p:set>
+                                    <p:animEffect transition="in" filter="fade">
+                                      <p:cBhvr>
+                                        <p:cTn id="13" dur="1000"/>
+                                        <p:tgtEl>
+                                          <p:spTgt spid="3">
+                                            <p:txEl>
+                                              <p:pRg st="1" end="1"/>
+                                            </p:txEl>
+                                          </p:spTgt>
+                                        </p:tgtEl>
+                                      </p:cBhvr>
+                                    </p:animEffect>
+                                    <p:anim calcmode="lin" valueType="num">
+                                      <p:cBhvr>
+                                        <p:cTn id="14" dur="1000" fill="hold"/>
+                                        <p:tgtEl>
+                                          <p:spTgt spid="3">
+                                            <p:txEl>
+                                              <p:pRg st="1" end="1"/>
+                                            </p:txEl>
+                                          </p:spTgt>
+                                        </p:tgtEl>
+                                        <p:attrNameLst>
+                                          <p:attrName>ppt_x</p:attrName>
+                                        </p:attrNameLst>
+                                      </p:cBhvr>
+                                      <p:tavLst>
+                                        <p:tav tm="0">
+                                          <p:val>
+                                            <p:strVal val="#ppt_x"/>
+                                          </p:val>
+                                        </p:tav>
+                                        <p:tav tm="100000">
+                                          <p:val>
+                                            <p:strVal val="#ppt_x"/>
+                                          </p:val>
+                                        </p:tav>
+                                      </p:tavLst>
+                                    </p:anim>
+                                    <p:anim calcmode="lin" valueType="num">
+                                      <p:cBhvr>
+                                        <p:cTn id="15" dur="1000" fill="hold"/>
+                                        <p:tgtEl>
+                                          <p:spTgt spid="3">
+                                            <p:txEl>
+                                              <p:pRg st="1" end="1"/>
+                                            </p:txEl>
+                                          </p:spTgt>
+                                        </p:tgtEl>
+                                        <p:attrNameLst>
+                                          <p:attrName>ppt_y</p:attrName>
+                                        </p:attrNameLst>
+                                      </p:cBhvr>
+                                      <p:tavLst>
+                                        <p:tav tm="0">
+                                          <p:val>
+                                            <p:strVal val="#ppt_y+.1"/>
+                                          </p:val>
+                                        </p:tav>
+                                        <p:tav tm="100000">
+                                          <p:val>
+                                            <p:strVal val="#ppt_y"/>
+                                          </p:val>
+                                        </p:tav>
+                                      </p:tavLst>
+                                    </p:anim>
+                                  </p:childTnLst>
+                                </p:cTn>
+                              </p:par>
+                            </p:childTnLst>
+                          </p:cTn>
+                        </p:par>
+                        <p:par>
+                          <p:cTn id="16" fill="hold">
+                            <p:stCondLst>
+                              <p:cond delay="2000"/>
+                            </p:stCondLst>
+                            <p:childTnLst>
+                              <p:par>
+                                <p:cTn id="17" presetID="42" presetClass="entr" presetSubtype="0" fill="hold" nodeType="afterEffect">
+                                  <p:stCondLst>
+                                    <p:cond delay="0"/>
+                                  </p:stCondLst>
+                                  <p:childTnLst>
+                                    <p:set>
+                                      <p:cBhvr>
+                                        <p:cTn id="18" dur="1" fill="hold">
+                                          <p:stCondLst>
+                                            <p:cond delay="0"/>
+                                          </p:stCondLst>
+                                        </p:cTn>
+                                        <p:tgtEl>
+                                          <p:spTgt spid="3">
+                                            <p:txEl>
+                                              <p:pRg st="2" end="2"/>
+                                            </p:txEl>
+                                          </p:spTgt>
+                                        </p:tgtEl>
+                                        <p:attrNameLst>
+                                          <p:attrName>style.visibility</p:attrName>
+                                        </p:attrNameLst>
+                                      </p:cBhvr>
+                                      <p:to>
+                                        <p:strVal val="visible"/>
+                                      </p:to>
+                                    </p:set>
+                                    <p:animEffect transition="in" filter="fade">
+                                      <p:cBhvr>
+                                        <p:cTn id="19" dur="1000"/>
+                                        <p:tgtEl>
+                                          <p:spTgt spid="3">
+                                            <p:txEl>
+                                              <p:pRg st="2" end="2"/>
+                                            </p:txEl>
+                                          </p:spTgt>
+                                        </p:tgtEl>
+                                      </p:cBhvr>
+                                    </p:animEffect>
+                                    <p:anim calcmode="lin" valueType="num">
+                                      <p:cBhvr>
+                                        <p:cTn id="20" dur="1000" fill="hold"/>
+                                        <p:tgtEl>
+                                          <p:spTgt spid="3">
+                                            <p:txEl>
+                                              <p:pRg st="2" end="2"/>
+                                            </p:txEl>
+                                          </p:spTgt>
+                                        </p:tgtEl>
+                                        <p:attrNameLst>
+                                          <p:attrName>ppt_x</p:attrName>
+                                        </p:attrNameLst>
+                                      </p:cBhvr>
+                                      <p:tavLst>
+                                        <p:tav tm="0">
+                                          <p:val>
+                                            <p:strVal val="#ppt_x"/>
+                                          </p:val>
+                                        </p:tav>
+                                        <p:tav tm="100000">
+                                          <p:val>
+                                            <p:strVal val="#ppt_x"/>
+                                          </p:val>
+                                        </p:tav>
+                                      </p:tavLst>
+                                    </p:anim>
+                                    <p:anim calcmode="lin" valueType="num">
+                                      <p:cBhvr>
+                                        <p:cTn id="21" dur="1000" fill="hold"/>
+                                        <p:tgtEl>
+                                          <p:spTgt spid="3">
+                                            <p:txEl>
+                                              <p:pRg st="2" end="2"/>
+                                            </p:txEl>
+                                          </p:spTgt>
+                                        </p:tgtEl>
+                                        <p:attrNameLst>
+                                          <p:attrName>ppt_y</p:attrName>
+                                        </p:attrNameLst>
+                                      </p:cBhvr>
+                                      <p:tavLst>
+                                        <p:tav tm="0">
+                                          <p:val>
+                                            <p:strVal val="#ppt_y+.1"/>
+                                          </p:val>
+                                        </p:tav>
+                                        <p:tav tm="100000">
+                                          <p:val>
+                                            <p:strVal val="#ppt_y"/>
+                                          </p:val>
+                                        </p:tav>
+                                      </p:tavLst>
+                                    </p:anim>
+                                  </p:childTnLst>
+                                </p:cTn>
+                              </p:par>
+                            </p:childTnLst>
+                          </p:cTn>
+                        </p:par>
+                        <p:par>
+                          <p:cTn id="22" fill="hold">
+                            <p:stCondLst>
+                              <p:cond delay="3000"/>
+                            </p:stCondLst>
+                            <p:childTnLst>
+                              <p:par>
+                                <p:cTn id="23" presetID="42" presetClass="entr" presetSubtype="0" fill="hold" nodeType="afterEffect">
+                                  <p:stCondLst>
+                                    <p:cond delay="0"/>
+                                  </p:stCondLst>
+                                  <p:childTnLst>
+                                    <p:set>
+                                      <p:cBhvr>
+                                        <p:cTn id="24" dur="1" fill="hold">
+                                          <p:stCondLst>
+                                            <p:cond delay="0"/>
+                                          </p:stCondLst>
+                                        </p:cTn>
+                                        <p:tgtEl>
+                                          <p:spTgt spid="3">
+                                            <p:txEl>
+                                              <p:pRg st="3" end="3"/>
+                                            </p:txEl>
+                                          </p:spTgt>
+                                        </p:tgtEl>
+                                        <p:attrNameLst>
+                                          <p:attrName>style.visibility</p:attrName>
+                                        </p:attrNameLst>
+                                      </p:cBhvr>
+                                      <p:to>
+                                        <p:strVal val="visible"/>
+                                      </p:to>
+                                    </p:set>
+                                    <p:animEffect transition="in" filter="fade">
+                                      <p:cBhvr>
+                                        <p:cTn id="25" dur="1000"/>
+                                        <p:tgtEl>
+                                          <p:spTgt spid="3">
+                                            <p:txEl>
+                                              <p:pRg st="3" end="3"/>
+                                            </p:txEl>
+                                          </p:spTgt>
+                                        </p:tgtEl>
+                                      </p:cBhvr>
+                                    </p:animEffect>
+                                    <p:anim calcmode="lin" valueType="num">
+                                      <p:cBhvr>
+                                        <p:cTn id="26" dur="1000" fill="hold"/>
+                                        <p:tgtEl>
+                                          <p:spTgt spid="3">
+                                            <p:txEl>
+                                              <p:pRg st="3" end="3"/>
+                                            </p:txEl>
+                                          </p:spTgt>
+                                        </p:tgtEl>
+                                        <p:attrNameLst>
+                                          <p:attrName>ppt_x</p:attrName>
+                                        </p:attrNameLst>
+                                      </p:cBhvr>
+                                      <p:tavLst>
+                                        <p:tav tm="0">
+                                          <p:val>
+                                            <p:strVal val="#ppt_x"/>
+                                          </p:val>
+                                        </p:tav>
+                                        <p:tav tm="100000">
+                                          <p:val>
+                                            <p:strVal val="#ppt_x"/>
+                                          </p:val>
+                                        </p:tav>
+                                      </p:tavLst>
+                                    </p:anim>
+                                    <p:anim calcmode="lin" valueType="num">
+                                      <p:cBhvr>
+                                        <p:cTn id="27" dur="1000" fill="hold"/>
+                                        <p:tgtEl>
+                                          <p:spTgt spid="3">
+                                            <p:txEl>
+                                              <p:pRg st="3" end="3"/>
+                                            </p:txEl>
+                                          </p:spTgt>
+                                        </p:tgtEl>
+                                        <p:attrNameLst>
+                                          <p:attrName>ppt_y</p:attrName>
+                                        </p:attrNameLst>
+                                      </p:cBhvr>
+                                      <p:tavLst>
+                                        <p:tav tm="0">
+                                          <p:val>
+                                            <p:strVal val="#ppt_y+.1"/>
+                                          </p:val>
+                                        </p:tav>
+                                        <p:tav tm="100000">
+                                          <p:val>
+                                            <p:strVal val="#ppt_y"/>
+                                          </p:val>
+                                        </p:tav>
+                                      </p:tavLst>
+                                    </p:anim>
+                                  </p:childTnLst>
+                                </p:cTn>
+                              </p:par>
+                            </p:childTnLst>
+                          </p:cTn>
+                        </p:par>
+                        <p:par>
+                          <p:cTn id="28" fill="hold">
+                            <p:stCondLst>
+                              <p:cond delay="4000"/>
+                            </p:stCondLst>
+                            <p:childTnLst>
+                              <p:par>
+                                <p:cTn id="29" presetID="42" presetClass="entr" presetSubtype="0" fill="hold" nodeType="afterEffect">
+                                  <p:stCondLst>
+                                    <p:cond delay="0"/>
+                                  </p:stCondLst>
+                                  <p:childTnLst>
+                                    <p:set>
+                                      <p:cBhvr>
+                                        <p:cTn id="30" dur="1" fill="hold">
+                                          <p:stCondLst>
+                                            <p:cond delay="0"/>
+                                          </p:stCondLst>
+                                        </p:cTn>
+                                        <p:tgtEl>
+                                          <p:spTgt spid="3">
+                                            <p:txEl>
+                                              <p:pRg st="4" end="4"/>
+                                            </p:txEl>
+                                          </p:spTgt>
+                                        </p:tgtEl>
+                                        <p:attrNameLst>
+                                          <p:attrName>style.visibility</p:attrName>
+                                        </p:attrNameLst>
+                                      </p:cBhvr>
+                                      <p:to>
+                                        <p:strVal val="visible"/>
+                                      </p:to>
+                                    </p:set>
+                                    <p:animEffect transition="in" filter="fade">
+                                      <p:cBhvr>
+                                        <p:cTn id="31" dur="1000"/>
+                                        <p:tgtEl>
+                                          <p:spTgt spid="3">
+                                            <p:txEl>
+                                              <p:pRg st="4" end="4"/>
+                                            </p:txEl>
+                                          </p:spTgt>
+                                        </p:tgtEl>
+                                      </p:cBhvr>
+                                    </p:animEffect>
+                                    <p:anim calcmode="lin" valueType="num">
+                                      <p:cBhvr>
+                                        <p:cTn id="32" dur="1000" fill="hold"/>
+                                        <p:tgtEl>
+                                          <p:spTgt spid="3">
+                                            <p:txEl>
+                                              <p:pRg st="4" end="4"/>
+                                            </p:txEl>
+                                          </p:spTgt>
+                                        </p:tgtEl>
+                                        <p:attrNameLst>
+                                          <p:attrName>ppt_x</p:attrName>
+                                        </p:attrNameLst>
+                                      </p:cBhvr>
+                                      <p:tavLst>
+                                        <p:tav tm="0">
+                                          <p:val>
+                                            <p:strVal val="#ppt_x"/>
+                                          </p:val>
+                                        </p:tav>
+                                        <p:tav tm="100000">
+                                          <p:val>
+                                            <p:strVal val="#ppt_x"/>
+                                          </p:val>
+                                        </p:tav>
+                                      </p:tavLst>
+                                    </p:anim>
+                                    <p:anim calcmode="lin" valueType="num">
+                                      <p:cBhvr>
+                                        <p:cTn id="33" dur="1000" fill="hold"/>
+                                        <p:tgtEl>
+                                          <p:spTgt spid="3">
+                                            <p:txEl>
+                                              <p:pRg st="4" end="4"/>
+                                            </p:txEl>
+                                          </p:spTgt>
+                                        </p:tgtEl>
+                                        <p:attrNameLst>
+                                          <p:attrName>ppt_y</p:attrName>
+                                        </p:attrNameLst>
+                                      </p:cBhvr>
+                                      <p:tavLst>
+                                        <p:tav tm="0">
+                                          <p:val>
+                                            <p:strVal val="#ppt_y+.1"/>
+                                          </p:val>
+                                        </p:tav>
+                                        <p:tav tm="100000">
+                                          <p:val>
+                                            <p:strVal val="#ppt_y"/>
+                                          </p:val>
+                                        </p:tav>
+                                      </p:tavLst>
+                                    </p:anim>
+                                  </p:childTnLst>
+                                </p:cTn>
+                              </p:par>
+                            </p:childTnLst>
+                          </p:cTn>
+                        </p:par>
+                        <p:par>
+                          <p:cTn id="34" fill="hold">
+                            <p:stCondLst>
+                              <p:cond delay="5000"/>
+                            </p:stCondLst>
+                            <p:childTnLst>
+                              <p:par>
+                                <p:cTn id="35" presetID="42" presetClass="entr" presetSubtype="0" fill="hold" nodeType="afterEffect">
+                                  <p:stCondLst>
+                                    <p:cond delay="0"/>
+                                  </p:stCondLst>
+                                  <p:childTnLst>
+                                    <p:set>
+                                      <p:cBhvr>
+                                        <p:cTn id="36" dur="1" fill="hold">
+                                          <p:stCondLst>
+                                            <p:cond delay="0"/>
+                                          </p:stCondLst>
+                                        </p:cTn>
+                                        <p:tgtEl>
+                                          <p:spTgt spid="3">
+                                            <p:txEl>
+                                              <p:pRg st="5" end="5"/>
+                                            </p:txEl>
+                                          </p:spTgt>
+                                        </p:tgtEl>
+                                        <p:attrNameLst>
+                                          <p:attrName>style.visibility</p:attrName>
+                                        </p:attrNameLst>
+                                      </p:cBhvr>
+                                      <p:to>
+                                        <p:strVal val="visible"/>
+                                      </p:to>
+                                    </p:set>
+                                    <p:animEffect transition="in" filter="fade">
+                                      <p:cBhvr>
+                                        <p:cTn id="37" dur="1000"/>
+                                        <p:tgtEl>
+                                          <p:spTgt spid="3">
+                                            <p:txEl>
+                                              <p:pRg st="5" end="5"/>
+                                            </p:txEl>
+                                          </p:spTgt>
+                                        </p:tgtEl>
+                                      </p:cBhvr>
+                                    </p:animEffect>
+                                    <p:anim calcmode="lin" valueType="num">
+                                      <p:cBhvr>
+                                        <p:cTn id="38" dur="1000" fill="hold"/>
+                                        <p:tgtEl>
+                                          <p:spTgt spid="3">
+                                            <p:txEl>
+                                              <p:pRg st="5" end="5"/>
+                                            </p:txEl>
+                                          </p:spTgt>
+                                        </p:tgtEl>
+                                        <p:attrNameLst>
+                                          <p:attrName>ppt_x</p:attrName>
+                                        </p:attrNameLst>
+                                      </p:cBhvr>
+                                      <p:tavLst>
+                                        <p:tav tm="0">
+                                          <p:val>
+                                            <p:strVal val="#ppt_x"/>
+                                          </p:val>
+                                        </p:tav>
+                                        <p:tav tm="100000">
+                                          <p:val>
+                                            <p:strVal val="#ppt_x"/>
+                                          </p:val>
+                                        </p:tav>
+                                      </p:tavLst>
+                                    </p:anim>
+                                    <p:anim calcmode="lin" valueType="num">
+                                      <p:cBhvr>
+                                        <p:cTn id="39" dur="1000" fill="hold"/>
+                                        <p:tgtEl>
+                                          <p:spTgt spid="3">
+                                            <p:txEl>
+                                              <p:pRg st="5" end="5"/>
+                                            </p:txEl>
+                                          </p:spTgt>
+                                        </p:tgtEl>
+                                        <p:attrNameLst>
+                                          <p:attrName>ppt_y</p:attrName>
+                                        </p:attrNameLst>
+                                      </p:cBhvr>
+                                      <p:tavLst>
+                                        <p:tav tm="0">
+                                          <p:val>
+                                            <p:strVal val="#ppt_y+.1"/>
+                                          </p:val>
+                                        </p:tav>
+                                        <p:tav tm="100000">
+                                          <p:val>
+                                            <p:strVal val="#ppt_y"/>
+                                          </p:val>
+                                        </p:tav>
+                                      </p:tavLst>
+                                    </p:anim>
+                                  </p:childTnLst>
+                                </p:cTn>
+                              </p:par>
+                            </p:childTnLst>
+                          </p:cTn>
+                        </p:par>
+                      </p:childTnLst>
+                    </p:cTn>
+                  </p:par>
+                </p:childTnLst>
+              </p:cTn>
+              <p:prevCondLst>
+                <p:cond evt="onPrev" delay="0">
+                  <p:tgtEl>
+                    <p:sldTgt/>
+                  </p:tgtEl>
+                </p:cond>
+              </p:prevCondLst>
+              <p:nextCondLst>
+                <p:cond evt="onNext" delay="0">
+                  <p:tgtEl>
+                    <p:sldTgt/>
+                  </p:tgtEl>
+                </p:cond>
+              </p:nextCondLst>
+            </p:seq>
+          </p:childTnLst>
+        </p:cTn>
+      </p:par>
+    </p:tnLst>
+  </p:timing>
+</p:sld>
+</file>
+
+<file path=ppt/slides/slide30.xml><?xml version="1.0" encoding="utf-8"?>
+<p:sld xmlns:a="http://schemas.openxmlformats.org/drawingml/2006/main" xmlns:r="http://schemas.openxmlformats.org/officeDocument/2006/relationships" xmlns:p="http://schemas.openxmlformats.org/presentationml/2006/main">
+  <p:cSld>
+    <p:spTree>
+      <p:nvGrpSpPr>
+        <p:cNvPr id="1" name=""/>
+        <p:cNvGrpSpPr/>
+        <p:nvPr/>
+      </p:nvGrpSpPr>
+      <p:grpSpPr>
+        <a:xfrm>
+          <a:off x="0" y="0"/>
+          <a:ext cx="0" cy="0"/>
+          <a:chOff x="0" y="0"/>
+          <a:chExt cx="0" cy="0"/>
+        </a:xfrm>
+      </p:grpSpPr>
+      <p:sp>
+        <p:nvSpPr>
+          <p:cNvPr id="5" name="Title 4">
+            <a:extLst>
+              <a:ext uri="{FF2B5EF4-FFF2-40B4-BE49-F238E27FC236}">
+                <a16:creationId xmlns:a16="http://schemas.microsoft.com/office/drawing/2014/main" id="{3E1FC432-A453-870C-34F6-F5AB1E824DD3}"/>
+              </a:ext>
+            </a:extLst>
+          </p:cNvPr>
+          <p:cNvSpPr>
+            <a:spLocks noGrp="1"/>
+          </p:cNvSpPr>
+          <p:nvPr>
+            <p:ph type="title"/>
+          </p:nvPr>
+        </p:nvSpPr>
+        <p:spPr/>
+        <p:txBody>
+          <a:bodyPr/>
+          <a:lstStyle/>
+          <a:p>
+            <a:r>
+              <a:rPr lang="en-US" dirty="0"/>
+              <a:t>Programming with Python</a:t>
+            </a:r>
+          </a:p>
+        </p:txBody>
+      </p:sp>
+      <p:sp>
+        <p:nvSpPr>
+          <p:cNvPr id="4" name="Slide Number Placeholder 3">
+            <a:extLst>
+              <a:ext uri="{FF2B5EF4-FFF2-40B4-BE49-F238E27FC236}">
+                <a16:creationId xmlns:a16="http://schemas.microsoft.com/office/drawing/2014/main" id="{872D2B23-7846-DE1D-E096-383132454A1B}"/>
+              </a:ext>
+            </a:extLst>
+          </p:cNvPr>
+          <p:cNvSpPr>
+            <a:spLocks noGrp="1"/>
+          </p:cNvSpPr>
+          <p:nvPr>
+            <p:ph type="sldNum" sz="quarter" idx="12"/>
+          </p:nvPr>
+        </p:nvSpPr>
+        <p:spPr/>
+        <p:txBody>
+          <a:bodyPr/>
+          <a:lstStyle/>
+          <a:p>
+            <a:fld id="{0079CAC6-A72B-4EF8-B465-34FA47827E7F}" type="slidenum">
+              <a:rPr lang="en-US" smtClean="0"/>
+              <a:t>30</a:t>
+            </a:fld>
+            <a:endParaRPr lang="en-US" dirty="0"/>
+          </a:p>
+        </p:txBody>
+      </p:sp>
+      <p:sp>
+        <p:nvSpPr>
+          <p:cNvPr id="2" name="Footer Placeholder 1">
+            <a:extLst>
+              <a:ext uri="{FF2B5EF4-FFF2-40B4-BE49-F238E27FC236}">
+                <a16:creationId xmlns:a16="http://schemas.microsoft.com/office/drawing/2014/main" id="{88F3A02B-EBDE-A1C4-048E-E606628F0D93}"/>
+              </a:ext>
+            </a:extLst>
+          </p:cNvPr>
+          <p:cNvSpPr>
+            <a:spLocks noGrp="1"/>
+          </p:cNvSpPr>
+          <p:nvPr>
+            <p:ph type="ftr" sz="quarter" idx="11"/>
+          </p:nvPr>
+        </p:nvSpPr>
+        <p:spPr/>
+        <p:txBody>
+          <a:bodyPr/>
+          <a:lstStyle/>
+          <a:p>
+            <a:r>
+              <a:rPr lang="en-US"/>
+              <a:t>Fundamental Programming with Python</a:t>
+            </a:r>
+            <a:endParaRPr lang="en-US" dirty="0"/>
+          </a:p>
+        </p:txBody>
+      </p:sp>
+    </p:spTree>
+    <p:extLst>
+      <p:ext uri="{BB962C8B-B14F-4D97-AF65-F5344CB8AC3E}">
+        <p14:creationId xmlns:p14="http://schemas.microsoft.com/office/powerpoint/2010/main" val="2747561522"/>
+      </p:ext>
+    </p:extLst>
+  </p:cSld>
+  <p:clrMapOvr>
+    <a:masterClrMapping/>
+  </p:clrMapOvr>
+</p:sld>
+</file>
+
+<file path=ppt/slides/slide31.xml><?xml version="1.0" encoding="utf-8"?>
+<p:sld xmlns:a="http://schemas.openxmlformats.org/drawingml/2006/main" xmlns:r="http://schemas.openxmlformats.org/officeDocument/2006/relationships" xmlns:p="http://schemas.openxmlformats.org/presentationml/2006/main">
+  <p:cSld>
+    <p:spTree>
+      <p:nvGrpSpPr>
+        <p:cNvPr id="1" name=""/>
+        <p:cNvGrpSpPr/>
+        <p:nvPr/>
+      </p:nvGrpSpPr>
+      <p:grpSpPr>
+        <a:xfrm>
+          <a:off x="0" y="0"/>
+          <a:ext cx="0" cy="0"/>
+          <a:chOff x="0" y="0"/>
+          <a:chExt cx="0" cy="0"/>
+        </a:xfrm>
+      </p:grpSpPr>
+      <p:sp>
+        <p:nvSpPr>
+          <p:cNvPr id="2" name="Title 1">
+            <a:extLst>
+              <a:ext uri="{FF2B5EF4-FFF2-40B4-BE49-F238E27FC236}">
+                <a16:creationId xmlns:a16="http://schemas.microsoft.com/office/drawing/2014/main" id="{B3DC2EDE-24AC-E898-BFE7-2BA534AE08CD}"/>
+              </a:ext>
+            </a:extLst>
+          </p:cNvPr>
+          <p:cNvSpPr>
+            <a:spLocks noGrp="1"/>
+          </p:cNvSpPr>
+          <p:nvPr>
+            <p:ph type="title"/>
+          </p:nvPr>
+        </p:nvSpPr>
+        <p:spPr/>
+        <p:txBody>
+          <a:bodyPr/>
+          <a:lstStyle/>
+          <a:p>
+            <a:r>
+              <a:rPr lang="en-US" dirty="0"/>
+              <a:t>Question</a:t>
+            </a:r>
+          </a:p>
+        </p:txBody>
+      </p:sp>
+      <p:sp>
+        <p:nvSpPr>
+          <p:cNvPr id="3" name="Content Placeholder 2">
+            <a:extLst>
+              <a:ext uri="{FF2B5EF4-FFF2-40B4-BE49-F238E27FC236}">
+                <a16:creationId xmlns:a16="http://schemas.microsoft.com/office/drawing/2014/main" id="{F9696FCA-211D-9862-CE07-ECC8C82F206A}"/>
+              </a:ext>
+            </a:extLst>
+          </p:cNvPr>
+          <p:cNvSpPr>
+            <a:spLocks noGrp="1"/>
+          </p:cNvSpPr>
+          <p:nvPr>
+            <p:ph idx="1"/>
+          </p:nvPr>
+        </p:nvSpPr>
+        <p:spPr/>
+        <p:txBody>
+          <a:bodyPr>
+            <a:normAutofit/>
+          </a:bodyPr>
+          <a:lstStyle/>
+          <a:p>
+            <a:r>
+              <a:rPr lang="en-US" dirty="0"/>
+              <a:t>How can we get more users for our news website?</a:t>
+            </a:r>
+          </a:p>
+        </p:txBody>
+      </p:sp>
+      <p:sp>
+        <p:nvSpPr>
+          <p:cNvPr id="4" name="Footer Placeholder 3">
+            <a:extLst>
+              <a:ext uri="{FF2B5EF4-FFF2-40B4-BE49-F238E27FC236}">
+                <a16:creationId xmlns:a16="http://schemas.microsoft.com/office/drawing/2014/main" id="{1303E7C7-DB16-9FCA-42CF-70F04616C8D8}"/>
+              </a:ext>
+            </a:extLst>
+          </p:cNvPr>
+          <p:cNvSpPr>
+            <a:spLocks noGrp="1"/>
+          </p:cNvSpPr>
+          <p:nvPr>
+            <p:ph type="ftr" sz="quarter" idx="11"/>
+          </p:nvPr>
+        </p:nvSpPr>
+        <p:spPr/>
+        <p:txBody>
+          <a:bodyPr/>
+          <a:lstStyle/>
+          <a:p>
+            <a:r>
+              <a:rPr lang="en-US"/>
+              <a:t>Fundamental Programming with Python</a:t>
+            </a:r>
+            <a:endParaRPr lang="en-US" dirty="0"/>
+          </a:p>
+        </p:txBody>
+      </p:sp>
+      <p:sp>
+        <p:nvSpPr>
+          <p:cNvPr id="5" name="Slide Number Placeholder 4">
+            <a:extLst>
+              <a:ext uri="{FF2B5EF4-FFF2-40B4-BE49-F238E27FC236}">
+                <a16:creationId xmlns:a16="http://schemas.microsoft.com/office/drawing/2014/main" id="{BC3EA3A6-B626-2A9B-98E4-1161214E332C}"/>
+              </a:ext>
+            </a:extLst>
+          </p:cNvPr>
+          <p:cNvSpPr>
+            <a:spLocks noGrp="1"/>
+          </p:cNvSpPr>
+          <p:nvPr>
+            <p:ph type="sldNum" sz="quarter" idx="12"/>
+          </p:nvPr>
+        </p:nvSpPr>
+        <p:spPr/>
+        <p:txBody>
+          <a:bodyPr/>
+          <a:lstStyle/>
+          <a:p>
+            <a:fld id="{0079CAC6-A72B-4EF8-B465-34FA47827E7F}" type="slidenum">
+              <a:rPr lang="en-US" smtClean="0"/>
+              <a:t>31</a:t>
+            </a:fld>
+            <a:endParaRPr lang="en-US" dirty="0"/>
+          </a:p>
+        </p:txBody>
+      </p:sp>
+      <p:sp>
+        <p:nvSpPr>
+          <p:cNvPr id="6" name="Speech Bubble: Oval 5">
+            <a:extLst>
+              <a:ext uri="{FF2B5EF4-FFF2-40B4-BE49-F238E27FC236}">
+                <a16:creationId xmlns:a16="http://schemas.microsoft.com/office/drawing/2014/main" id="{4CB194F1-2D9A-3703-182E-8E924000EBA5}"/>
+              </a:ext>
+            </a:extLst>
+          </p:cNvPr>
+          <p:cNvSpPr/>
+          <p:nvPr/>
+        </p:nvSpPr>
+        <p:spPr>
+          <a:xfrm>
+            <a:off x="6817489" y="272602"/>
+            <a:ext cx="3823422" cy="1394153"/>
+          </a:xfrm>
+          <a:prstGeom prst="wedgeEllipseCallout">
+            <a:avLst>
+              <a:gd name="adj1" fmla="val -50198"/>
+              <a:gd name="adj2" fmla="val 75784"/>
+            </a:avLst>
+          </a:prstGeom>
+          <a:effectLst>
+            <a:innerShdw blurRad="63500" dist="50800">
+              <a:prstClr val="black">
+                <a:alpha val="50000"/>
+              </a:prstClr>
+            </a:innerShdw>
+          </a:effectLst>
+        </p:spPr>
+        <p:style>
+          <a:lnRef idx="2">
+            <a:schemeClr val="accent4">
+              <a:shade val="50000"/>
+            </a:schemeClr>
+          </a:lnRef>
+          <a:fillRef idx="1">
+            <a:schemeClr val="accent4"/>
+          </a:fillRef>
+          <a:effectRef idx="0">
+            <a:schemeClr val="accent4"/>
+          </a:effectRef>
+          <a:fontRef idx="minor">
+            <a:schemeClr val="lt1"/>
+          </a:fontRef>
+        </p:style>
+        <p:txBody>
+          <a:bodyPr rtlCol="0" anchor="ctr"/>
+          <a:lstStyle/>
+          <a:p>
+            <a:pPr algn="ctr"/>
+            <a:r>
+              <a:rPr lang="en-US" sz="2400" b="1" dirty="0"/>
+              <a:t>What is the website need?</a:t>
+            </a:r>
+          </a:p>
+        </p:txBody>
+      </p:sp>
+    </p:spTree>
+    <p:extLst>
+      <p:ext uri="{BB962C8B-B14F-4D97-AF65-F5344CB8AC3E}">
+        <p14:creationId xmlns:p14="http://schemas.microsoft.com/office/powerpoint/2010/main" val="2045840364"/>
+      </p:ext>
+    </p:extLst>
+  </p:cSld>
+  <p:clrMapOvr>
+    <a:masterClrMapping/>
+  </p:clrMapOvr>
+  <p:timing>
+    <p:tnLst>
+      <p:par>
+        <p:cTn id="1" dur="indefinite" restart="never" nodeType="tmRoot">
+          <p:childTnLst>
+            <p:seq concurrent="1" nextAc="seek">
+              <p:cTn id="2" dur="indefinite" nodeType="mainSeq">
+                <p:childTnLst>
+                  <p:par>
+                    <p:cTn id="3" fill="hold">
+                      <p:stCondLst>
+                        <p:cond delay="indefinite"/>
+                      </p:stCondLst>
+                      <p:childTnLst>
+                        <p:par>
+                          <p:cTn id="4" fill="hold">
+                            <p:stCondLst>
+                              <p:cond delay="0"/>
+                            </p:stCondLst>
+                            <p:childTnLst>
+                              <p:par>
+                                <p:cTn id="5" presetID="22" presetClass="entr" presetSubtype="4" fill="hold" grpId="0" nodeType="clickEffect">
+                                  <p:stCondLst>
+                                    <p:cond delay="0"/>
+                                  </p:stCondLst>
+                                  <p:childTnLst>
+                                    <p:set>
+                                      <p:cBhvr>
+                                        <p:cTn id="6" dur="1" fill="hold">
+                                          <p:stCondLst>
+                                            <p:cond delay="0"/>
+                                          </p:stCondLst>
+                                        </p:cTn>
+                                        <p:tgtEl>
+                                          <p:spTgt spid="6"/>
+                                        </p:tgtEl>
+                                        <p:attrNameLst>
+                                          <p:attrName>style.visibility</p:attrName>
+                                        </p:attrNameLst>
+                                      </p:cBhvr>
+                                      <p:to>
+                                        <p:strVal val="visible"/>
+                                      </p:to>
+                                    </p:set>
+                                    <p:animEffect transition="in" filter="wipe(down)">
+                                      <p:cBhvr>
+                                        <p:cTn id="7" dur="500"/>
+                                        <p:tgtEl>
+                                          <p:spTgt spid="6"/>
+                                        </p:tgtEl>
+                                      </p:cBhvr>
+                                    </p:animEffect>
+                                  </p:childTnLst>
+                                </p:cTn>
+                              </p:par>
+                            </p:childTnLst>
+                          </p:cTn>
+                        </p:par>
+                      </p:childTnLst>
+                    </p:cTn>
+                  </p:par>
+                </p:childTnLst>
+              </p:cTn>
+              <p:prevCondLst>
+                <p:cond evt="onPrev" delay="0">
+                  <p:tgtEl>
+                    <p:sldTgt/>
+                  </p:tgtEl>
+                </p:cond>
+              </p:prevCondLst>
+              <p:nextCondLst>
+                <p:cond evt="onNext" delay="0">
+                  <p:tgtEl>
+                    <p:sldTgt/>
+                  </p:tgtEl>
+                </p:cond>
+              </p:nextCondLst>
+            </p:seq>
+          </p:childTnLst>
+        </p:cTn>
+      </p:par>
+    </p:tnLst>
+    <p:bldLst>
+      <p:bldP spid="6" grpId="0" animBg="1"/>
+    </p:bldLst>
+  </p:timing>
+</p:sld>
+</file>
+
+<file path=ppt/slides/slide32.xml><?xml version="1.0" encoding="utf-8"?>
+<p:sld xmlns:a="http://schemas.openxmlformats.org/drawingml/2006/main" xmlns:r="http://schemas.openxmlformats.org/officeDocument/2006/relationships" xmlns:p="http://schemas.openxmlformats.org/presentationml/2006/main">
+  <p:cSld>
+    <p:spTree>
+      <p:nvGrpSpPr>
+        <p:cNvPr id="1" name=""/>
+        <p:cNvGrpSpPr/>
+        <p:nvPr/>
+      </p:nvGrpSpPr>
+      <p:grpSpPr>
+        <a:xfrm>
+          <a:off x="0" y="0"/>
+          <a:ext cx="0" cy="0"/>
+          <a:chOff x="0" y="0"/>
+          <a:chExt cx="0" cy="0"/>
+        </a:xfrm>
+      </p:grpSpPr>
+      <p:sp>
+        <p:nvSpPr>
+          <p:cNvPr id="2" name="Title 1">
+            <a:extLst>
+              <a:ext uri="{FF2B5EF4-FFF2-40B4-BE49-F238E27FC236}">
+                <a16:creationId xmlns:a16="http://schemas.microsoft.com/office/drawing/2014/main" id="{B3DC2EDE-24AC-E898-BFE7-2BA534AE08CD}"/>
+              </a:ext>
+            </a:extLst>
+          </p:cNvPr>
+          <p:cNvSpPr>
+            <a:spLocks noGrp="1"/>
+          </p:cNvSpPr>
+          <p:nvPr>
+            <p:ph type="title"/>
+          </p:nvPr>
+        </p:nvSpPr>
+        <p:spPr/>
+        <p:txBody>
+          <a:bodyPr/>
+          <a:lstStyle/>
+          <a:p>
+            <a:r>
+              <a:rPr lang="en-US" dirty="0"/>
+              <a:t>From question to algorithm!</a:t>
+            </a:r>
+          </a:p>
+        </p:txBody>
+      </p:sp>
+      <p:sp>
+        <p:nvSpPr>
+          <p:cNvPr id="3" name="Content Placeholder 2">
+            <a:extLst>
+              <a:ext uri="{FF2B5EF4-FFF2-40B4-BE49-F238E27FC236}">
+                <a16:creationId xmlns:a16="http://schemas.microsoft.com/office/drawing/2014/main" id="{F9696FCA-211D-9862-CE07-ECC8C82F206A}"/>
+              </a:ext>
+            </a:extLst>
+          </p:cNvPr>
+          <p:cNvSpPr>
+            <a:spLocks noGrp="1"/>
+          </p:cNvSpPr>
+          <p:nvPr>
+            <p:ph idx="1"/>
+          </p:nvPr>
+        </p:nvSpPr>
+        <p:spPr/>
+        <p:txBody>
+          <a:bodyPr>
+            <a:normAutofit fontScale="77500" lnSpcReduction="20000"/>
+          </a:bodyPr>
+          <a:lstStyle/>
+          <a:p>
+            <a:r>
+              <a:rPr lang="en-US" dirty="0"/>
+              <a:t>Understand your needs or questions! </a:t>
+            </a:r>
+          </a:p>
+          <a:p>
+            <a:pPr lvl="1"/>
+            <a:r>
+              <a:rPr lang="en-US" dirty="0"/>
+              <a:t>explain easily for someone else</a:t>
+            </a:r>
+          </a:p>
+          <a:p>
+            <a:r>
+              <a:rPr lang="en-US" dirty="0"/>
+              <a:t>Decompose your problem (make some steps)!</a:t>
+            </a:r>
+          </a:p>
+          <a:p>
+            <a:r>
+              <a:rPr lang="en-US" dirty="0"/>
+              <a:t>Make a flowchart for the decomposed version of your problem</a:t>
+            </a:r>
+          </a:p>
+          <a:p>
+            <a:r>
+              <a:rPr lang="en-US" dirty="0"/>
+              <a:t>Explain each steps in one or two  sentences (paper-based or paperless)</a:t>
+            </a:r>
+          </a:p>
+          <a:p>
+            <a:pPr lvl="1"/>
+            <a:r>
+              <a:rPr lang="en-US" dirty="0"/>
+              <a:t>input, output, process</a:t>
+            </a:r>
+          </a:p>
+          <a:p>
+            <a:r>
+              <a:rPr lang="en-US" dirty="0"/>
+              <a:t>Explain each steps mathematically…</a:t>
+            </a:r>
+          </a:p>
+          <a:p>
+            <a:r>
+              <a:rPr lang="en-US" dirty="0"/>
+              <a:t>Develop your algorithms for each steps</a:t>
+            </a:r>
+          </a:p>
+          <a:p>
+            <a:r>
+              <a:rPr lang="en-US" dirty="0"/>
+              <a:t>Check your process flow from the first step to the last one!</a:t>
+            </a:r>
+          </a:p>
+          <a:p>
+            <a:endParaRPr lang="en-US" dirty="0"/>
+          </a:p>
+          <a:p>
+            <a:endParaRPr lang="en-US" dirty="0"/>
+          </a:p>
+          <a:p>
+            <a:endParaRPr lang="en-US" dirty="0"/>
+          </a:p>
+          <a:p>
+            <a:endParaRPr lang="en-US" dirty="0"/>
+          </a:p>
+          <a:p>
+            <a:endParaRPr lang="en-US" dirty="0"/>
+          </a:p>
+        </p:txBody>
+      </p:sp>
+      <p:sp>
+        <p:nvSpPr>
+          <p:cNvPr id="4" name="Footer Placeholder 3">
+            <a:extLst>
+              <a:ext uri="{FF2B5EF4-FFF2-40B4-BE49-F238E27FC236}">
+                <a16:creationId xmlns:a16="http://schemas.microsoft.com/office/drawing/2014/main" id="{1303E7C7-DB16-9FCA-42CF-70F04616C8D8}"/>
+              </a:ext>
+            </a:extLst>
+          </p:cNvPr>
+          <p:cNvSpPr>
+            <a:spLocks noGrp="1"/>
+          </p:cNvSpPr>
+          <p:nvPr>
+            <p:ph type="ftr" sz="quarter" idx="11"/>
+          </p:nvPr>
+        </p:nvSpPr>
+        <p:spPr/>
+        <p:txBody>
+          <a:bodyPr/>
+          <a:lstStyle/>
+          <a:p>
+            <a:r>
+              <a:rPr lang="en-US"/>
+              <a:t>Fundamental Programming with Python</a:t>
+            </a:r>
+            <a:endParaRPr lang="en-US" dirty="0"/>
+          </a:p>
+        </p:txBody>
+      </p:sp>
+      <p:sp>
+        <p:nvSpPr>
+          <p:cNvPr id="5" name="Slide Number Placeholder 4">
+            <a:extLst>
+              <a:ext uri="{FF2B5EF4-FFF2-40B4-BE49-F238E27FC236}">
+                <a16:creationId xmlns:a16="http://schemas.microsoft.com/office/drawing/2014/main" id="{BC3EA3A6-B626-2A9B-98E4-1161214E332C}"/>
+              </a:ext>
+            </a:extLst>
+          </p:cNvPr>
+          <p:cNvSpPr>
+            <a:spLocks noGrp="1"/>
+          </p:cNvSpPr>
+          <p:nvPr>
+            <p:ph type="sldNum" sz="quarter" idx="12"/>
+          </p:nvPr>
+        </p:nvSpPr>
+        <p:spPr/>
+        <p:txBody>
+          <a:bodyPr/>
+          <a:lstStyle/>
+          <a:p>
+            <a:fld id="{0079CAC6-A72B-4EF8-B465-34FA47827E7F}" type="slidenum">
+              <a:rPr lang="en-US" smtClean="0"/>
+              <a:t>32</a:t>
+            </a:fld>
+            <a:endParaRPr lang="en-US" dirty="0"/>
+          </a:p>
+        </p:txBody>
+      </p:sp>
+    </p:spTree>
+    <p:extLst>
+      <p:ext uri="{BB962C8B-B14F-4D97-AF65-F5344CB8AC3E}">
+        <p14:creationId xmlns:p14="http://schemas.microsoft.com/office/powerpoint/2010/main" val="2242631295"/>
+      </p:ext>
+    </p:extLst>
+  </p:cSld>
+  <p:clrMapOvr>
+    <a:masterClrMapping/>
+  </p:clrMapOvr>
+  <p:timing>
+    <p:tnLst>
+      <p:par>
+        <p:cTn id="1" dur="indefinite" restart="never" nodeType="tmRoot">
+          <p:childTnLst>
+            <p:seq concurrent="1" nextAc="seek">
+              <p:cTn id="2" dur="indefinite" nodeType="mainSeq">
+                <p:childTnLst>
+                  <p:par>
+                    <p:cTn id="3" fill="hold">
+                      <p:stCondLst>
+                        <p:cond delay="indefinite"/>
+                      </p:stCondLst>
+                      <p:childTnLst>
+                        <p:par>
+                          <p:cTn id="4" fill="hold">
+                            <p:stCondLst>
+                              <p:cond delay="0"/>
+                            </p:stCondLst>
+                            <p:childTnLst>
+                              <p:par>
+                                <p:cTn id="5" presetID="22" presetClass="entr" presetSubtype="4" fill="hold" nodeType="clickEffect">
+                                  <p:stCondLst>
+                                    <p:cond delay="0"/>
+                                  </p:stCondLst>
+                                  <p:childTnLst>
+                                    <p:set>
+                                      <p:cBhvr>
+                                        <p:cTn id="6" dur="1" fill="hold">
+                                          <p:stCondLst>
+                                            <p:cond delay="0"/>
+                                          </p:stCondLst>
+                                        </p:cTn>
+                                        <p:tgtEl>
+                                          <p:spTgt spid="3">
+                                            <p:txEl>
+                                              <p:pRg st="0" end="0"/>
+                                            </p:txEl>
+                                          </p:spTgt>
+                                        </p:tgtEl>
+                                        <p:attrNameLst>
+                                          <p:attrName>style.visibility</p:attrName>
+                                        </p:attrNameLst>
+                                      </p:cBhvr>
+                                      <p:to>
+                                        <p:strVal val="visible"/>
+                                      </p:to>
+                                    </p:set>
+                                    <p:animEffect transition="in" filter="wipe(down)">
+                                      <p:cBhvr>
+                                        <p:cTn id="7" dur="500"/>
+                                        <p:tgtEl>
+                                          <p:spTgt spid="3">
+                                            <p:txEl>
+                                              <p:pRg st="0" end="0"/>
+                                            </p:txEl>
+                                          </p:spTgt>
+                                        </p:tgtEl>
+                                      </p:cBhvr>
+                                    </p:animEffect>
+                                  </p:childTnLst>
+                                </p:cTn>
+                              </p:par>
+                            </p:childTnLst>
+                          </p:cTn>
+                        </p:par>
+                      </p:childTnLst>
+                    </p:cTn>
+                  </p:par>
+                  <p:par>
+                    <p:cTn id="8" fill="hold">
+                      <p:stCondLst>
+                        <p:cond delay="indefinite"/>
+                      </p:stCondLst>
+                      <p:childTnLst>
+                        <p:par>
+                          <p:cTn id="9" fill="hold">
+                            <p:stCondLst>
+                              <p:cond delay="0"/>
+                            </p:stCondLst>
+                            <p:childTnLst>
+                              <p:par>
+                                <p:cTn id="10" presetID="22" presetClass="entr" presetSubtype="4" fill="hold" nodeType="clickEffect">
+                                  <p:stCondLst>
+                                    <p:cond delay="0"/>
+                                  </p:stCondLst>
+                                  <p:childTnLst>
+                                    <p:set>
+                                      <p:cBhvr>
+                                        <p:cTn id="11" dur="1" fill="hold">
+                                          <p:stCondLst>
+                                            <p:cond delay="0"/>
+                                          </p:stCondLst>
+                                        </p:cTn>
+                                        <p:tgtEl>
+                                          <p:spTgt spid="3">
+                                            <p:txEl>
+                                              <p:pRg st="1" end="1"/>
+                                            </p:txEl>
+                                          </p:spTgt>
+                                        </p:tgtEl>
+                                        <p:attrNameLst>
+                                          <p:attrName>style.visibility</p:attrName>
+                                        </p:attrNameLst>
+                                      </p:cBhvr>
+                                      <p:to>
+                                        <p:strVal val="visible"/>
+                                      </p:to>
+                                    </p:set>
+                                    <p:animEffect transition="in" filter="wipe(down)">
+                                      <p:cBhvr>
+                                        <p:cTn id="12" dur="500"/>
+                                        <p:tgtEl>
+                                          <p:spTgt spid="3">
+                                            <p:txEl>
+                                              <p:pRg st="1" end="1"/>
+                                            </p:txEl>
+                                          </p:spTgt>
+                                        </p:tgtEl>
+                                      </p:cBhvr>
+                                    </p:animEffect>
+                                  </p:childTnLst>
+                                </p:cTn>
+                              </p:par>
+                            </p:childTnLst>
+                          </p:cTn>
+                        </p:par>
+                      </p:childTnLst>
+                    </p:cTn>
+                  </p:par>
+                  <p:par>
+                    <p:cTn id="13" fill="hold">
+                      <p:stCondLst>
+                        <p:cond delay="indefinite"/>
+                      </p:stCondLst>
+                      <p:childTnLst>
+                        <p:par>
+                          <p:cTn id="14" fill="hold">
+                            <p:stCondLst>
+                              <p:cond delay="0"/>
+                            </p:stCondLst>
+                            <p:childTnLst>
+                              <p:par>
+                                <p:cTn id="15" presetID="22" presetClass="entr" presetSubtype="4" fill="hold" nodeType="clickEffect">
+                                  <p:stCondLst>
+                                    <p:cond delay="0"/>
+                                  </p:stCondLst>
+                                  <p:childTnLst>
+                                    <p:set>
+                                      <p:cBhvr>
+                                        <p:cTn id="16" dur="1" fill="hold">
+                                          <p:stCondLst>
+                                            <p:cond delay="0"/>
+                                          </p:stCondLst>
+                                        </p:cTn>
+                                        <p:tgtEl>
+                                          <p:spTgt spid="3">
+                                            <p:txEl>
+                                              <p:pRg st="2" end="2"/>
+                                            </p:txEl>
+                                          </p:spTgt>
+                                        </p:tgtEl>
+                                        <p:attrNameLst>
+                                          <p:attrName>style.visibility</p:attrName>
+                                        </p:attrNameLst>
+                                      </p:cBhvr>
+                                      <p:to>
+                                        <p:strVal val="visible"/>
+                                      </p:to>
+                                    </p:set>
+                                    <p:animEffect transition="in" filter="wipe(down)">
+                                      <p:cBhvr>
+                                        <p:cTn id="17" dur="500"/>
+                                        <p:tgtEl>
+                                          <p:spTgt spid="3">
+                                            <p:txEl>
+                                              <p:pRg st="2" end="2"/>
+                                            </p:txEl>
+                                          </p:spTgt>
+                                        </p:tgtEl>
+                                      </p:cBhvr>
+                                    </p:animEffect>
+                                  </p:childTnLst>
+                                </p:cTn>
+                              </p:par>
+                            </p:childTnLst>
+                          </p:cTn>
+                        </p:par>
+                      </p:childTnLst>
+                    </p:cTn>
+                  </p:par>
+                  <p:par>
+                    <p:cTn id="18" fill="hold">
+                      <p:stCondLst>
+                        <p:cond delay="indefinite"/>
+                      </p:stCondLst>
+                      <p:childTnLst>
+                        <p:par>
+                          <p:cTn id="19" fill="hold">
+                            <p:stCondLst>
+                              <p:cond delay="0"/>
+                            </p:stCondLst>
+                            <p:childTnLst>
+                              <p:par>
+                                <p:cTn id="20" presetID="22" presetClass="entr" presetSubtype="4" fill="hold" nodeType="clickEffect">
+                                  <p:stCondLst>
+                                    <p:cond delay="0"/>
+                                  </p:stCondLst>
+                                  <p:childTnLst>
+                                    <p:set>
+                                      <p:cBhvr>
+                                        <p:cTn id="21" dur="1" fill="hold">
+                                          <p:stCondLst>
+                                            <p:cond delay="0"/>
+                                          </p:stCondLst>
+                                        </p:cTn>
+                                        <p:tgtEl>
+                                          <p:spTgt spid="3">
+                                            <p:txEl>
+                                              <p:pRg st="3" end="3"/>
+                                            </p:txEl>
+                                          </p:spTgt>
+                                        </p:tgtEl>
+                                        <p:attrNameLst>
+                                          <p:attrName>style.visibility</p:attrName>
+                                        </p:attrNameLst>
+                                      </p:cBhvr>
+                                      <p:to>
+                                        <p:strVal val="visible"/>
+                                      </p:to>
+                                    </p:set>
+                                    <p:animEffect transition="in" filter="wipe(down)">
+                                      <p:cBhvr>
+                                        <p:cTn id="22" dur="500"/>
+                                        <p:tgtEl>
+                                          <p:spTgt spid="3">
+                                            <p:txEl>
+                                              <p:pRg st="3" end="3"/>
+                                            </p:txEl>
+                                          </p:spTgt>
+                                        </p:tgtEl>
+                                      </p:cBhvr>
+                                    </p:animEffect>
+                                  </p:childTnLst>
+                                </p:cTn>
+                              </p:par>
+                            </p:childTnLst>
+                          </p:cTn>
+                        </p:par>
+                      </p:childTnLst>
+                    </p:cTn>
+                  </p:par>
+                  <p:par>
+                    <p:cTn id="23" fill="hold">
+                      <p:stCondLst>
+                        <p:cond delay="indefinite"/>
+                      </p:stCondLst>
+                      <p:childTnLst>
+                        <p:par>
+                          <p:cTn id="24" fill="hold">
+                            <p:stCondLst>
+                              <p:cond delay="0"/>
+                            </p:stCondLst>
+                            <p:childTnLst>
+                              <p:par>
+                                <p:cTn id="25" presetID="22" presetClass="entr" presetSubtype="4" fill="hold" nodeType="clickEffect">
+                                  <p:stCondLst>
+                                    <p:cond delay="0"/>
+                                  </p:stCondLst>
+                                  <p:childTnLst>
+                                    <p:set>
+                                      <p:cBhvr>
+                                        <p:cTn id="26" dur="1" fill="hold">
+                                          <p:stCondLst>
+                                            <p:cond delay="0"/>
+                                          </p:stCondLst>
+                                        </p:cTn>
+                                        <p:tgtEl>
+                                          <p:spTgt spid="3">
+                                            <p:txEl>
+                                              <p:pRg st="4" end="4"/>
+                                            </p:txEl>
+                                          </p:spTgt>
+                                        </p:tgtEl>
+                                        <p:attrNameLst>
+                                          <p:attrName>style.visibility</p:attrName>
+                                        </p:attrNameLst>
+                                      </p:cBhvr>
+                                      <p:to>
+                                        <p:strVal val="visible"/>
+                                      </p:to>
+                                    </p:set>
+                                    <p:animEffect transition="in" filter="wipe(down)">
+                                      <p:cBhvr>
+                                        <p:cTn id="27" dur="500"/>
+                                        <p:tgtEl>
+                                          <p:spTgt spid="3">
+                                            <p:txEl>
+                                              <p:pRg st="4" end="4"/>
+                                            </p:txEl>
+                                          </p:spTgt>
+                                        </p:tgtEl>
+                                      </p:cBhvr>
+                                    </p:animEffect>
+                                  </p:childTnLst>
+                                </p:cTn>
+                              </p:par>
+                            </p:childTnLst>
+                          </p:cTn>
+                        </p:par>
+                      </p:childTnLst>
+                    </p:cTn>
+                  </p:par>
+                  <p:par>
+                    <p:cTn id="28" fill="hold">
+                      <p:stCondLst>
+                        <p:cond delay="indefinite"/>
+                      </p:stCondLst>
+                      <p:childTnLst>
+                        <p:par>
+                          <p:cTn id="29" fill="hold">
+                            <p:stCondLst>
+                              <p:cond delay="0"/>
+                            </p:stCondLst>
+                            <p:childTnLst>
+                              <p:par>
+                                <p:cTn id="30" presetID="22" presetClass="entr" presetSubtype="4" fill="hold" nodeType="clickEffect">
+                                  <p:stCondLst>
+                                    <p:cond delay="0"/>
+                                  </p:stCondLst>
+                                  <p:childTnLst>
+                                    <p:set>
+                                      <p:cBhvr>
+                                        <p:cTn id="31" dur="1" fill="hold">
+                                          <p:stCondLst>
+                                            <p:cond delay="0"/>
+                                          </p:stCondLst>
+                                        </p:cTn>
+                                        <p:tgtEl>
+                                          <p:spTgt spid="3">
+                                            <p:txEl>
+                                              <p:pRg st="5" end="5"/>
+                                            </p:txEl>
+                                          </p:spTgt>
+                                        </p:tgtEl>
+                                        <p:attrNameLst>
+                                          <p:attrName>style.visibility</p:attrName>
+                                        </p:attrNameLst>
+                                      </p:cBhvr>
+                                      <p:to>
+                                        <p:strVal val="visible"/>
+                                      </p:to>
+                                    </p:set>
+                                    <p:animEffect transition="in" filter="wipe(down)">
+                                      <p:cBhvr>
+                                        <p:cTn id="32" dur="500"/>
+                                        <p:tgtEl>
+                                          <p:spTgt spid="3">
+                                            <p:txEl>
+                                              <p:pRg st="5" end="5"/>
+                                            </p:txEl>
+                                          </p:spTgt>
+                                        </p:tgtEl>
+                                      </p:cBhvr>
+                                    </p:animEffect>
+                                  </p:childTnLst>
+                                </p:cTn>
+                              </p:par>
+                            </p:childTnLst>
+                          </p:cTn>
+                        </p:par>
+                      </p:childTnLst>
+                    </p:cTn>
+                  </p:par>
+                  <p:par>
+                    <p:cTn id="33" fill="hold">
+                      <p:stCondLst>
+                        <p:cond delay="indefinite"/>
+                      </p:stCondLst>
+                      <p:childTnLst>
+                        <p:par>
+                          <p:cTn id="34" fill="hold">
+                            <p:stCondLst>
+                              <p:cond delay="0"/>
+                            </p:stCondLst>
+                            <p:childTnLst>
+                              <p:par>
+                                <p:cTn id="35" presetID="22" presetClass="entr" presetSubtype="4" fill="hold" nodeType="clickEffect">
+                                  <p:stCondLst>
+                                    <p:cond delay="0"/>
+                                  </p:stCondLst>
+                                  <p:childTnLst>
+                                    <p:set>
+                                      <p:cBhvr>
+                                        <p:cTn id="36" dur="1" fill="hold">
+                                          <p:stCondLst>
+                                            <p:cond delay="0"/>
+                                          </p:stCondLst>
+                                        </p:cTn>
+                                        <p:tgtEl>
+                                          <p:spTgt spid="3">
+                                            <p:txEl>
+                                              <p:pRg st="6" end="6"/>
+                                            </p:txEl>
+                                          </p:spTgt>
+                                        </p:tgtEl>
+                                        <p:attrNameLst>
+                                          <p:attrName>style.visibility</p:attrName>
+                                        </p:attrNameLst>
+                                      </p:cBhvr>
+                                      <p:to>
+                                        <p:strVal val="visible"/>
+                                      </p:to>
+                                    </p:set>
+                                    <p:animEffect transition="in" filter="wipe(down)">
+                                      <p:cBhvr>
+                                        <p:cTn id="37" dur="500"/>
+                                        <p:tgtEl>
+                                          <p:spTgt spid="3">
+                                            <p:txEl>
+                                              <p:pRg st="6" end="6"/>
+                                            </p:txEl>
+                                          </p:spTgt>
+                                        </p:tgtEl>
+                                      </p:cBhvr>
+                                    </p:animEffect>
+                                  </p:childTnLst>
+                                </p:cTn>
+                              </p:par>
+                            </p:childTnLst>
+                          </p:cTn>
+                        </p:par>
+                      </p:childTnLst>
+                    </p:cTn>
+                  </p:par>
+                  <p:par>
+                    <p:cTn id="38" fill="hold">
+                      <p:stCondLst>
+                        <p:cond delay="indefinite"/>
+                      </p:stCondLst>
+                      <p:childTnLst>
+                        <p:par>
+                          <p:cTn id="39" fill="hold">
+                            <p:stCondLst>
+                              <p:cond delay="0"/>
+                            </p:stCondLst>
+                            <p:childTnLst>
+                              <p:par>
+                                <p:cTn id="40" presetID="22" presetClass="entr" presetSubtype="4" fill="hold" nodeType="clickEffect">
+                                  <p:stCondLst>
+                                    <p:cond delay="0"/>
+                                  </p:stCondLst>
+                                  <p:childTnLst>
+                                    <p:set>
+                                      <p:cBhvr>
+                                        <p:cTn id="41" dur="1" fill="hold">
+                                          <p:stCondLst>
+                                            <p:cond delay="0"/>
+                                          </p:stCondLst>
+                                        </p:cTn>
+                                        <p:tgtEl>
+                                          <p:spTgt spid="3">
+                                            <p:txEl>
+                                              <p:pRg st="7" end="7"/>
+                                            </p:txEl>
+                                          </p:spTgt>
+                                        </p:tgtEl>
+                                        <p:attrNameLst>
+                                          <p:attrName>style.visibility</p:attrName>
+                                        </p:attrNameLst>
+                                      </p:cBhvr>
+                                      <p:to>
+                                        <p:strVal val="visible"/>
+                                      </p:to>
+                                    </p:set>
+                                    <p:animEffect transition="in" filter="wipe(down)">
+                                      <p:cBhvr>
+                                        <p:cTn id="42" dur="500"/>
+                                        <p:tgtEl>
+                                          <p:spTgt spid="3">
+                                            <p:txEl>
+                                              <p:pRg st="7" end="7"/>
+                                            </p:txEl>
+                                          </p:spTgt>
+                                        </p:tgtEl>
+                                      </p:cBhvr>
+                                    </p:animEffect>
+                                  </p:childTnLst>
+                                </p:cTn>
+                              </p:par>
+                            </p:childTnLst>
+                          </p:cTn>
+                        </p:par>
+                      </p:childTnLst>
+                    </p:cTn>
+                  </p:par>
+                  <p:par>
+                    <p:cTn id="43" fill="hold">
+                      <p:stCondLst>
+                        <p:cond delay="indefinite"/>
+                      </p:stCondLst>
+                      <p:childTnLst>
+                        <p:par>
+                          <p:cTn id="44" fill="hold">
+                            <p:stCondLst>
+                              <p:cond delay="0"/>
+                            </p:stCondLst>
+                            <p:childTnLst>
+                              <p:par>
+                                <p:cTn id="45" presetID="22" presetClass="entr" presetSubtype="4" fill="hold" nodeType="clickEffect">
+                                  <p:stCondLst>
+                                    <p:cond delay="0"/>
+                                  </p:stCondLst>
+                                  <p:childTnLst>
+                                    <p:set>
+                                      <p:cBhvr>
+                                        <p:cTn id="46" dur="1" fill="hold">
+                                          <p:stCondLst>
+                                            <p:cond delay="0"/>
+                                          </p:stCondLst>
+                                        </p:cTn>
+                                        <p:tgtEl>
+                                          <p:spTgt spid="3">
+                                            <p:txEl>
+                                              <p:pRg st="8" end="8"/>
+                                            </p:txEl>
+                                          </p:spTgt>
+                                        </p:tgtEl>
+                                        <p:attrNameLst>
+                                          <p:attrName>style.visibility</p:attrName>
+                                        </p:attrNameLst>
+                                      </p:cBhvr>
+                                      <p:to>
+                                        <p:strVal val="visible"/>
+                                      </p:to>
+                                    </p:set>
+                                    <p:animEffect transition="in" filter="wipe(down)">
+                                      <p:cBhvr>
+                                        <p:cTn id="47" dur="500"/>
+                                        <p:tgtEl>
+                                          <p:spTgt spid="3">
+                                            <p:txEl>
+                                              <p:pRg st="8" end="8"/>
+                                            </p:txEl>
+                                          </p:spTgt>
+                                        </p:tgtEl>
+                                      </p:cBhvr>
+                                    </p:animEffect>
+                                  </p:childTnLst>
+                                </p:cTn>
+                              </p:par>
+                            </p:childTnLst>
+                          </p:cTn>
+                        </p:par>
+                      </p:childTnLst>
+                    </p:cTn>
+                  </p:par>
+                </p:childTnLst>
+              </p:cTn>
+              <p:prevCondLst>
+                <p:cond evt="onPrev" delay="0">
+                  <p:tgtEl>
+                    <p:sldTgt/>
+                  </p:tgtEl>
+                </p:cond>
+              </p:prevCondLst>
+              <p:nextCondLst>
+                <p:cond evt="onNext" delay="0">
+                  <p:tgtEl>
+                    <p:sldTgt/>
+                  </p:tgtEl>
+                </p:cond>
+              </p:nextCondLst>
+            </p:seq>
+          </p:childTnLst>
+        </p:cTn>
+      </p:par>
+    </p:tnLst>
+  </p:timing>
+</p:sld>
+</file>
+
+<file path=ppt/slides/slide33.xml><?xml version="1.0" encoding="utf-8"?>
+<p:sld xmlns:a="http://schemas.openxmlformats.org/drawingml/2006/main" xmlns:r="http://schemas.openxmlformats.org/officeDocument/2006/relationships" xmlns:p="http://schemas.openxmlformats.org/presentationml/2006/main">
+  <p:cSld>
+    <p:spTree>
+      <p:nvGrpSpPr>
+        <p:cNvPr id="1" name=""/>
+        <p:cNvGrpSpPr/>
+        <p:nvPr/>
+      </p:nvGrpSpPr>
+      <p:grpSpPr>
+        <a:xfrm>
+          <a:off x="0" y="0"/>
+          <a:ext cx="0" cy="0"/>
+          <a:chOff x="0" y="0"/>
+          <a:chExt cx="0" cy="0"/>
+        </a:xfrm>
+      </p:grpSpPr>
+      <p:sp>
+        <p:nvSpPr>
+          <p:cNvPr id="2" name="Title 1">
+            <a:extLst>
+              <a:ext uri="{FF2B5EF4-FFF2-40B4-BE49-F238E27FC236}">
+                <a16:creationId xmlns:a16="http://schemas.microsoft.com/office/drawing/2014/main" id="{D97B6CE0-A2DC-0DCD-2C0F-F18672E2639E}"/>
+              </a:ext>
+            </a:extLst>
+          </p:cNvPr>
+          <p:cNvSpPr>
+            <a:spLocks noGrp="1"/>
+          </p:cNvSpPr>
+          <p:nvPr>
+            <p:ph type="title"/>
+          </p:nvPr>
+        </p:nvSpPr>
+        <p:spPr/>
+        <p:txBody>
+          <a:bodyPr/>
+          <a:lstStyle/>
+          <a:p>
+            <a:r>
+              <a:rPr lang="en-US" dirty="0"/>
+              <a:t>Find dictionary of a text</a:t>
+            </a:r>
+          </a:p>
+        </p:txBody>
+      </p:sp>
+      <p:sp>
+        <p:nvSpPr>
+          <p:cNvPr id="3" name="Content Placeholder 2">
+            <a:extLst>
+              <a:ext uri="{FF2B5EF4-FFF2-40B4-BE49-F238E27FC236}">
+                <a16:creationId xmlns:a16="http://schemas.microsoft.com/office/drawing/2014/main" id="{B876359E-944F-6A28-0E4B-3A55F7349567}"/>
+              </a:ext>
+            </a:extLst>
+          </p:cNvPr>
+          <p:cNvSpPr>
+            <a:spLocks noGrp="1"/>
+          </p:cNvSpPr>
+          <p:nvPr>
+            <p:ph idx="1"/>
+          </p:nvPr>
+        </p:nvSpPr>
+        <p:spPr/>
+        <p:txBody>
+          <a:bodyPr/>
+          <a:lstStyle/>
+          <a:p>
+            <a:r>
+              <a:rPr lang="en-US" dirty="0"/>
+              <a:t>Input: text</a:t>
+            </a:r>
+          </a:p>
+          <a:p>
+            <a:r>
+              <a:rPr lang="en-US" dirty="0"/>
+              <a:t>Output: some statistics (count)</a:t>
+            </a:r>
+          </a:p>
+        </p:txBody>
+      </p:sp>
+      <p:sp>
+        <p:nvSpPr>
+          <p:cNvPr id="4" name="Footer Placeholder 3">
+            <a:extLst>
+              <a:ext uri="{FF2B5EF4-FFF2-40B4-BE49-F238E27FC236}">
+                <a16:creationId xmlns:a16="http://schemas.microsoft.com/office/drawing/2014/main" id="{1452023D-D3E2-DC43-D339-E7563C5D3872}"/>
+              </a:ext>
+            </a:extLst>
+          </p:cNvPr>
+          <p:cNvSpPr>
+            <a:spLocks noGrp="1"/>
+          </p:cNvSpPr>
+          <p:nvPr>
+            <p:ph type="ftr" sz="quarter" idx="11"/>
+          </p:nvPr>
+        </p:nvSpPr>
+        <p:spPr/>
+        <p:txBody>
+          <a:bodyPr/>
+          <a:lstStyle/>
+          <a:p>
+            <a:r>
+              <a:rPr lang="en-US"/>
+              <a:t>Fundamental Programming with Python</a:t>
+            </a:r>
+            <a:endParaRPr lang="en-US" dirty="0"/>
+          </a:p>
+        </p:txBody>
+      </p:sp>
+      <p:sp>
+        <p:nvSpPr>
+          <p:cNvPr id="5" name="Slide Number Placeholder 4">
+            <a:extLst>
+              <a:ext uri="{FF2B5EF4-FFF2-40B4-BE49-F238E27FC236}">
+                <a16:creationId xmlns:a16="http://schemas.microsoft.com/office/drawing/2014/main" id="{AA86341C-A0E4-A63E-F194-AD2946CF6C55}"/>
+              </a:ext>
+            </a:extLst>
+          </p:cNvPr>
+          <p:cNvSpPr>
+            <a:spLocks noGrp="1"/>
+          </p:cNvSpPr>
+          <p:nvPr>
+            <p:ph type="sldNum" sz="quarter" idx="12"/>
+          </p:nvPr>
+        </p:nvSpPr>
+        <p:spPr/>
+        <p:txBody>
+          <a:bodyPr/>
+          <a:lstStyle/>
+          <a:p>
+            <a:fld id="{0079CAC6-A72B-4EF8-B465-34FA47827E7F}" type="slidenum">
+              <a:rPr lang="en-US" smtClean="0"/>
+              <a:t>33</a:t>
+            </a:fld>
+            <a:endParaRPr lang="en-US" dirty="0"/>
+          </a:p>
+        </p:txBody>
+      </p:sp>
+      <p:pic>
+        <p:nvPicPr>
+          <p:cNvPr id="1026" name="Picture 2" descr="Microsoft Apps">
+            <a:extLst>
+              <a:ext uri="{FF2B5EF4-FFF2-40B4-BE49-F238E27FC236}">
+                <a16:creationId xmlns:a16="http://schemas.microsoft.com/office/drawing/2014/main" id="{887BF51B-2C8B-614A-9161-46E23B4E9C5F}"/>
+              </a:ext>
+            </a:extLst>
+          </p:cNvPr>
+          <p:cNvPicPr>
+            <a:picLocks noChangeAspect="1" noChangeArrowheads="1"/>
+          </p:cNvPicPr>
+          <p:nvPr/>
+        </p:nvPicPr>
+        <p:blipFill>
+          <a:blip r:embed="rId2">
+            <a:extLst>
+              <a:ext uri="{28A0092B-C50C-407E-A947-70E740481C1C}">
+                <a14:useLocalDpi xmlns:a14="http://schemas.microsoft.com/office/drawing/2010/main" val="0"/>
+              </a:ext>
+            </a:extLst>
+          </a:blip>
+          <a:srcRect/>
+          <a:stretch>
+            <a:fillRect/>
+          </a:stretch>
+        </p:blipFill>
+        <p:spPr bwMode="auto">
+          <a:xfrm>
+            <a:off x="5039810" y="1997870"/>
+            <a:ext cx="4543063" cy="4543063"/>
+          </a:xfrm>
+          <a:prstGeom prst="rect">
+            <a:avLst/>
+          </a:prstGeom>
+          <a:noFill/>
+          <a:extLst>
+            <a:ext uri="{909E8E84-426E-40DD-AFC4-6F175D3DCCD1}">
+              <a14:hiddenFill xmlns:a14="http://schemas.microsoft.com/office/drawing/2010/main">
+                <a:solidFill>
+                  <a:srgbClr val="FFFFFF"/>
+                </a:solidFill>
+              </a14:hiddenFill>
+            </a:ext>
+          </a:extLst>
+        </p:spPr>
+      </p:pic>
+    </p:spTree>
+    <p:extLst>
+      <p:ext uri="{BB962C8B-B14F-4D97-AF65-F5344CB8AC3E}">
+        <p14:creationId xmlns:p14="http://schemas.microsoft.com/office/powerpoint/2010/main" val="2718447588"/>
+      </p:ext>
+    </p:extLst>
+  </p:cSld>
+  <p:clrMapOvr>
+    <a:masterClrMapping/>
+  </p:clrMapOvr>
+</p:sld>
+</file>
+
+<file path=ppt/slides/slide34.xml><?xml version="1.0" encoding="utf-8"?>
+<p:sld xmlns:a="http://schemas.openxmlformats.org/drawingml/2006/main" xmlns:r="http://schemas.openxmlformats.org/officeDocument/2006/relationships" xmlns:p="http://schemas.openxmlformats.org/presentationml/2006/main">
+  <p:cSld>
+    <p:spTree>
+      <p:nvGrpSpPr>
+        <p:cNvPr id="1" name=""/>
+        <p:cNvGrpSpPr/>
+        <p:nvPr/>
+      </p:nvGrpSpPr>
+      <p:grpSpPr>
+        <a:xfrm>
+          <a:off x="0" y="0"/>
+          <a:ext cx="0" cy="0"/>
+          <a:chOff x="0" y="0"/>
+          <a:chExt cx="0" cy="0"/>
+        </a:xfrm>
+      </p:grpSpPr>
+      <p:sp>
+        <p:nvSpPr>
+          <p:cNvPr id="5" name="Title 4">
+            <a:extLst>
+              <a:ext uri="{FF2B5EF4-FFF2-40B4-BE49-F238E27FC236}">
+                <a16:creationId xmlns:a16="http://schemas.microsoft.com/office/drawing/2014/main" id="{3E1FC432-A453-870C-34F6-F5AB1E824DD3}"/>
+              </a:ext>
+            </a:extLst>
+          </p:cNvPr>
+          <p:cNvSpPr>
+            <a:spLocks noGrp="1"/>
+          </p:cNvSpPr>
+          <p:nvPr>
+            <p:ph type="title"/>
+          </p:nvPr>
+        </p:nvSpPr>
+        <p:spPr/>
+        <p:txBody>
+          <a:bodyPr/>
+          <a:lstStyle/>
+          <a:p>
+            <a:pPr rtl="1"/>
+            <a:r>
+              <a:rPr lang="fa-IR" sz="7200" b="1" dirty="0">
+                <a:latin typeface="Kalameh" pitchFamily="2" charset="-78"/>
+                <a:cs typeface="Kalameh" pitchFamily="2" charset="-78"/>
+              </a:rPr>
+              <a:t>خبر </a:t>
+            </a:r>
+            <a:r>
+              <a:rPr lang="fa-IR" sz="7200" b="1" dirty="0" err="1">
+                <a:latin typeface="Kalameh" pitchFamily="2" charset="-78"/>
+                <a:cs typeface="Kalameh" pitchFamily="2" charset="-78"/>
+              </a:rPr>
+              <a:t>خوووووب</a:t>
+            </a:r>
+            <a:r>
+              <a:rPr lang="fa-IR" sz="7200" b="1" dirty="0">
+                <a:latin typeface="Kalameh" pitchFamily="2" charset="-78"/>
+                <a:cs typeface="Kalameh" pitchFamily="2" charset="-78"/>
+              </a:rPr>
+              <a:t>!</a:t>
+            </a:r>
+            <a:r>
+              <a:rPr lang="en-US" sz="7200" b="1" dirty="0">
+                <a:latin typeface="Kalameh" pitchFamily="2" charset="-78"/>
+                <a:cs typeface="Kalameh" pitchFamily="2" charset="-78"/>
+              </a:rPr>
+              <a:t> </a:t>
+            </a:r>
+            <a:endParaRPr lang="fa-IR" sz="7200" b="1" dirty="0">
+              <a:latin typeface="Kalameh" pitchFamily="2" charset="-78"/>
+              <a:cs typeface="Kalameh" pitchFamily="2" charset="-78"/>
+            </a:endParaRPr>
+          </a:p>
+        </p:txBody>
+      </p:sp>
+      <p:sp>
+        <p:nvSpPr>
+          <p:cNvPr id="4" name="Slide Number Placeholder 3">
+            <a:extLst>
+              <a:ext uri="{FF2B5EF4-FFF2-40B4-BE49-F238E27FC236}">
+                <a16:creationId xmlns:a16="http://schemas.microsoft.com/office/drawing/2014/main" id="{872D2B23-7846-DE1D-E096-383132454A1B}"/>
+              </a:ext>
+            </a:extLst>
+          </p:cNvPr>
+          <p:cNvSpPr>
+            <a:spLocks noGrp="1"/>
+          </p:cNvSpPr>
+          <p:nvPr>
+            <p:ph type="sldNum" sz="quarter" idx="12"/>
+          </p:nvPr>
+        </p:nvSpPr>
+        <p:spPr/>
+        <p:txBody>
+          <a:bodyPr/>
+          <a:lstStyle/>
+          <a:p>
+            <a:fld id="{0079CAC6-A72B-4EF8-B465-34FA47827E7F}" type="slidenum">
+              <a:rPr lang="en-US" smtClean="0"/>
+              <a:t>34</a:t>
+            </a:fld>
+            <a:endParaRPr lang="en-US" dirty="0"/>
+          </a:p>
+        </p:txBody>
+      </p:sp>
+      <p:sp>
+        <p:nvSpPr>
+          <p:cNvPr id="2" name="Footer Placeholder 1">
+            <a:extLst>
+              <a:ext uri="{FF2B5EF4-FFF2-40B4-BE49-F238E27FC236}">
+                <a16:creationId xmlns:a16="http://schemas.microsoft.com/office/drawing/2014/main" id="{88F3A02B-EBDE-A1C4-048E-E606628F0D93}"/>
+              </a:ext>
+            </a:extLst>
+          </p:cNvPr>
+          <p:cNvSpPr>
+            <a:spLocks noGrp="1"/>
+          </p:cNvSpPr>
+          <p:nvPr>
+            <p:ph type="ftr" sz="quarter" idx="11"/>
+          </p:nvPr>
+        </p:nvSpPr>
+        <p:spPr/>
+        <p:txBody>
+          <a:bodyPr/>
+          <a:lstStyle/>
+          <a:p>
+            <a:r>
+              <a:rPr lang="en-US"/>
+              <a:t>Fundamental Programming with Python</a:t>
+            </a:r>
+            <a:endParaRPr lang="en-US" dirty="0"/>
+          </a:p>
+        </p:txBody>
+      </p:sp>
+    </p:spTree>
+    <p:extLst>
+      <p:ext uri="{BB962C8B-B14F-4D97-AF65-F5344CB8AC3E}">
+        <p14:creationId xmlns:p14="http://schemas.microsoft.com/office/powerpoint/2010/main" val="429693595"/>
+      </p:ext>
+    </p:extLst>
+  </p:cSld>
+  <p:clrMapOvr>
+    <a:masterClrMapping/>
+  </p:clrMapOvr>
+</p:sld>
+</file>
+
+<file path=ppt/slides/slide35.xml><?xml version="1.0" encoding="utf-8"?>
+<p:sld xmlns:a="http://schemas.openxmlformats.org/drawingml/2006/main" xmlns:r="http://schemas.openxmlformats.org/officeDocument/2006/relationships" xmlns:p="http://schemas.openxmlformats.org/presentationml/2006/main">
+  <p:cSld>
+    <p:spTree>
+      <p:nvGrpSpPr>
+        <p:cNvPr id="1" name=""/>
+        <p:cNvGrpSpPr/>
+        <p:nvPr/>
+      </p:nvGrpSpPr>
+      <p:grpSpPr>
+        <a:xfrm>
+          <a:off x="0" y="0"/>
+          <a:ext cx="0" cy="0"/>
+          <a:chOff x="0" y="0"/>
+          <a:chExt cx="0" cy="0"/>
+        </a:xfrm>
+      </p:grpSpPr>
+      <p:sp>
+        <p:nvSpPr>
+          <p:cNvPr id="5" name="Title 4">
+            <a:extLst>
+              <a:ext uri="{FF2B5EF4-FFF2-40B4-BE49-F238E27FC236}">
+                <a16:creationId xmlns:a16="http://schemas.microsoft.com/office/drawing/2014/main" id="{3E1FC432-A453-870C-34F6-F5AB1E824DD3}"/>
+              </a:ext>
+            </a:extLst>
+          </p:cNvPr>
+          <p:cNvSpPr>
+            <a:spLocks noGrp="1"/>
+          </p:cNvSpPr>
+          <p:nvPr>
+            <p:ph type="title"/>
+          </p:nvPr>
+        </p:nvSpPr>
+        <p:spPr/>
+        <p:txBody>
+          <a:bodyPr/>
+          <a:lstStyle/>
+          <a:p>
+            <a:r>
+              <a:rPr lang="en-US" dirty="0"/>
+              <a:t>Application of Programming in the Digital Age!</a:t>
+            </a:r>
+            <a:endParaRPr lang="fa-IR" dirty="0"/>
+          </a:p>
+        </p:txBody>
+      </p:sp>
+      <p:sp>
+        <p:nvSpPr>
+          <p:cNvPr id="4" name="Slide Number Placeholder 3">
+            <a:extLst>
+              <a:ext uri="{FF2B5EF4-FFF2-40B4-BE49-F238E27FC236}">
+                <a16:creationId xmlns:a16="http://schemas.microsoft.com/office/drawing/2014/main" id="{872D2B23-7846-DE1D-E096-383132454A1B}"/>
+              </a:ext>
+            </a:extLst>
+          </p:cNvPr>
+          <p:cNvSpPr>
+            <a:spLocks noGrp="1"/>
+          </p:cNvSpPr>
+          <p:nvPr>
+            <p:ph type="sldNum" sz="quarter" idx="12"/>
+          </p:nvPr>
+        </p:nvSpPr>
+        <p:spPr/>
+        <p:txBody>
+          <a:bodyPr/>
+          <a:lstStyle/>
+          <a:p>
+            <a:fld id="{0079CAC6-A72B-4EF8-B465-34FA47827E7F}" type="slidenum">
+              <a:rPr lang="en-US" smtClean="0"/>
+              <a:t>35</a:t>
+            </a:fld>
+            <a:endParaRPr lang="en-US" dirty="0"/>
+          </a:p>
+        </p:txBody>
+      </p:sp>
+      <p:sp>
+        <p:nvSpPr>
+          <p:cNvPr id="2" name="Footer Placeholder 1">
+            <a:extLst>
+              <a:ext uri="{FF2B5EF4-FFF2-40B4-BE49-F238E27FC236}">
+                <a16:creationId xmlns:a16="http://schemas.microsoft.com/office/drawing/2014/main" id="{88F3A02B-EBDE-A1C4-048E-E606628F0D93}"/>
+              </a:ext>
+            </a:extLst>
+          </p:cNvPr>
+          <p:cNvSpPr>
+            <a:spLocks noGrp="1"/>
+          </p:cNvSpPr>
+          <p:nvPr>
+            <p:ph type="ftr" sz="quarter" idx="11"/>
+          </p:nvPr>
+        </p:nvSpPr>
+        <p:spPr/>
+        <p:txBody>
+          <a:bodyPr/>
+          <a:lstStyle/>
+          <a:p>
+            <a:r>
+              <a:rPr lang="en-US"/>
+              <a:t>Fundamental Programming with Python</a:t>
+            </a:r>
+            <a:endParaRPr lang="en-US" dirty="0"/>
+          </a:p>
+        </p:txBody>
+      </p:sp>
+    </p:spTree>
+    <p:extLst>
+      <p:ext uri="{BB962C8B-B14F-4D97-AF65-F5344CB8AC3E}">
+        <p14:creationId xmlns:p14="http://schemas.microsoft.com/office/powerpoint/2010/main" val="2564189193"/>
+      </p:ext>
+    </p:extLst>
+  </p:cSld>
+  <p:clrMapOvr>
+    <a:masterClrMapping/>
+  </p:clrMapOvr>
+</p:sld>
+</file>
+
+<file path=ppt/slides/slide36.xml><?xml version="1.0" encoding="utf-8"?>
+<p:sld xmlns:a="http://schemas.openxmlformats.org/drawingml/2006/main" xmlns:r="http://schemas.openxmlformats.org/officeDocument/2006/relationships" xmlns:p="http://schemas.openxmlformats.org/presentationml/2006/main">
+  <p:cSld>
+    <p:spTree>
+      <p:nvGrpSpPr>
+        <p:cNvPr id="1" name=""/>
+        <p:cNvGrpSpPr/>
+        <p:nvPr/>
+      </p:nvGrpSpPr>
+      <p:grpSpPr>
+        <a:xfrm>
+          <a:off x="0" y="0"/>
+          <a:ext cx="0" cy="0"/>
+          <a:chOff x="0" y="0"/>
+          <a:chExt cx="0" cy="0"/>
+        </a:xfrm>
+      </p:grpSpPr>
+      <p:sp>
+        <p:nvSpPr>
+          <p:cNvPr id="2" name="Title 1">
+            <a:extLst>
+              <a:ext uri="{FF2B5EF4-FFF2-40B4-BE49-F238E27FC236}">
+                <a16:creationId xmlns:a16="http://schemas.microsoft.com/office/drawing/2014/main" id="{DD9C2E90-1E69-DA65-D215-2F0721C8FB89}"/>
+              </a:ext>
+            </a:extLst>
+          </p:cNvPr>
+          <p:cNvSpPr>
+            <a:spLocks noGrp="1"/>
+          </p:cNvSpPr>
+          <p:nvPr>
+            <p:ph type="title"/>
+          </p:nvPr>
+        </p:nvSpPr>
+        <p:spPr/>
+        <p:txBody>
+          <a:bodyPr/>
+          <a:lstStyle/>
+          <a:p>
+            <a:r>
+              <a:rPr lang="en-US" dirty="0"/>
+              <a:t>Trip…</a:t>
+            </a:r>
+          </a:p>
+        </p:txBody>
+      </p:sp>
+      <p:sp>
+        <p:nvSpPr>
+          <p:cNvPr id="4" name="Footer Placeholder 3">
+            <a:extLst>
+              <a:ext uri="{FF2B5EF4-FFF2-40B4-BE49-F238E27FC236}">
+                <a16:creationId xmlns:a16="http://schemas.microsoft.com/office/drawing/2014/main" id="{1FEB3F21-A1BC-7950-EEA9-24565C5A53E0}"/>
+              </a:ext>
+            </a:extLst>
+          </p:cNvPr>
+          <p:cNvSpPr>
+            <a:spLocks noGrp="1"/>
+          </p:cNvSpPr>
+          <p:nvPr>
+            <p:ph type="ftr" sz="quarter" idx="11"/>
+          </p:nvPr>
+        </p:nvSpPr>
+        <p:spPr/>
+        <p:txBody>
+          <a:bodyPr/>
+          <a:lstStyle/>
+          <a:p>
+            <a:r>
+              <a:rPr lang="en-US"/>
+              <a:t>Fundamental Programming with Python</a:t>
+            </a:r>
+            <a:endParaRPr lang="en-US" dirty="0"/>
+          </a:p>
+        </p:txBody>
+      </p:sp>
+      <p:sp>
+        <p:nvSpPr>
+          <p:cNvPr id="5" name="Slide Number Placeholder 4">
+            <a:extLst>
+              <a:ext uri="{FF2B5EF4-FFF2-40B4-BE49-F238E27FC236}">
+                <a16:creationId xmlns:a16="http://schemas.microsoft.com/office/drawing/2014/main" id="{02679F5A-3782-1174-6DED-27A5D365C898}"/>
+              </a:ext>
+            </a:extLst>
+          </p:cNvPr>
+          <p:cNvSpPr>
+            <a:spLocks noGrp="1"/>
+          </p:cNvSpPr>
+          <p:nvPr>
+            <p:ph type="sldNum" sz="quarter" idx="12"/>
+          </p:nvPr>
+        </p:nvSpPr>
+        <p:spPr/>
+        <p:txBody>
+          <a:bodyPr/>
+          <a:lstStyle/>
+          <a:p>
+            <a:fld id="{0079CAC6-A72B-4EF8-B465-34FA47827E7F}" type="slidenum">
+              <a:rPr lang="en-US" smtClean="0"/>
+              <a:t>36</a:t>
+            </a:fld>
+            <a:endParaRPr lang="en-US" dirty="0"/>
+          </a:p>
+        </p:txBody>
+      </p:sp>
+      <p:sp>
+        <p:nvSpPr>
+          <p:cNvPr id="6" name="Content Placeholder 5">
+            <a:extLst>
+              <a:ext uri="{FF2B5EF4-FFF2-40B4-BE49-F238E27FC236}">
+                <a16:creationId xmlns:a16="http://schemas.microsoft.com/office/drawing/2014/main" id="{5FA0DFAD-F6CD-852B-417C-A7EF0C43F568}"/>
+              </a:ext>
+            </a:extLst>
+          </p:cNvPr>
+          <p:cNvSpPr>
+            <a:spLocks noGrp="1"/>
+          </p:cNvSpPr>
+          <p:nvPr>
+            <p:ph idx="1"/>
+          </p:nvPr>
+        </p:nvSpPr>
+        <p:spPr/>
+        <p:txBody>
+          <a:bodyPr/>
+          <a:lstStyle/>
+          <a:p>
+            <a:endParaRPr lang="en-US"/>
+          </a:p>
+        </p:txBody>
+      </p:sp>
+      <p:pic>
+        <p:nvPicPr>
+          <p:cNvPr id="9" name="Picture 8">
+            <a:extLst>
+              <a:ext uri="{FF2B5EF4-FFF2-40B4-BE49-F238E27FC236}">
+                <a16:creationId xmlns:a16="http://schemas.microsoft.com/office/drawing/2014/main" id="{78D867FE-D875-300D-E200-5B8B4EC1A70D}"/>
+              </a:ext>
+            </a:extLst>
+          </p:cNvPr>
+          <p:cNvPicPr>
+            <a:picLocks noChangeAspect="1"/>
+          </p:cNvPicPr>
+          <p:nvPr/>
+        </p:nvPicPr>
+        <p:blipFill>
+          <a:blip r:embed="rId2"/>
+          <a:stretch>
+            <a:fillRect/>
+          </a:stretch>
+        </p:blipFill>
+        <p:spPr>
+          <a:xfrm>
+            <a:off x="469076" y="1997870"/>
+            <a:ext cx="11251766" cy="4542490"/>
+          </a:xfrm>
+          <a:prstGeom prst="rect">
+            <a:avLst/>
+          </a:prstGeom>
+        </p:spPr>
+      </p:pic>
+    </p:spTree>
+    <p:extLst>
+      <p:ext uri="{BB962C8B-B14F-4D97-AF65-F5344CB8AC3E}">
+        <p14:creationId xmlns:p14="http://schemas.microsoft.com/office/powerpoint/2010/main" val="3522828388"/>
+      </p:ext>
+    </p:extLst>
+  </p:cSld>
+  <p:clrMapOvr>
+    <a:masterClrMapping/>
+  </p:clrMapOvr>
+</p:sld>
+</file>
+
+<file path=ppt/slides/slide37.xml><?xml version="1.0" encoding="utf-8"?>
+<p:sld xmlns:a="http://schemas.openxmlformats.org/drawingml/2006/main" xmlns:r="http://schemas.openxmlformats.org/officeDocument/2006/relationships" xmlns:p="http://schemas.openxmlformats.org/presentationml/2006/main">
+  <p:cSld>
+    <p:spTree>
+      <p:nvGrpSpPr>
+        <p:cNvPr id="1" name=""/>
+        <p:cNvGrpSpPr/>
+        <p:nvPr/>
+      </p:nvGrpSpPr>
+      <p:grpSpPr>
+        <a:xfrm>
+          <a:off x="0" y="0"/>
+          <a:ext cx="0" cy="0"/>
+          <a:chOff x="0" y="0"/>
+          <a:chExt cx="0" cy="0"/>
+        </a:xfrm>
+      </p:grpSpPr>
+      <p:sp>
+        <p:nvSpPr>
+          <p:cNvPr id="2" name="Title 1">
+            <a:extLst>
+              <a:ext uri="{FF2B5EF4-FFF2-40B4-BE49-F238E27FC236}">
+                <a16:creationId xmlns:a16="http://schemas.microsoft.com/office/drawing/2014/main" id="{1AD8AAB7-1E1C-BFCA-AEE5-09525A61A4AB}"/>
+              </a:ext>
+            </a:extLst>
+          </p:cNvPr>
+          <p:cNvSpPr>
+            <a:spLocks noGrp="1"/>
+          </p:cNvSpPr>
+          <p:nvPr>
+            <p:ph type="title"/>
+          </p:nvPr>
+        </p:nvSpPr>
+        <p:spPr>
+          <a:xfrm>
+            <a:off x="1202918" y="284176"/>
+            <a:ext cx="9955077" cy="1508760"/>
+          </a:xfrm>
+        </p:spPr>
+        <p:txBody>
+          <a:bodyPr/>
+          <a:lstStyle/>
+          <a:p>
+            <a:r>
+              <a:rPr lang="en-US" dirty="0"/>
+              <a:t>Design and explain a flowchart for a simple </a:t>
+            </a:r>
+            <a:r>
+              <a:rPr lang="en-US" dirty="0" err="1"/>
+              <a:t>Homsa</a:t>
+            </a:r>
+            <a:r>
+              <a:rPr lang="en-US" dirty="0"/>
+              <a:t>! You can propose new features!</a:t>
+            </a:r>
+          </a:p>
+        </p:txBody>
+      </p:sp>
+      <p:sp>
+        <p:nvSpPr>
+          <p:cNvPr id="3" name="Content Placeholder 2">
+            <a:extLst>
+              <a:ext uri="{FF2B5EF4-FFF2-40B4-BE49-F238E27FC236}">
+                <a16:creationId xmlns:a16="http://schemas.microsoft.com/office/drawing/2014/main" id="{88AF3C35-98C4-E023-89D3-CC3AF6D4F261}"/>
+              </a:ext>
+            </a:extLst>
+          </p:cNvPr>
+          <p:cNvSpPr>
+            <a:spLocks noGrp="1"/>
+          </p:cNvSpPr>
+          <p:nvPr>
+            <p:ph idx="1"/>
+          </p:nvPr>
+        </p:nvSpPr>
+        <p:spPr/>
+        <p:txBody>
+          <a:bodyPr/>
+          <a:lstStyle/>
+          <a:p>
+            <a:pPr marL="0" indent="0" algn="ctr">
+              <a:buNone/>
+            </a:pPr>
+            <a:endParaRPr lang="en-US" sz="3200" dirty="0"/>
+          </a:p>
+          <a:p>
+            <a:pPr marL="0" indent="0" algn="ctr">
+              <a:buNone/>
+            </a:pPr>
+            <a:endParaRPr lang="en-US" sz="3200" dirty="0"/>
+          </a:p>
+          <a:p>
+            <a:pPr marL="0" indent="0" algn="ctr">
+              <a:buNone/>
+            </a:pPr>
+            <a:r>
+              <a:rPr lang="en-US" sz="3200" dirty="0"/>
+              <a:t>Who is volunteer for the short presentation?</a:t>
+            </a:r>
+          </a:p>
+          <a:p>
+            <a:endParaRPr lang="en-US" dirty="0"/>
+          </a:p>
+        </p:txBody>
+      </p:sp>
+      <p:sp>
+        <p:nvSpPr>
+          <p:cNvPr id="4" name="Footer Placeholder 3">
+            <a:extLst>
+              <a:ext uri="{FF2B5EF4-FFF2-40B4-BE49-F238E27FC236}">
+                <a16:creationId xmlns:a16="http://schemas.microsoft.com/office/drawing/2014/main" id="{36EA00AD-9B6C-1161-9468-730DBF9E8588}"/>
+              </a:ext>
+            </a:extLst>
+          </p:cNvPr>
+          <p:cNvSpPr>
+            <a:spLocks noGrp="1"/>
+          </p:cNvSpPr>
+          <p:nvPr>
+            <p:ph type="ftr" sz="quarter" idx="11"/>
+          </p:nvPr>
+        </p:nvSpPr>
+        <p:spPr/>
+        <p:txBody>
+          <a:bodyPr/>
+          <a:lstStyle/>
+          <a:p>
+            <a:r>
+              <a:rPr lang="en-US"/>
+              <a:t>Fundamental Programming with Python</a:t>
+            </a:r>
+            <a:endParaRPr lang="en-US" dirty="0"/>
+          </a:p>
+        </p:txBody>
+      </p:sp>
+      <p:sp>
+        <p:nvSpPr>
+          <p:cNvPr id="5" name="Slide Number Placeholder 4">
+            <a:extLst>
+              <a:ext uri="{FF2B5EF4-FFF2-40B4-BE49-F238E27FC236}">
+                <a16:creationId xmlns:a16="http://schemas.microsoft.com/office/drawing/2014/main" id="{3067836D-A414-5ADD-3BFB-9EF8CF816774}"/>
+              </a:ext>
+            </a:extLst>
+          </p:cNvPr>
+          <p:cNvSpPr>
+            <a:spLocks noGrp="1"/>
+          </p:cNvSpPr>
+          <p:nvPr>
+            <p:ph type="sldNum" sz="quarter" idx="12"/>
+          </p:nvPr>
+        </p:nvSpPr>
+        <p:spPr/>
+        <p:txBody>
+          <a:bodyPr/>
+          <a:lstStyle/>
+          <a:p>
+            <a:fld id="{0079CAC6-A72B-4EF8-B465-34FA47827E7F}" type="slidenum">
+              <a:rPr lang="en-US" smtClean="0"/>
+              <a:t>37</a:t>
+            </a:fld>
+            <a:endParaRPr lang="en-US" dirty="0"/>
+          </a:p>
+        </p:txBody>
+      </p:sp>
+      <p:sp>
+        <p:nvSpPr>
+          <p:cNvPr id="6" name="Rectangle: Rounded Corners 5">
+            <a:extLst>
+              <a:ext uri="{FF2B5EF4-FFF2-40B4-BE49-F238E27FC236}">
+                <a16:creationId xmlns:a16="http://schemas.microsoft.com/office/drawing/2014/main" id="{BBB2B468-48EF-4D7B-CA3F-A18EC4D3D60C}"/>
+              </a:ext>
+            </a:extLst>
+          </p:cNvPr>
+          <p:cNvSpPr/>
+          <p:nvPr/>
+        </p:nvSpPr>
+        <p:spPr>
+          <a:xfrm>
+            <a:off x="8924080" y="4058067"/>
+            <a:ext cx="3267919" cy="972273"/>
+          </a:xfrm>
+          <a:prstGeom prst="roundRect">
+            <a:avLst/>
+          </a:prstGeom>
+        </p:spPr>
+        <p:style>
+          <a:lnRef idx="1">
+            <a:schemeClr val="accent6"/>
+          </a:lnRef>
+          <a:fillRef idx="3">
+            <a:schemeClr val="accent6"/>
+          </a:fillRef>
+          <a:effectRef idx="2">
+            <a:schemeClr val="accent6"/>
+          </a:effectRef>
+          <a:fontRef idx="minor">
+            <a:schemeClr val="lt1"/>
+          </a:fontRef>
+        </p:style>
+        <p:txBody>
+          <a:bodyPr rtlCol="0" anchor="ctr"/>
+          <a:lstStyle/>
+          <a:p>
+            <a:pPr algn="ctr"/>
+            <a:r>
+              <a:rPr lang="en-US" sz="2400" b="1" dirty="0">
+                <a:latin typeface="Fredoka One" panose="02000000000000000000" pitchFamily="2" charset="0"/>
+              </a:rPr>
+              <a:t>Short </a:t>
+            </a:r>
+            <a:r>
+              <a:rPr lang="en-US" sz="2400" b="1" dirty="0" err="1">
+                <a:latin typeface="Fredoka One" panose="02000000000000000000" pitchFamily="2" charset="0"/>
+              </a:rPr>
+              <a:t>Presenration</a:t>
+            </a:r>
+            <a:endParaRPr lang="en-US" sz="2400" b="1" dirty="0">
+              <a:latin typeface="Fredoka One" panose="02000000000000000000" pitchFamily="2" charset="0"/>
+            </a:endParaRPr>
+          </a:p>
+        </p:txBody>
+      </p:sp>
+    </p:spTree>
+    <p:extLst>
+      <p:ext uri="{BB962C8B-B14F-4D97-AF65-F5344CB8AC3E}">
+        <p14:creationId xmlns:p14="http://schemas.microsoft.com/office/powerpoint/2010/main" val="2462779396"/>
+      </p:ext>
+    </p:extLst>
+  </p:cSld>
+  <p:clrMapOvr>
+    <a:masterClrMapping/>
+  </p:clrMapOvr>
+</p:sld>
+</file>
+
+<file path=ppt/slides/slide38.xml><?xml version="1.0" encoding="utf-8"?>
+<p:sld xmlns:a="http://schemas.openxmlformats.org/drawingml/2006/main" xmlns:r="http://schemas.openxmlformats.org/officeDocument/2006/relationships" xmlns:p="http://schemas.openxmlformats.org/presentationml/2006/main">
+  <p:cSld>
+    <p:spTree>
+      <p:nvGrpSpPr>
+        <p:cNvPr id="1" name=""/>
+        <p:cNvGrpSpPr/>
+        <p:nvPr/>
+      </p:nvGrpSpPr>
+      <p:grpSpPr>
+        <a:xfrm>
+          <a:off x="0" y="0"/>
+          <a:ext cx="0" cy="0"/>
+          <a:chOff x="0" y="0"/>
+          <a:chExt cx="0" cy="0"/>
+        </a:xfrm>
+      </p:grpSpPr>
+      <p:sp>
+        <p:nvSpPr>
+          <p:cNvPr id="2" name="Title 1">
+            <a:extLst>
+              <a:ext uri="{FF2B5EF4-FFF2-40B4-BE49-F238E27FC236}">
+                <a16:creationId xmlns:a16="http://schemas.microsoft.com/office/drawing/2014/main" id="{E971B2D1-ED4F-3F7E-6680-17E47645F005}"/>
+              </a:ext>
+            </a:extLst>
+          </p:cNvPr>
+          <p:cNvSpPr>
+            <a:spLocks noGrp="1"/>
+          </p:cNvSpPr>
+          <p:nvPr>
+            <p:ph type="title"/>
+          </p:nvPr>
+        </p:nvSpPr>
+        <p:spPr/>
+        <p:txBody>
+          <a:bodyPr/>
+          <a:lstStyle/>
+          <a:p>
+            <a:r>
+              <a:rPr lang="en-US" dirty="0"/>
+              <a:t>Lecture Resources</a:t>
+            </a:r>
+          </a:p>
+        </p:txBody>
+      </p:sp>
+      <p:sp>
+        <p:nvSpPr>
+          <p:cNvPr id="3" name="Content Placeholder 2">
+            <a:extLst>
+              <a:ext uri="{FF2B5EF4-FFF2-40B4-BE49-F238E27FC236}">
+                <a16:creationId xmlns:a16="http://schemas.microsoft.com/office/drawing/2014/main" id="{048171A8-7BC9-A1CC-24DE-D1A363BFCAAB}"/>
+              </a:ext>
+            </a:extLst>
+          </p:cNvPr>
+          <p:cNvSpPr>
+            <a:spLocks noGrp="1"/>
+          </p:cNvSpPr>
+          <p:nvPr>
+            <p:ph idx="1"/>
+          </p:nvPr>
+        </p:nvSpPr>
+        <p:spPr/>
+        <p:txBody>
+          <a:bodyPr>
+            <a:normAutofit/>
+          </a:bodyPr>
+          <a:lstStyle/>
+          <a:p>
+            <a:pPr algn="just"/>
+            <a:endParaRPr lang="en-US" sz="2800" i="1" dirty="0"/>
+          </a:p>
+        </p:txBody>
+      </p:sp>
+      <p:sp>
+        <p:nvSpPr>
+          <p:cNvPr id="4" name="Slide Number Placeholder 3">
+            <a:extLst>
+              <a:ext uri="{FF2B5EF4-FFF2-40B4-BE49-F238E27FC236}">
+                <a16:creationId xmlns:a16="http://schemas.microsoft.com/office/drawing/2014/main" id="{1A07D2F6-E8B4-DCE8-6D7F-E8A49CF5128B}"/>
+              </a:ext>
+            </a:extLst>
+          </p:cNvPr>
+          <p:cNvSpPr>
+            <a:spLocks noGrp="1"/>
+          </p:cNvSpPr>
+          <p:nvPr>
+            <p:ph type="sldNum" sz="quarter" idx="12"/>
+          </p:nvPr>
+        </p:nvSpPr>
+        <p:spPr/>
+        <p:txBody>
+          <a:bodyPr/>
+          <a:lstStyle/>
+          <a:p>
+            <a:fld id="{0079CAC6-A72B-4EF8-B465-34FA47827E7F}" type="slidenum">
+              <a:rPr lang="en-US" smtClean="0"/>
+              <a:t>38</a:t>
+            </a:fld>
+            <a:endParaRPr lang="en-US" dirty="0"/>
+          </a:p>
+        </p:txBody>
+      </p:sp>
+      <p:sp>
+        <p:nvSpPr>
+          <p:cNvPr id="5" name="Footer Placeholder 4">
+            <a:extLst>
+              <a:ext uri="{FF2B5EF4-FFF2-40B4-BE49-F238E27FC236}">
+                <a16:creationId xmlns:a16="http://schemas.microsoft.com/office/drawing/2014/main" id="{F7926C1C-F8F8-36AC-3F81-B1B9194574F2}"/>
+              </a:ext>
+            </a:extLst>
+          </p:cNvPr>
+          <p:cNvSpPr>
+            <a:spLocks noGrp="1"/>
+          </p:cNvSpPr>
+          <p:nvPr>
+            <p:ph type="ftr" sz="quarter" idx="11"/>
+          </p:nvPr>
+        </p:nvSpPr>
+        <p:spPr/>
+        <p:txBody>
+          <a:bodyPr/>
+          <a:lstStyle/>
+          <a:p>
+            <a:r>
+              <a:rPr lang="en-US"/>
+              <a:t>Fundamental Programming with Python</a:t>
+            </a:r>
+            <a:endParaRPr lang="en-US" dirty="0"/>
+          </a:p>
+        </p:txBody>
+      </p:sp>
+    </p:spTree>
+    <p:extLst>
+      <p:ext uri="{BB962C8B-B14F-4D97-AF65-F5344CB8AC3E}">
+        <p14:creationId xmlns:p14="http://schemas.microsoft.com/office/powerpoint/2010/main" val="3233585793"/>
+      </p:ext>
+    </p:extLst>
+  </p:cSld>
+  <p:clrMapOvr>
+    <a:masterClrMapping/>
+  </p:clrMapOvr>
+</p:sld>
+</file>
+
+<file path=ppt/slides/slide4.xml><?xml version="1.0" encoding="utf-8"?>
+<p:sld xmlns:a="http://schemas.openxmlformats.org/drawingml/2006/main" xmlns:r="http://schemas.openxmlformats.org/officeDocument/2006/relationships" xmlns:p="http://schemas.openxmlformats.org/presentationml/2006/main">
+  <p:cSld>
+    <p:spTree>
+      <p:nvGrpSpPr>
+        <p:cNvPr id="1" name=""/>
+        <p:cNvGrpSpPr/>
+        <p:nvPr/>
+      </p:nvGrpSpPr>
+      <p:grpSpPr>
+        <a:xfrm>
+          <a:off x="0" y="0"/>
+          <a:ext cx="0" cy="0"/>
+          <a:chOff x="0" y="0"/>
+          <a:chExt cx="0" cy="0"/>
+        </a:xfrm>
+      </p:grpSpPr>
+      <p:sp>
+        <p:nvSpPr>
+          <p:cNvPr id="2" name="Title 1">
+            <a:extLst>
+              <a:ext uri="{FF2B5EF4-FFF2-40B4-BE49-F238E27FC236}">
+                <a16:creationId xmlns:a16="http://schemas.microsoft.com/office/drawing/2014/main" id="{87B1A73B-6C72-C6E9-38EE-574B6DD11391}"/>
+              </a:ext>
+            </a:extLst>
+          </p:cNvPr>
+          <p:cNvSpPr>
+            <a:spLocks noGrp="1"/>
+          </p:cNvSpPr>
+          <p:nvPr>
+            <p:ph type="title"/>
+          </p:nvPr>
+        </p:nvSpPr>
+        <p:spPr/>
+        <p:txBody>
+          <a:bodyPr/>
+          <a:lstStyle/>
+          <a:p>
+            <a:r>
+              <a:rPr lang="en-US" dirty="0"/>
+              <a:t>Today</a:t>
+            </a:r>
+          </a:p>
+        </p:txBody>
+      </p:sp>
+      <p:sp>
+        <p:nvSpPr>
+          <p:cNvPr id="3" name="Content Placeholder 2">
+            <a:extLst>
+              <a:ext uri="{FF2B5EF4-FFF2-40B4-BE49-F238E27FC236}">
+                <a16:creationId xmlns:a16="http://schemas.microsoft.com/office/drawing/2014/main" id="{8F365F2D-194E-E711-907C-908961A12084}"/>
+              </a:ext>
+            </a:extLst>
+          </p:cNvPr>
+          <p:cNvSpPr>
+            <a:spLocks noGrp="1"/>
+          </p:cNvSpPr>
+          <p:nvPr>
+            <p:ph idx="1"/>
+          </p:nvPr>
+        </p:nvSpPr>
+        <p:spPr/>
+        <p:txBody>
+          <a:bodyPr>
+            <a:normAutofit lnSpcReduction="10000"/>
+          </a:bodyPr>
+          <a:lstStyle/>
+          <a:p>
+            <a:r>
+              <a:rPr lang="en-US" dirty="0"/>
+              <a:t>Short Presentation</a:t>
+            </a:r>
+          </a:p>
+          <a:p>
+            <a:r>
+              <a:rPr lang="en-US" dirty="0"/>
+              <a:t>Review the Last Lecture</a:t>
+            </a:r>
+          </a:p>
+          <a:p>
+            <a:r>
+              <a:rPr lang="en-US" dirty="0"/>
+              <a:t>Problem Modeling</a:t>
+            </a:r>
+          </a:p>
+          <a:p>
+            <a:r>
+              <a:rPr lang="en-US" dirty="0"/>
+              <a:t>Data types in Python</a:t>
+            </a:r>
+          </a:p>
+          <a:p>
+            <a:r>
+              <a:rPr lang="en-US" dirty="0"/>
+              <a:t>Interpret your commands with Python</a:t>
+            </a:r>
+          </a:p>
+          <a:p>
+            <a:r>
+              <a:rPr lang="en-US" dirty="0"/>
+              <a:t>Programming with Python</a:t>
+            </a:r>
+          </a:p>
+          <a:p>
+            <a:r>
+              <a:rPr lang="en-US" dirty="0">
+                <a:solidFill>
+                  <a:schemeClr val="accent6"/>
+                </a:solidFill>
+              </a:rPr>
+              <a:t>Application of Programming in the Digital Age!</a:t>
+            </a:r>
+            <a:endParaRPr lang="fa-IR" dirty="0">
+              <a:solidFill>
+                <a:schemeClr val="accent6"/>
+              </a:solidFill>
+            </a:endParaRPr>
+          </a:p>
+        </p:txBody>
+      </p:sp>
+      <p:sp>
+        <p:nvSpPr>
+          <p:cNvPr id="4" name="Slide Number Placeholder 3">
+            <a:extLst>
+              <a:ext uri="{FF2B5EF4-FFF2-40B4-BE49-F238E27FC236}">
+                <a16:creationId xmlns:a16="http://schemas.microsoft.com/office/drawing/2014/main" id="{2556300D-25DE-4DCB-83C2-F8447A300882}"/>
+              </a:ext>
+            </a:extLst>
+          </p:cNvPr>
+          <p:cNvSpPr>
+            <a:spLocks noGrp="1"/>
+          </p:cNvSpPr>
+          <p:nvPr>
+            <p:ph type="sldNum" sz="quarter" idx="12"/>
+          </p:nvPr>
+        </p:nvSpPr>
+        <p:spPr/>
+        <p:txBody>
+          <a:bodyPr/>
+          <a:lstStyle/>
+          <a:p>
+            <a:fld id="{0079CAC6-A72B-4EF8-B465-34FA47827E7F}" type="slidenum">
+              <a:rPr lang="en-US" smtClean="0"/>
+              <a:t>4</a:t>
+            </a:fld>
+            <a:endParaRPr lang="en-US" dirty="0"/>
+          </a:p>
+        </p:txBody>
+      </p:sp>
+      <p:sp>
+        <p:nvSpPr>
+          <p:cNvPr id="5" name="Footer Placeholder 4">
+            <a:extLst>
+              <a:ext uri="{FF2B5EF4-FFF2-40B4-BE49-F238E27FC236}">
+                <a16:creationId xmlns:a16="http://schemas.microsoft.com/office/drawing/2014/main" id="{C698F15F-8CBD-19A6-FD8E-9F54F23195D9}"/>
+              </a:ext>
+            </a:extLst>
+          </p:cNvPr>
+          <p:cNvSpPr>
+            <a:spLocks noGrp="1"/>
+          </p:cNvSpPr>
+          <p:nvPr>
+            <p:ph type="ftr" sz="quarter" idx="11"/>
+          </p:nvPr>
+        </p:nvSpPr>
+        <p:spPr/>
+        <p:txBody>
+          <a:bodyPr/>
+          <a:lstStyle/>
+          <a:p>
+            <a:r>
+              <a:rPr lang="en-US"/>
+              <a:t>Fundamental Programming with Python</a:t>
+            </a:r>
+            <a:endParaRPr lang="en-US" dirty="0"/>
+          </a:p>
+        </p:txBody>
+      </p:sp>
+    </p:spTree>
+    <p:extLst>
+      <p:ext uri="{BB962C8B-B14F-4D97-AF65-F5344CB8AC3E}">
+        <p14:creationId xmlns:p14="http://schemas.microsoft.com/office/powerpoint/2010/main" val="2786932843"/>
       </p:ext>
     </p:extLst>
   </p:cSld>
@@ -23857,6 +30290,121 @@
                       </p:childTnLst>
                     </p:cTn>
                   </p:par>
+                  <p:par>
+                    <p:cTn id="45" fill="hold">
+                      <p:stCondLst>
+                        <p:cond delay="indefinite"/>
+                      </p:stCondLst>
+                      <p:childTnLst>
+                        <p:par>
+                          <p:cTn id="46" fill="hold">
+                            <p:stCondLst>
+                              <p:cond delay="0"/>
+                            </p:stCondLst>
+                            <p:childTnLst>
+                              <p:par>
+                                <p:cTn id="47" presetID="42" presetClass="entr" presetSubtype="0" fill="hold" nodeType="clickEffect">
+                                  <p:stCondLst>
+                                    <p:cond delay="0"/>
+                                  </p:stCondLst>
+                                  <p:childTnLst>
+                                    <p:set>
+                                      <p:cBhvr>
+                                        <p:cTn id="48" dur="1" fill="hold">
+                                          <p:stCondLst>
+                                            <p:cond delay="0"/>
+                                          </p:stCondLst>
+                                        </p:cTn>
+                                        <p:tgtEl>
+                                          <p:spTgt spid="3">
+                                            <p:txEl>
+                                              <p:pRg st="6" end="6"/>
+                                            </p:txEl>
+                                          </p:spTgt>
+                                        </p:tgtEl>
+                                        <p:attrNameLst>
+                                          <p:attrName>style.visibility</p:attrName>
+                                        </p:attrNameLst>
+                                      </p:cBhvr>
+                                      <p:to>
+                                        <p:strVal val="visible"/>
+                                      </p:to>
+                                    </p:set>
+                                    <p:animEffect transition="in" filter="fade">
+                                      <p:cBhvr>
+                                        <p:cTn id="49" dur="1000"/>
+                                        <p:tgtEl>
+                                          <p:spTgt spid="3">
+                                            <p:txEl>
+                                              <p:pRg st="6" end="6"/>
+                                            </p:txEl>
+                                          </p:spTgt>
+                                        </p:tgtEl>
+                                      </p:cBhvr>
+                                    </p:animEffect>
+                                    <p:anim calcmode="lin" valueType="num">
+                                      <p:cBhvr>
+                                        <p:cTn id="50" dur="1000" fill="hold"/>
+                                        <p:tgtEl>
+                                          <p:spTgt spid="3">
+                                            <p:txEl>
+                                              <p:pRg st="6" end="6"/>
+                                            </p:txEl>
+                                          </p:spTgt>
+                                        </p:tgtEl>
+                                        <p:attrNameLst>
+                                          <p:attrName>ppt_x</p:attrName>
+                                        </p:attrNameLst>
+                                      </p:cBhvr>
+                                      <p:tavLst>
+                                        <p:tav tm="0">
+                                          <p:val>
+                                            <p:strVal val="#ppt_x"/>
+                                          </p:val>
+                                        </p:tav>
+                                        <p:tav tm="100000">
+                                          <p:val>
+                                            <p:strVal val="#ppt_x"/>
+                                          </p:val>
+                                        </p:tav>
+                                      </p:tavLst>
+                                    </p:anim>
+                                    <p:anim calcmode="lin" valueType="num">
+                                      <p:cBhvr>
+                                        <p:cTn id="51" dur="1000" fill="hold"/>
+                                        <p:tgtEl>
+                                          <p:spTgt spid="3">
+                                            <p:txEl>
+                                              <p:pRg st="6" end="6"/>
+                                            </p:txEl>
+                                          </p:spTgt>
+                                        </p:tgtEl>
+                                        <p:attrNameLst>
+                                          <p:attrName>ppt_y</p:attrName>
+                                        </p:attrNameLst>
+                                      </p:cBhvr>
+                                      <p:tavLst>
+                                        <p:tav tm="0">
+                                          <p:val>
+                                            <p:strVal val="#ppt_y+.1"/>
+                                          </p:val>
+                                        </p:tav>
+                                        <p:tav tm="100000">
+                                          <p:val>
+                                            <p:strVal val="#ppt_y"/>
+                                          </p:val>
+                                        </p:tav>
+                                      </p:tavLst>
+                                    </p:anim>
+                                  </p:childTnLst>
+                                </p:cTn>
+                              </p:par>
+                            </p:childTnLst>
+                          </p:cTn>
+                        </p:par>
+                      </p:childTnLst>
+                    </p:cTn>
+                  </p:par>
                 </p:childTnLst>
               </p:cTn>
               <p:prevCondLst>
@@ -23879,1615 +30427,6 @@
       </p:par>
     </p:tnLst>
   </p:timing>
-</p:sld>
-</file>
-
-<file path=ppt/slides/slide30.xml><?xml version="1.0" encoding="utf-8"?>
-<p:sld xmlns:a="http://schemas.openxmlformats.org/drawingml/2006/main" xmlns:r="http://schemas.openxmlformats.org/officeDocument/2006/relationships" xmlns:p="http://schemas.openxmlformats.org/presentationml/2006/main">
-  <p:cSld>
-    <p:spTree>
-      <p:nvGrpSpPr>
-        <p:cNvPr id="1" name=""/>
-        <p:cNvGrpSpPr/>
-        <p:nvPr/>
-      </p:nvGrpSpPr>
-      <p:grpSpPr>
-        <a:xfrm>
-          <a:off x="0" y="0"/>
-          <a:ext cx="0" cy="0"/>
-          <a:chOff x="0" y="0"/>
-          <a:chExt cx="0" cy="0"/>
-        </a:xfrm>
-      </p:grpSpPr>
-      <p:sp>
-        <p:nvSpPr>
-          <p:cNvPr id="2" name="Title 1">
-            <a:extLst>
-              <a:ext uri="{FF2B5EF4-FFF2-40B4-BE49-F238E27FC236}">
-                <a16:creationId xmlns:a16="http://schemas.microsoft.com/office/drawing/2014/main" id="{B3DC2EDE-24AC-E898-BFE7-2BA534AE08CD}"/>
-              </a:ext>
-            </a:extLst>
-          </p:cNvPr>
-          <p:cNvSpPr>
-            <a:spLocks noGrp="1"/>
-          </p:cNvSpPr>
-          <p:nvPr>
-            <p:ph type="title"/>
-          </p:nvPr>
-        </p:nvSpPr>
-        <p:spPr/>
-        <p:txBody>
-          <a:bodyPr/>
-          <a:lstStyle/>
-          <a:p>
-            <a:r>
-              <a:rPr lang="en-US" dirty="0"/>
-              <a:t>Question</a:t>
-            </a:r>
-          </a:p>
-        </p:txBody>
-      </p:sp>
-      <p:sp>
-        <p:nvSpPr>
-          <p:cNvPr id="3" name="Content Placeholder 2">
-            <a:extLst>
-              <a:ext uri="{FF2B5EF4-FFF2-40B4-BE49-F238E27FC236}">
-                <a16:creationId xmlns:a16="http://schemas.microsoft.com/office/drawing/2014/main" id="{F9696FCA-211D-9862-CE07-ECC8C82F206A}"/>
-              </a:ext>
-            </a:extLst>
-          </p:cNvPr>
-          <p:cNvSpPr>
-            <a:spLocks noGrp="1"/>
-          </p:cNvSpPr>
-          <p:nvPr>
-            <p:ph idx="1"/>
-          </p:nvPr>
-        </p:nvSpPr>
-        <p:spPr/>
-        <p:txBody>
-          <a:bodyPr>
-            <a:normAutofit/>
-          </a:bodyPr>
-          <a:lstStyle/>
-          <a:p>
-            <a:r>
-              <a:rPr lang="en-US" dirty="0"/>
-              <a:t>How can we get more users for our news website?</a:t>
-            </a:r>
-          </a:p>
-        </p:txBody>
-      </p:sp>
-      <p:sp>
-        <p:nvSpPr>
-          <p:cNvPr id="4" name="Footer Placeholder 3">
-            <a:extLst>
-              <a:ext uri="{FF2B5EF4-FFF2-40B4-BE49-F238E27FC236}">
-                <a16:creationId xmlns:a16="http://schemas.microsoft.com/office/drawing/2014/main" id="{1303E7C7-DB16-9FCA-42CF-70F04616C8D8}"/>
-              </a:ext>
-            </a:extLst>
-          </p:cNvPr>
-          <p:cNvSpPr>
-            <a:spLocks noGrp="1"/>
-          </p:cNvSpPr>
-          <p:nvPr>
-            <p:ph type="ftr" sz="quarter" idx="11"/>
-          </p:nvPr>
-        </p:nvSpPr>
-        <p:spPr/>
-        <p:txBody>
-          <a:bodyPr/>
-          <a:lstStyle/>
-          <a:p>
-            <a:r>
-              <a:rPr lang="en-US"/>
-              <a:t>Fundamental Programming with Python</a:t>
-            </a:r>
-            <a:endParaRPr lang="en-US" dirty="0"/>
-          </a:p>
-        </p:txBody>
-      </p:sp>
-      <p:sp>
-        <p:nvSpPr>
-          <p:cNvPr id="5" name="Slide Number Placeholder 4">
-            <a:extLst>
-              <a:ext uri="{FF2B5EF4-FFF2-40B4-BE49-F238E27FC236}">
-                <a16:creationId xmlns:a16="http://schemas.microsoft.com/office/drawing/2014/main" id="{BC3EA3A6-B626-2A9B-98E4-1161214E332C}"/>
-              </a:ext>
-            </a:extLst>
-          </p:cNvPr>
-          <p:cNvSpPr>
-            <a:spLocks noGrp="1"/>
-          </p:cNvSpPr>
-          <p:nvPr>
-            <p:ph type="sldNum" sz="quarter" idx="12"/>
-          </p:nvPr>
-        </p:nvSpPr>
-        <p:spPr/>
-        <p:txBody>
-          <a:bodyPr/>
-          <a:lstStyle/>
-          <a:p>
-            <a:fld id="{0079CAC6-A72B-4EF8-B465-34FA47827E7F}" type="slidenum">
-              <a:rPr lang="en-US" smtClean="0"/>
-              <a:t>30</a:t>
-            </a:fld>
-            <a:endParaRPr lang="en-US" dirty="0"/>
-          </a:p>
-        </p:txBody>
-      </p:sp>
-      <p:sp>
-        <p:nvSpPr>
-          <p:cNvPr id="6" name="Speech Bubble: Oval 5">
-            <a:extLst>
-              <a:ext uri="{FF2B5EF4-FFF2-40B4-BE49-F238E27FC236}">
-                <a16:creationId xmlns:a16="http://schemas.microsoft.com/office/drawing/2014/main" id="{4CB194F1-2D9A-3703-182E-8E924000EBA5}"/>
-              </a:ext>
-            </a:extLst>
-          </p:cNvPr>
-          <p:cNvSpPr/>
-          <p:nvPr/>
-        </p:nvSpPr>
-        <p:spPr>
-          <a:xfrm>
-            <a:off x="6817489" y="284176"/>
-            <a:ext cx="3823422" cy="1394153"/>
-          </a:xfrm>
-          <a:prstGeom prst="wedgeEllipseCallout">
-            <a:avLst>
-              <a:gd name="adj1" fmla="val -50198"/>
-              <a:gd name="adj2" fmla="val 75784"/>
-            </a:avLst>
-          </a:prstGeom>
-          <a:effectLst>
-            <a:innerShdw blurRad="63500" dist="50800">
-              <a:prstClr val="black">
-                <a:alpha val="50000"/>
-              </a:prstClr>
-            </a:innerShdw>
-          </a:effectLst>
-        </p:spPr>
-        <p:style>
-          <a:lnRef idx="2">
-            <a:schemeClr val="accent4">
-              <a:shade val="50000"/>
-            </a:schemeClr>
-          </a:lnRef>
-          <a:fillRef idx="1">
-            <a:schemeClr val="accent4"/>
-          </a:fillRef>
-          <a:effectRef idx="0">
-            <a:schemeClr val="accent4"/>
-          </a:effectRef>
-          <a:fontRef idx="minor">
-            <a:schemeClr val="lt1"/>
-          </a:fontRef>
-        </p:style>
-        <p:txBody>
-          <a:bodyPr rtlCol="0" anchor="ctr"/>
-          <a:lstStyle/>
-          <a:p>
-            <a:pPr algn="ctr"/>
-            <a:r>
-              <a:rPr lang="en-US" sz="2400" b="1" dirty="0"/>
-              <a:t>What is the website need?</a:t>
-            </a:r>
-          </a:p>
-        </p:txBody>
-      </p:sp>
-    </p:spTree>
-    <p:extLst>
-      <p:ext uri="{BB962C8B-B14F-4D97-AF65-F5344CB8AC3E}">
-        <p14:creationId xmlns:p14="http://schemas.microsoft.com/office/powerpoint/2010/main" val="2045840364"/>
-      </p:ext>
-    </p:extLst>
-  </p:cSld>
-  <p:clrMapOvr>
-    <a:masterClrMapping/>
-  </p:clrMapOvr>
-</p:sld>
-</file>
-
-<file path=ppt/slides/slide31.xml><?xml version="1.0" encoding="utf-8"?>
-<p:sld xmlns:a="http://schemas.openxmlformats.org/drawingml/2006/main" xmlns:r="http://schemas.openxmlformats.org/officeDocument/2006/relationships" xmlns:p="http://schemas.openxmlformats.org/presentationml/2006/main">
-  <p:cSld>
-    <p:spTree>
-      <p:nvGrpSpPr>
-        <p:cNvPr id="1" name=""/>
-        <p:cNvGrpSpPr/>
-        <p:nvPr/>
-      </p:nvGrpSpPr>
-      <p:grpSpPr>
-        <a:xfrm>
-          <a:off x="0" y="0"/>
-          <a:ext cx="0" cy="0"/>
-          <a:chOff x="0" y="0"/>
-          <a:chExt cx="0" cy="0"/>
-        </a:xfrm>
-      </p:grpSpPr>
-      <p:sp>
-        <p:nvSpPr>
-          <p:cNvPr id="2" name="Title 1">
-            <a:extLst>
-              <a:ext uri="{FF2B5EF4-FFF2-40B4-BE49-F238E27FC236}">
-                <a16:creationId xmlns:a16="http://schemas.microsoft.com/office/drawing/2014/main" id="{B3DC2EDE-24AC-E898-BFE7-2BA534AE08CD}"/>
-              </a:ext>
-            </a:extLst>
-          </p:cNvPr>
-          <p:cNvSpPr>
-            <a:spLocks noGrp="1"/>
-          </p:cNvSpPr>
-          <p:nvPr>
-            <p:ph type="title"/>
-          </p:nvPr>
-        </p:nvSpPr>
-        <p:spPr/>
-        <p:txBody>
-          <a:bodyPr/>
-          <a:lstStyle/>
-          <a:p>
-            <a:r>
-              <a:rPr lang="en-US" dirty="0"/>
-              <a:t>From question to algorithm!</a:t>
-            </a:r>
-          </a:p>
-        </p:txBody>
-      </p:sp>
-      <p:sp>
-        <p:nvSpPr>
-          <p:cNvPr id="3" name="Content Placeholder 2">
-            <a:extLst>
-              <a:ext uri="{FF2B5EF4-FFF2-40B4-BE49-F238E27FC236}">
-                <a16:creationId xmlns:a16="http://schemas.microsoft.com/office/drawing/2014/main" id="{F9696FCA-211D-9862-CE07-ECC8C82F206A}"/>
-              </a:ext>
-            </a:extLst>
-          </p:cNvPr>
-          <p:cNvSpPr>
-            <a:spLocks noGrp="1"/>
-          </p:cNvSpPr>
-          <p:nvPr>
-            <p:ph idx="1"/>
-          </p:nvPr>
-        </p:nvSpPr>
-        <p:spPr/>
-        <p:txBody>
-          <a:bodyPr>
-            <a:normAutofit fontScale="77500" lnSpcReduction="20000"/>
-          </a:bodyPr>
-          <a:lstStyle/>
-          <a:p>
-            <a:r>
-              <a:rPr lang="en-US" dirty="0"/>
-              <a:t>Understand your needs or questions! </a:t>
-            </a:r>
-          </a:p>
-          <a:p>
-            <a:pPr lvl="1"/>
-            <a:r>
-              <a:rPr lang="en-US" dirty="0"/>
-              <a:t>explain easily for someone else</a:t>
-            </a:r>
-          </a:p>
-          <a:p>
-            <a:r>
-              <a:rPr lang="en-US" dirty="0"/>
-              <a:t>Decompose your problem (make some steps)!</a:t>
-            </a:r>
-          </a:p>
-          <a:p>
-            <a:r>
-              <a:rPr lang="en-US" dirty="0"/>
-              <a:t>Make a flowchart for the decomposed version of your problem</a:t>
-            </a:r>
-          </a:p>
-          <a:p>
-            <a:r>
-              <a:rPr lang="en-US" dirty="0"/>
-              <a:t>Explain each steps in one or two  sentences (paper-based or paperless)</a:t>
-            </a:r>
-          </a:p>
-          <a:p>
-            <a:pPr lvl="1"/>
-            <a:r>
-              <a:rPr lang="en-US" dirty="0"/>
-              <a:t>input, output, process</a:t>
-            </a:r>
-          </a:p>
-          <a:p>
-            <a:r>
-              <a:rPr lang="en-US" dirty="0"/>
-              <a:t>Explain each steps mathematically…</a:t>
-            </a:r>
-          </a:p>
-          <a:p>
-            <a:r>
-              <a:rPr lang="en-US" dirty="0"/>
-              <a:t>Develop your algorithms for each steps</a:t>
-            </a:r>
-          </a:p>
-          <a:p>
-            <a:r>
-              <a:rPr lang="en-US" dirty="0"/>
-              <a:t>Check your process flow from the first step to the last one!</a:t>
-            </a:r>
-          </a:p>
-          <a:p>
-            <a:endParaRPr lang="en-US" dirty="0"/>
-          </a:p>
-          <a:p>
-            <a:endParaRPr lang="en-US" dirty="0"/>
-          </a:p>
-          <a:p>
-            <a:endParaRPr lang="en-US" dirty="0"/>
-          </a:p>
-          <a:p>
-            <a:endParaRPr lang="en-US" dirty="0"/>
-          </a:p>
-          <a:p>
-            <a:endParaRPr lang="en-US" dirty="0"/>
-          </a:p>
-        </p:txBody>
-      </p:sp>
-      <p:sp>
-        <p:nvSpPr>
-          <p:cNvPr id="4" name="Footer Placeholder 3">
-            <a:extLst>
-              <a:ext uri="{FF2B5EF4-FFF2-40B4-BE49-F238E27FC236}">
-                <a16:creationId xmlns:a16="http://schemas.microsoft.com/office/drawing/2014/main" id="{1303E7C7-DB16-9FCA-42CF-70F04616C8D8}"/>
-              </a:ext>
-            </a:extLst>
-          </p:cNvPr>
-          <p:cNvSpPr>
-            <a:spLocks noGrp="1"/>
-          </p:cNvSpPr>
-          <p:nvPr>
-            <p:ph type="ftr" sz="quarter" idx="11"/>
-          </p:nvPr>
-        </p:nvSpPr>
-        <p:spPr/>
-        <p:txBody>
-          <a:bodyPr/>
-          <a:lstStyle/>
-          <a:p>
-            <a:r>
-              <a:rPr lang="en-US"/>
-              <a:t>Fundamental Programming with Python</a:t>
-            </a:r>
-            <a:endParaRPr lang="en-US" dirty="0"/>
-          </a:p>
-        </p:txBody>
-      </p:sp>
-      <p:sp>
-        <p:nvSpPr>
-          <p:cNvPr id="5" name="Slide Number Placeholder 4">
-            <a:extLst>
-              <a:ext uri="{FF2B5EF4-FFF2-40B4-BE49-F238E27FC236}">
-                <a16:creationId xmlns:a16="http://schemas.microsoft.com/office/drawing/2014/main" id="{BC3EA3A6-B626-2A9B-98E4-1161214E332C}"/>
-              </a:ext>
-            </a:extLst>
-          </p:cNvPr>
-          <p:cNvSpPr>
-            <a:spLocks noGrp="1"/>
-          </p:cNvSpPr>
-          <p:nvPr>
-            <p:ph type="sldNum" sz="quarter" idx="12"/>
-          </p:nvPr>
-        </p:nvSpPr>
-        <p:spPr/>
-        <p:txBody>
-          <a:bodyPr/>
-          <a:lstStyle/>
-          <a:p>
-            <a:fld id="{0079CAC6-A72B-4EF8-B465-34FA47827E7F}" type="slidenum">
-              <a:rPr lang="en-US" smtClean="0"/>
-              <a:t>31</a:t>
-            </a:fld>
-            <a:endParaRPr lang="en-US" dirty="0"/>
-          </a:p>
-        </p:txBody>
-      </p:sp>
-    </p:spTree>
-    <p:extLst>
-      <p:ext uri="{BB962C8B-B14F-4D97-AF65-F5344CB8AC3E}">
-        <p14:creationId xmlns:p14="http://schemas.microsoft.com/office/powerpoint/2010/main" val="2954962488"/>
-      </p:ext>
-    </p:extLst>
-  </p:cSld>
-  <p:clrMapOvr>
-    <a:masterClrMapping/>
-  </p:clrMapOvr>
-</p:sld>
-</file>
-
-<file path=ppt/slides/slide32.xml><?xml version="1.0" encoding="utf-8"?>
-<p:sld xmlns:a="http://schemas.openxmlformats.org/drawingml/2006/main" xmlns:r="http://schemas.openxmlformats.org/officeDocument/2006/relationships" xmlns:p="http://schemas.openxmlformats.org/presentationml/2006/main">
-  <p:cSld>
-    <p:spTree>
-      <p:nvGrpSpPr>
-        <p:cNvPr id="1" name=""/>
-        <p:cNvGrpSpPr/>
-        <p:nvPr/>
-      </p:nvGrpSpPr>
-      <p:grpSpPr>
-        <a:xfrm>
-          <a:off x="0" y="0"/>
-          <a:ext cx="0" cy="0"/>
-          <a:chOff x="0" y="0"/>
-          <a:chExt cx="0" cy="0"/>
-        </a:xfrm>
-      </p:grpSpPr>
-      <p:sp>
-        <p:nvSpPr>
-          <p:cNvPr id="2" name="Title 1">
-            <a:extLst>
-              <a:ext uri="{FF2B5EF4-FFF2-40B4-BE49-F238E27FC236}">
-                <a16:creationId xmlns:a16="http://schemas.microsoft.com/office/drawing/2014/main" id="{D97B6CE0-A2DC-0DCD-2C0F-F18672E2639E}"/>
-              </a:ext>
-            </a:extLst>
-          </p:cNvPr>
-          <p:cNvSpPr>
-            <a:spLocks noGrp="1"/>
-          </p:cNvSpPr>
-          <p:nvPr>
-            <p:ph type="title"/>
-          </p:nvPr>
-        </p:nvSpPr>
-        <p:spPr/>
-        <p:txBody>
-          <a:bodyPr/>
-          <a:lstStyle/>
-          <a:p>
-            <a:r>
-              <a:rPr lang="en-US" dirty="0"/>
-              <a:t>Find dictionary of a text</a:t>
-            </a:r>
-          </a:p>
-        </p:txBody>
-      </p:sp>
-      <p:sp>
-        <p:nvSpPr>
-          <p:cNvPr id="3" name="Content Placeholder 2">
-            <a:extLst>
-              <a:ext uri="{FF2B5EF4-FFF2-40B4-BE49-F238E27FC236}">
-                <a16:creationId xmlns:a16="http://schemas.microsoft.com/office/drawing/2014/main" id="{B876359E-944F-6A28-0E4B-3A55F7349567}"/>
-              </a:ext>
-            </a:extLst>
-          </p:cNvPr>
-          <p:cNvSpPr>
-            <a:spLocks noGrp="1"/>
-          </p:cNvSpPr>
-          <p:nvPr>
-            <p:ph idx="1"/>
-          </p:nvPr>
-        </p:nvSpPr>
-        <p:spPr/>
-        <p:txBody>
-          <a:bodyPr/>
-          <a:lstStyle/>
-          <a:p>
-            <a:r>
-              <a:rPr lang="en-US" dirty="0"/>
-              <a:t>Input: text</a:t>
-            </a:r>
-          </a:p>
-          <a:p>
-            <a:r>
-              <a:rPr lang="en-US" dirty="0"/>
-              <a:t>Output: some statistics (count)</a:t>
-            </a:r>
-          </a:p>
-        </p:txBody>
-      </p:sp>
-      <p:sp>
-        <p:nvSpPr>
-          <p:cNvPr id="4" name="Footer Placeholder 3">
-            <a:extLst>
-              <a:ext uri="{FF2B5EF4-FFF2-40B4-BE49-F238E27FC236}">
-                <a16:creationId xmlns:a16="http://schemas.microsoft.com/office/drawing/2014/main" id="{1452023D-D3E2-DC43-D339-E7563C5D3872}"/>
-              </a:ext>
-            </a:extLst>
-          </p:cNvPr>
-          <p:cNvSpPr>
-            <a:spLocks noGrp="1"/>
-          </p:cNvSpPr>
-          <p:nvPr>
-            <p:ph type="ftr" sz="quarter" idx="11"/>
-          </p:nvPr>
-        </p:nvSpPr>
-        <p:spPr/>
-        <p:txBody>
-          <a:bodyPr/>
-          <a:lstStyle/>
-          <a:p>
-            <a:r>
-              <a:rPr lang="en-US"/>
-              <a:t>Fundamental Programming with Python</a:t>
-            </a:r>
-            <a:endParaRPr lang="en-US" dirty="0"/>
-          </a:p>
-        </p:txBody>
-      </p:sp>
-      <p:sp>
-        <p:nvSpPr>
-          <p:cNvPr id="5" name="Slide Number Placeholder 4">
-            <a:extLst>
-              <a:ext uri="{FF2B5EF4-FFF2-40B4-BE49-F238E27FC236}">
-                <a16:creationId xmlns:a16="http://schemas.microsoft.com/office/drawing/2014/main" id="{AA86341C-A0E4-A63E-F194-AD2946CF6C55}"/>
-              </a:ext>
-            </a:extLst>
-          </p:cNvPr>
-          <p:cNvSpPr>
-            <a:spLocks noGrp="1"/>
-          </p:cNvSpPr>
-          <p:nvPr>
-            <p:ph type="sldNum" sz="quarter" idx="12"/>
-          </p:nvPr>
-        </p:nvSpPr>
-        <p:spPr/>
-        <p:txBody>
-          <a:bodyPr/>
-          <a:lstStyle/>
-          <a:p>
-            <a:fld id="{0079CAC6-A72B-4EF8-B465-34FA47827E7F}" type="slidenum">
-              <a:rPr lang="en-US" smtClean="0"/>
-              <a:t>32</a:t>
-            </a:fld>
-            <a:endParaRPr lang="en-US" dirty="0"/>
-          </a:p>
-        </p:txBody>
-      </p:sp>
-      <p:pic>
-        <p:nvPicPr>
-          <p:cNvPr id="1026" name="Picture 2" descr="Microsoft Apps">
-            <a:extLst>
-              <a:ext uri="{FF2B5EF4-FFF2-40B4-BE49-F238E27FC236}">
-                <a16:creationId xmlns:a16="http://schemas.microsoft.com/office/drawing/2014/main" id="{887BF51B-2C8B-614A-9161-46E23B4E9C5F}"/>
-              </a:ext>
-            </a:extLst>
-          </p:cNvPr>
-          <p:cNvPicPr>
-            <a:picLocks noChangeAspect="1" noChangeArrowheads="1"/>
-          </p:cNvPicPr>
-          <p:nvPr/>
-        </p:nvPicPr>
-        <p:blipFill>
-          <a:blip r:embed="rId2">
-            <a:extLst>
-              <a:ext uri="{28A0092B-C50C-407E-A947-70E740481C1C}">
-                <a14:useLocalDpi xmlns:a14="http://schemas.microsoft.com/office/drawing/2010/main" val="0"/>
-              </a:ext>
-            </a:extLst>
-          </a:blip>
-          <a:srcRect/>
-          <a:stretch>
-            <a:fillRect/>
-          </a:stretch>
-        </p:blipFill>
-        <p:spPr bwMode="auto">
-          <a:xfrm>
-            <a:off x="5039810" y="1997870"/>
-            <a:ext cx="4543063" cy="4543063"/>
-          </a:xfrm>
-          <a:prstGeom prst="rect">
-            <a:avLst/>
-          </a:prstGeom>
-          <a:noFill/>
-          <a:extLst>
-            <a:ext uri="{909E8E84-426E-40DD-AFC4-6F175D3DCCD1}">
-              <a14:hiddenFill xmlns:a14="http://schemas.microsoft.com/office/drawing/2010/main">
-                <a:solidFill>
-                  <a:srgbClr val="FFFFFF"/>
-                </a:solidFill>
-              </a14:hiddenFill>
-            </a:ext>
-          </a:extLst>
-        </p:spPr>
-      </p:pic>
-    </p:spTree>
-    <p:extLst>
-      <p:ext uri="{BB962C8B-B14F-4D97-AF65-F5344CB8AC3E}">
-        <p14:creationId xmlns:p14="http://schemas.microsoft.com/office/powerpoint/2010/main" val="2718447588"/>
-      </p:ext>
-    </p:extLst>
-  </p:cSld>
-  <p:clrMapOvr>
-    <a:masterClrMapping/>
-  </p:clrMapOvr>
-</p:sld>
-</file>
-
-<file path=ppt/slides/slide33.xml><?xml version="1.0" encoding="utf-8"?>
-<p:sld xmlns:a="http://schemas.openxmlformats.org/drawingml/2006/main" xmlns:r="http://schemas.openxmlformats.org/officeDocument/2006/relationships" xmlns:p="http://schemas.openxmlformats.org/presentationml/2006/main">
-  <p:cSld>
-    <p:spTree>
-      <p:nvGrpSpPr>
-        <p:cNvPr id="1" name=""/>
-        <p:cNvGrpSpPr/>
-        <p:nvPr/>
-      </p:nvGrpSpPr>
-      <p:grpSpPr>
-        <a:xfrm>
-          <a:off x="0" y="0"/>
-          <a:ext cx="0" cy="0"/>
-          <a:chOff x="0" y="0"/>
-          <a:chExt cx="0" cy="0"/>
-        </a:xfrm>
-      </p:grpSpPr>
-      <p:sp>
-        <p:nvSpPr>
-          <p:cNvPr id="5" name="Title 4">
-            <a:extLst>
-              <a:ext uri="{FF2B5EF4-FFF2-40B4-BE49-F238E27FC236}">
-                <a16:creationId xmlns:a16="http://schemas.microsoft.com/office/drawing/2014/main" id="{3E1FC432-A453-870C-34F6-F5AB1E824DD3}"/>
-              </a:ext>
-            </a:extLst>
-          </p:cNvPr>
-          <p:cNvSpPr>
-            <a:spLocks noGrp="1"/>
-          </p:cNvSpPr>
-          <p:nvPr>
-            <p:ph type="title"/>
-          </p:nvPr>
-        </p:nvSpPr>
-        <p:spPr/>
-        <p:txBody>
-          <a:bodyPr/>
-          <a:lstStyle/>
-          <a:p>
-            <a:pPr rtl="1"/>
-            <a:r>
-              <a:rPr lang="fa-IR" sz="7200" b="1" dirty="0">
-                <a:latin typeface="Kalameh" pitchFamily="2" charset="-78"/>
-                <a:cs typeface="Kalameh" pitchFamily="2" charset="-78"/>
-              </a:rPr>
-              <a:t>خبر </a:t>
-            </a:r>
-            <a:r>
-              <a:rPr lang="fa-IR" sz="7200" b="1" dirty="0" err="1">
-                <a:latin typeface="Kalameh" pitchFamily="2" charset="-78"/>
-                <a:cs typeface="Kalameh" pitchFamily="2" charset="-78"/>
-              </a:rPr>
-              <a:t>خوووووب</a:t>
-            </a:r>
-            <a:r>
-              <a:rPr lang="fa-IR" sz="7200" b="1" dirty="0">
-                <a:latin typeface="Kalameh" pitchFamily="2" charset="-78"/>
-                <a:cs typeface="Kalameh" pitchFamily="2" charset="-78"/>
-              </a:rPr>
-              <a:t>!</a:t>
-            </a:r>
-            <a:r>
-              <a:rPr lang="en-US" sz="7200" b="1" dirty="0">
-                <a:latin typeface="Kalameh" pitchFamily="2" charset="-78"/>
-                <a:cs typeface="Kalameh" pitchFamily="2" charset="-78"/>
-              </a:rPr>
-              <a:t> </a:t>
-            </a:r>
-            <a:endParaRPr lang="fa-IR" sz="7200" b="1" dirty="0">
-              <a:latin typeface="Kalameh" pitchFamily="2" charset="-78"/>
-              <a:cs typeface="Kalameh" pitchFamily="2" charset="-78"/>
-            </a:endParaRPr>
-          </a:p>
-        </p:txBody>
-      </p:sp>
-      <p:sp>
-        <p:nvSpPr>
-          <p:cNvPr id="4" name="Slide Number Placeholder 3">
-            <a:extLst>
-              <a:ext uri="{FF2B5EF4-FFF2-40B4-BE49-F238E27FC236}">
-                <a16:creationId xmlns:a16="http://schemas.microsoft.com/office/drawing/2014/main" id="{872D2B23-7846-DE1D-E096-383132454A1B}"/>
-              </a:ext>
-            </a:extLst>
-          </p:cNvPr>
-          <p:cNvSpPr>
-            <a:spLocks noGrp="1"/>
-          </p:cNvSpPr>
-          <p:nvPr>
-            <p:ph type="sldNum" sz="quarter" idx="12"/>
-          </p:nvPr>
-        </p:nvSpPr>
-        <p:spPr/>
-        <p:txBody>
-          <a:bodyPr/>
-          <a:lstStyle/>
-          <a:p>
-            <a:fld id="{0079CAC6-A72B-4EF8-B465-34FA47827E7F}" type="slidenum">
-              <a:rPr lang="en-US" smtClean="0"/>
-              <a:t>33</a:t>
-            </a:fld>
-            <a:endParaRPr lang="en-US" dirty="0"/>
-          </a:p>
-        </p:txBody>
-      </p:sp>
-      <p:sp>
-        <p:nvSpPr>
-          <p:cNvPr id="2" name="Footer Placeholder 1">
-            <a:extLst>
-              <a:ext uri="{FF2B5EF4-FFF2-40B4-BE49-F238E27FC236}">
-                <a16:creationId xmlns:a16="http://schemas.microsoft.com/office/drawing/2014/main" id="{88F3A02B-EBDE-A1C4-048E-E606628F0D93}"/>
-              </a:ext>
-            </a:extLst>
-          </p:cNvPr>
-          <p:cNvSpPr>
-            <a:spLocks noGrp="1"/>
-          </p:cNvSpPr>
-          <p:nvPr>
-            <p:ph type="ftr" sz="quarter" idx="11"/>
-          </p:nvPr>
-        </p:nvSpPr>
-        <p:spPr/>
-        <p:txBody>
-          <a:bodyPr/>
-          <a:lstStyle/>
-          <a:p>
-            <a:r>
-              <a:rPr lang="en-US"/>
-              <a:t>Fundamental Programming with Python</a:t>
-            </a:r>
-            <a:endParaRPr lang="en-US" dirty="0"/>
-          </a:p>
-        </p:txBody>
-      </p:sp>
-    </p:spTree>
-    <p:extLst>
-      <p:ext uri="{BB962C8B-B14F-4D97-AF65-F5344CB8AC3E}">
-        <p14:creationId xmlns:p14="http://schemas.microsoft.com/office/powerpoint/2010/main" val="429693595"/>
-      </p:ext>
-    </p:extLst>
-  </p:cSld>
-  <p:clrMapOvr>
-    <a:masterClrMapping/>
-  </p:clrMapOvr>
-</p:sld>
-</file>
-
-<file path=ppt/slides/slide34.xml><?xml version="1.0" encoding="utf-8"?>
-<p:sld xmlns:a="http://schemas.openxmlformats.org/drawingml/2006/main" xmlns:r="http://schemas.openxmlformats.org/officeDocument/2006/relationships" xmlns:p="http://schemas.openxmlformats.org/presentationml/2006/main">
-  <p:cSld>
-    <p:spTree>
-      <p:nvGrpSpPr>
-        <p:cNvPr id="1" name=""/>
-        <p:cNvGrpSpPr/>
-        <p:nvPr/>
-      </p:nvGrpSpPr>
-      <p:grpSpPr>
-        <a:xfrm>
-          <a:off x="0" y="0"/>
-          <a:ext cx="0" cy="0"/>
-          <a:chOff x="0" y="0"/>
-          <a:chExt cx="0" cy="0"/>
-        </a:xfrm>
-      </p:grpSpPr>
-      <p:sp>
-        <p:nvSpPr>
-          <p:cNvPr id="5" name="Title 4">
-            <a:extLst>
-              <a:ext uri="{FF2B5EF4-FFF2-40B4-BE49-F238E27FC236}">
-                <a16:creationId xmlns:a16="http://schemas.microsoft.com/office/drawing/2014/main" id="{3E1FC432-A453-870C-34F6-F5AB1E824DD3}"/>
-              </a:ext>
-            </a:extLst>
-          </p:cNvPr>
-          <p:cNvSpPr>
-            <a:spLocks noGrp="1"/>
-          </p:cNvSpPr>
-          <p:nvPr>
-            <p:ph type="title"/>
-          </p:nvPr>
-        </p:nvSpPr>
-        <p:spPr/>
-        <p:txBody>
-          <a:bodyPr/>
-          <a:lstStyle/>
-          <a:p>
-            <a:r>
-              <a:rPr lang="en-US" dirty="0"/>
-              <a:t>Application of Programming in the Digital Age!</a:t>
-            </a:r>
-            <a:endParaRPr lang="fa-IR" dirty="0"/>
-          </a:p>
-        </p:txBody>
-      </p:sp>
-      <p:sp>
-        <p:nvSpPr>
-          <p:cNvPr id="4" name="Slide Number Placeholder 3">
-            <a:extLst>
-              <a:ext uri="{FF2B5EF4-FFF2-40B4-BE49-F238E27FC236}">
-                <a16:creationId xmlns:a16="http://schemas.microsoft.com/office/drawing/2014/main" id="{872D2B23-7846-DE1D-E096-383132454A1B}"/>
-              </a:ext>
-            </a:extLst>
-          </p:cNvPr>
-          <p:cNvSpPr>
-            <a:spLocks noGrp="1"/>
-          </p:cNvSpPr>
-          <p:nvPr>
-            <p:ph type="sldNum" sz="quarter" idx="12"/>
-          </p:nvPr>
-        </p:nvSpPr>
-        <p:spPr/>
-        <p:txBody>
-          <a:bodyPr/>
-          <a:lstStyle/>
-          <a:p>
-            <a:fld id="{0079CAC6-A72B-4EF8-B465-34FA47827E7F}" type="slidenum">
-              <a:rPr lang="en-US" smtClean="0"/>
-              <a:t>34</a:t>
-            </a:fld>
-            <a:endParaRPr lang="en-US" dirty="0"/>
-          </a:p>
-        </p:txBody>
-      </p:sp>
-      <p:sp>
-        <p:nvSpPr>
-          <p:cNvPr id="2" name="Footer Placeholder 1">
-            <a:extLst>
-              <a:ext uri="{FF2B5EF4-FFF2-40B4-BE49-F238E27FC236}">
-                <a16:creationId xmlns:a16="http://schemas.microsoft.com/office/drawing/2014/main" id="{88F3A02B-EBDE-A1C4-048E-E606628F0D93}"/>
-              </a:ext>
-            </a:extLst>
-          </p:cNvPr>
-          <p:cNvSpPr>
-            <a:spLocks noGrp="1"/>
-          </p:cNvSpPr>
-          <p:nvPr>
-            <p:ph type="ftr" sz="quarter" idx="11"/>
-          </p:nvPr>
-        </p:nvSpPr>
-        <p:spPr/>
-        <p:txBody>
-          <a:bodyPr/>
-          <a:lstStyle/>
-          <a:p>
-            <a:r>
-              <a:rPr lang="en-US"/>
-              <a:t>Fundamental Programming with Python</a:t>
-            </a:r>
-            <a:endParaRPr lang="en-US" dirty="0"/>
-          </a:p>
-        </p:txBody>
-      </p:sp>
-    </p:spTree>
-    <p:extLst>
-      <p:ext uri="{BB962C8B-B14F-4D97-AF65-F5344CB8AC3E}">
-        <p14:creationId xmlns:p14="http://schemas.microsoft.com/office/powerpoint/2010/main" val="2564189193"/>
-      </p:ext>
-    </p:extLst>
-  </p:cSld>
-  <p:clrMapOvr>
-    <a:masterClrMapping/>
-  </p:clrMapOvr>
-</p:sld>
-</file>
-
-<file path=ppt/slides/slide35.xml><?xml version="1.0" encoding="utf-8"?>
-<p:sld xmlns:a="http://schemas.openxmlformats.org/drawingml/2006/main" xmlns:r="http://schemas.openxmlformats.org/officeDocument/2006/relationships" xmlns:p="http://schemas.openxmlformats.org/presentationml/2006/main">
-  <p:cSld>
-    <p:spTree>
-      <p:nvGrpSpPr>
-        <p:cNvPr id="1" name=""/>
-        <p:cNvGrpSpPr/>
-        <p:nvPr/>
-      </p:nvGrpSpPr>
-      <p:grpSpPr>
-        <a:xfrm>
-          <a:off x="0" y="0"/>
-          <a:ext cx="0" cy="0"/>
-          <a:chOff x="0" y="0"/>
-          <a:chExt cx="0" cy="0"/>
-        </a:xfrm>
-      </p:grpSpPr>
-      <p:sp>
-        <p:nvSpPr>
-          <p:cNvPr id="2" name="Title 1">
-            <a:extLst>
-              <a:ext uri="{FF2B5EF4-FFF2-40B4-BE49-F238E27FC236}">
-                <a16:creationId xmlns:a16="http://schemas.microsoft.com/office/drawing/2014/main" id="{DD9C2E90-1E69-DA65-D215-2F0721C8FB89}"/>
-              </a:ext>
-            </a:extLst>
-          </p:cNvPr>
-          <p:cNvSpPr>
-            <a:spLocks noGrp="1"/>
-          </p:cNvSpPr>
-          <p:nvPr>
-            <p:ph type="title"/>
-          </p:nvPr>
-        </p:nvSpPr>
-        <p:spPr/>
-        <p:txBody>
-          <a:bodyPr/>
-          <a:lstStyle/>
-          <a:p>
-            <a:r>
-              <a:rPr lang="en-US" dirty="0"/>
-              <a:t>Trip…</a:t>
-            </a:r>
-          </a:p>
-        </p:txBody>
-      </p:sp>
-      <p:sp>
-        <p:nvSpPr>
-          <p:cNvPr id="4" name="Footer Placeholder 3">
-            <a:extLst>
-              <a:ext uri="{FF2B5EF4-FFF2-40B4-BE49-F238E27FC236}">
-                <a16:creationId xmlns:a16="http://schemas.microsoft.com/office/drawing/2014/main" id="{1FEB3F21-A1BC-7950-EEA9-24565C5A53E0}"/>
-              </a:ext>
-            </a:extLst>
-          </p:cNvPr>
-          <p:cNvSpPr>
-            <a:spLocks noGrp="1"/>
-          </p:cNvSpPr>
-          <p:nvPr>
-            <p:ph type="ftr" sz="quarter" idx="11"/>
-          </p:nvPr>
-        </p:nvSpPr>
-        <p:spPr/>
-        <p:txBody>
-          <a:bodyPr/>
-          <a:lstStyle/>
-          <a:p>
-            <a:r>
-              <a:rPr lang="en-US"/>
-              <a:t>Fundamental Programming with Python</a:t>
-            </a:r>
-            <a:endParaRPr lang="en-US" dirty="0"/>
-          </a:p>
-        </p:txBody>
-      </p:sp>
-      <p:sp>
-        <p:nvSpPr>
-          <p:cNvPr id="5" name="Slide Number Placeholder 4">
-            <a:extLst>
-              <a:ext uri="{FF2B5EF4-FFF2-40B4-BE49-F238E27FC236}">
-                <a16:creationId xmlns:a16="http://schemas.microsoft.com/office/drawing/2014/main" id="{02679F5A-3782-1174-6DED-27A5D365C898}"/>
-              </a:ext>
-            </a:extLst>
-          </p:cNvPr>
-          <p:cNvSpPr>
-            <a:spLocks noGrp="1"/>
-          </p:cNvSpPr>
-          <p:nvPr>
-            <p:ph type="sldNum" sz="quarter" idx="12"/>
-          </p:nvPr>
-        </p:nvSpPr>
-        <p:spPr/>
-        <p:txBody>
-          <a:bodyPr/>
-          <a:lstStyle/>
-          <a:p>
-            <a:fld id="{0079CAC6-A72B-4EF8-B465-34FA47827E7F}" type="slidenum">
-              <a:rPr lang="en-US" smtClean="0"/>
-              <a:t>35</a:t>
-            </a:fld>
-            <a:endParaRPr lang="en-US" dirty="0"/>
-          </a:p>
-        </p:txBody>
-      </p:sp>
-      <p:sp>
-        <p:nvSpPr>
-          <p:cNvPr id="6" name="Content Placeholder 5">
-            <a:extLst>
-              <a:ext uri="{FF2B5EF4-FFF2-40B4-BE49-F238E27FC236}">
-                <a16:creationId xmlns:a16="http://schemas.microsoft.com/office/drawing/2014/main" id="{5FA0DFAD-F6CD-852B-417C-A7EF0C43F568}"/>
-              </a:ext>
-            </a:extLst>
-          </p:cNvPr>
-          <p:cNvSpPr>
-            <a:spLocks noGrp="1"/>
-          </p:cNvSpPr>
-          <p:nvPr>
-            <p:ph idx="1"/>
-          </p:nvPr>
-        </p:nvSpPr>
-        <p:spPr/>
-        <p:txBody>
-          <a:bodyPr/>
-          <a:lstStyle/>
-          <a:p>
-            <a:endParaRPr lang="en-US"/>
-          </a:p>
-        </p:txBody>
-      </p:sp>
-      <p:pic>
-        <p:nvPicPr>
-          <p:cNvPr id="9" name="Picture 8">
-            <a:extLst>
-              <a:ext uri="{FF2B5EF4-FFF2-40B4-BE49-F238E27FC236}">
-                <a16:creationId xmlns:a16="http://schemas.microsoft.com/office/drawing/2014/main" id="{78D867FE-D875-300D-E200-5B8B4EC1A70D}"/>
-              </a:ext>
-            </a:extLst>
-          </p:cNvPr>
-          <p:cNvPicPr>
-            <a:picLocks noChangeAspect="1"/>
-          </p:cNvPicPr>
-          <p:nvPr/>
-        </p:nvPicPr>
-        <p:blipFill>
-          <a:blip r:embed="rId2"/>
-          <a:stretch>
-            <a:fillRect/>
-          </a:stretch>
-        </p:blipFill>
-        <p:spPr>
-          <a:xfrm>
-            <a:off x="469076" y="1997870"/>
-            <a:ext cx="11251766" cy="4542490"/>
-          </a:xfrm>
-          <a:prstGeom prst="rect">
-            <a:avLst/>
-          </a:prstGeom>
-        </p:spPr>
-      </p:pic>
-    </p:spTree>
-    <p:extLst>
-      <p:ext uri="{BB962C8B-B14F-4D97-AF65-F5344CB8AC3E}">
-        <p14:creationId xmlns:p14="http://schemas.microsoft.com/office/powerpoint/2010/main" val="3522828388"/>
-      </p:ext>
-    </p:extLst>
-  </p:cSld>
-  <p:clrMapOvr>
-    <a:masterClrMapping/>
-  </p:clrMapOvr>
-</p:sld>
-</file>
-
-<file path=ppt/slides/slide36.xml><?xml version="1.0" encoding="utf-8"?>
-<p:sld xmlns:a="http://schemas.openxmlformats.org/drawingml/2006/main" xmlns:r="http://schemas.openxmlformats.org/officeDocument/2006/relationships" xmlns:p="http://schemas.openxmlformats.org/presentationml/2006/main">
-  <p:cSld>
-    <p:spTree>
-      <p:nvGrpSpPr>
-        <p:cNvPr id="1" name=""/>
-        <p:cNvGrpSpPr/>
-        <p:nvPr/>
-      </p:nvGrpSpPr>
-      <p:grpSpPr>
-        <a:xfrm>
-          <a:off x="0" y="0"/>
-          <a:ext cx="0" cy="0"/>
-          <a:chOff x="0" y="0"/>
-          <a:chExt cx="0" cy="0"/>
-        </a:xfrm>
-      </p:grpSpPr>
-      <p:sp>
-        <p:nvSpPr>
-          <p:cNvPr id="2" name="Title 1">
-            <a:extLst>
-              <a:ext uri="{FF2B5EF4-FFF2-40B4-BE49-F238E27FC236}">
-                <a16:creationId xmlns:a16="http://schemas.microsoft.com/office/drawing/2014/main" id="{1AD8AAB7-1E1C-BFCA-AEE5-09525A61A4AB}"/>
-              </a:ext>
-            </a:extLst>
-          </p:cNvPr>
-          <p:cNvSpPr>
-            <a:spLocks noGrp="1"/>
-          </p:cNvSpPr>
-          <p:nvPr>
-            <p:ph type="title"/>
-          </p:nvPr>
-        </p:nvSpPr>
-        <p:spPr/>
-        <p:txBody>
-          <a:bodyPr/>
-          <a:lstStyle/>
-          <a:p>
-            <a:r>
-              <a:rPr lang="en-US" dirty="0"/>
-              <a:t>Design and explain a flowchart for a simple </a:t>
-            </a:r>
-            <a:r>
-              <a:rPr lang="en-US" dirty="0" err="1"/>
-              <a:t>Homsa</a:t>
-            </a:r>
-            <a:r>
-              <a:rPr lang="en-US" dirty="0"/>
-              <a:t>! You can propose new features!</a:t>
-            </a:r>
-          </a:p>
-        </p:txBody>
-      </p:sp>
-      <p:sp>
-        <p:nvSpPr>
-          <p:cNvPr id="3" name="Content Placeholder 2">
-            <a:extLst>
-              <a:ext uri="{FF2B5EF4-FFF2-40B4-BE49-F238E27FC236}">
-                <a16:creationId xmlns:a16="http://schemas.microsoft.com/office/drawing/2014/main" id="{88AF3C35-98C4-E023-89D3-CC3AF6D4F261}"/>
-              </a:ext>
-            </a:extLst>
-          </p:cNvPr>
-          <p:cNvSpPr>
-            <a:spLocks noGrp="1"/>
-          </p:cNvSpPr>
-          <p:nvPr>
-            <p:ph idx="1"/>
-          </p:nvPr>
-        </p:nvSpPr>
-        <p:spPr/>
-        <p:txBody>
-          <a:bodyPr/>
-          <a:lstStyle/>
-          <a:p>
-            <a:pPr marL="0" indent="0" algn="ctr">
-              <a:buNone/>
-            </a:pPr>
-            <a:endParaRPr lang="en-US" sz="3200" dirty="0"/>
-          </a:p>
-          <a:p>
-            <a:pPr marL="0" indent="0" algn="ctr">
-              <a:buNone/>
-            </a:pPr>
-            <a:endParaRPr lang="en-US" sz="3200" dirty="0"/>
-          </a:p>
-          <a:p>
-            <a:pPr marL="0" indent="0" algn="ctr">
-              <a:buNone/>
-            </a:pPr>
-            <a:r>
-              <a:rPr lang="en-US" sz="3200" dirty="0"/>
-              <a:t>Who is volunteer for the short presentation?</a:t>
-            </a:r>
-          </a:p>
-          <a:p>
-            <a:endParaRPr lang="en-US" dirty="0"/>
-          </a:p>
-        </p:txBody>
-      </p:sp>
-      <p:sp>
-        <p:nvSpPr>
-          <p:cNvPr id="4" name="Footer Placeholder 3">
-            <a:extLst>
-              <a:ext uri="{FF2B5EF4-FFF2-40B4-BE49-F238E27FC236}">
-                <a16:creationId xmlns:a16="http://schemas.microsoft.com/office/drawing/2014/main" id="{36EA00AD-9B6C-1161-9468-730DBF9E8588}"/>
-              </a:ext>
-            </a:extLst>
-          </p:cNvPr>
-          <p:cNvSpPr>
-            <a:spLocks noGrp="1"/>
-          </p:cNvSpPr>
-          <p:nvPr>
-            <p:ph type="ftr" sz="quarter" idx="11"/>
-          </p:nvPr>
-        </p:nvSpPr>
-        <p:spPr/>
-        <p:txBody>
-          <a:bodyPr/>
-          <a:lstStyle/>
-          <a:p>
-            <a:r>
-              <a:rPr lang="en-US"/>
-              <a:t>Fundamental Programming with Python</a:t>
-            </a:r>
-            <a:endParaRPr lang="en-US" dirty="0"/>
-          </a:p>
-        </p:txBody>
-      </p:sp>
-      <p:sp>
-        <p:nvSpPr>
-          <p:cNvPr id="5" name="Slide Number Placeholder 4">
-            <a:extLst>
-              <a:ext uri="{FF2B5EF4-FFF2-40B4-BE49-F238E27FC236}">
-                <a16:creationId xmlns:a16="http://schemas.microsoft.com/office/drawing/2014/main" id="{3067836D-A414-5ADD-3BFB-9EF8CF816774}"/>
-              </a:ext>
-            </a:extLst>
-          </p:cNvPr>
-          <p:cNvSpPr>
-            <a:spLocks noGrp="1"/>
-          </p:cNvSpPr>
-          <p:nvPr>
-            <p:ph type="sldNum" sz="quarter" idx="12"/>
-          </p:nvPr>
-        </p:nvSpPr>
-        <p:spPr/>
-        <p:txBody>
-          <a:bodyPr/>
-          <a:lstStyle/>
-          <a:p>
-            <a:fld id="{0079CAC6-A72B-4EF8-B465-34FA47827E7F}" type="slidenum">
-              <a:rPr lang="en-US" smtClean="0"/>
-              <a:t>36</a:t>
-            </a:fld>
-            <a:endParaRPr lang="en-US" dirty="0"/>
-          </a:p>
-        </p:txBody>
-      </p:sp>
-      <p:sp>
-        <p:nvSpPr>
-          <p:cNvPr id="6" name="Rectangle: Rounded Corners 5">
-            <a:extLst>
-              <a:ext uri="{FF2B5EF4-FFF2-40B4-BE49-F238E27FC236}">
-                <a16:creationId xmlns:a16="http://schemas.microsoft.com/office/drawing/2014/main" id="{BBB2B468-48EF-4D7B-CA3F-A18EC4D3D60C}"/>
-              </a:ext>
-            </a:extLst>
-          </p:cNvPr>
-          <p:cNvSpPr/>
-          <p:nvPr/>
-        </p:nvSpPr>
-        <p:spPr>
-          <a:xfrm>
-            <a:off x="8924080" y="4058067"/>
-            <a:ext cx="3267919" cy="972273"/>
-          </a:xfrm>
-          <a:prstGeom prst="roundRect">
-            <a:avLst/>
-          </a:prstGeom>
-        </p:spPr>
-        <p:style>
-          <a:lnRef idx="1">
-            <a:schemeClr val="accent6"/>
-          </a:lnRef>
-          <a:fillRef idx="3">
-            <a:schemeClr val="accent6"/>
-          </a:fillRef>
-          <a:effectRef idx="2">
-            <a:schemeClr val="accent6"/>
-          </a:effectRef>
-          <a:fontRef idx="minor">
-            <a:schemeClr val="lt1"/>
-          </a:fontRef>
-        </p:style>
-        <p:txBody>
-          <a:bodyPr rtlCol="0" anchor="ctr"/>
-          <a:lstStyle/>
-          <a:p>
-            <a:pPr algn="ctr"/>
-            <a:r>
-              <a:rPr lang="en-US" sz="2400" b="1" dirty="0">
-                <a:latin typeface="Fredoka One" panose="02000000000000000000" pitchFamily="2" charset="0"/>
-              </a:rPr>
-              <a:t>Short </a:t>
-            </a:r>
-            <a:r>
-              <a:rPr lang="en-US" sz="2400" b="1" dirty="0" err="1">
-                <a:latin typeface="Fredoka One" panose="02000000000000000000" pitchFamily="2" charset="0"/>
-              </a:rPr>
-              <a:t>Presenration</a:t>
-            </a:r>
-            <a:endParaRPr lang="en-US" sz="2400" b="1" dirty="0">
-              <a:latin typeface="Fredoka One" panose="02000000000000000000" pitchFamily="2" charset="0"/>
-            </a:endParaRPr>
-          </a:p>
-        </p:txBody>
-      </p:sp>
-    </p:spTree>
-    <p:extLst>
-      <p:ext uri="{BB962C8B-B14F-4D97-AF65-F5344CB8AC3E}">
-        <p14:creationId xmlns:p14="http://schemas.microsoft.com/office/powerpoint/2010/main" val="2462779396"/>
-      </p:ext>
-    </p:extLst>
-  </p:cSld>
-  <p:clrMapOvr>
-    <a:masterClrMapping/>
-  </p:clrMapOvr>
-</p:sld>
-</file>
-
-<file path=ppt/slides/slide37.xml><?xml version="1.0" encoding="utf-8"?>
-<p:sld xmlns:a="http://schemas.openxmlformats.org/drawingml/2006/main" xmlns:r="http://schemas.openxmlformats.org/officeDocument/2006/relationships" xmlns:p="http://schemas.openxmlformats.org/presentationml/2006/main">
-  <p:cSld>
-    <p:spTree>
-      <p:nvGrpSpPr>
-        <p:cNvPr id="1" name=""/>
-        <p:cNvGrpSpPr/>
-        <p:nvPr/>
-      </p:nvGrpSpPr>
-      <p:grpSpPr>
-        <a:xfrm>
-          <a:off x="0" y="0"/>
-          <a:ext cx="0" cy="0"/>
-          <a:chOff x="0" y="0"/>
-          <a:chExt cx="0" cy="0"/>
-        </a:xfrm>
-      </p:grpSpPr>
-      <p:sp>
-        <p:nvSpPr>
-          <p:cNvPr id="2" name="Title 1">
-            <a:extLst>
-              <a:ext uri="{FF2B5EF4-FFF2-40B4-BE49-F238E27FC236}">
-                <a16:creationId xmlns:a16="http://schemas.microsoft.com/office/drawing/2014/main" id="{E971B2D1-ED4F-3F7E-6680-17E47645F005}"/>
-              </a:ext>
-            </a:extLst>
-          </p:cNvPr>
-          <p:cNvSpPr>
-            <a:spLocks noGrp="1"/>
-          </p:cNvSpPr>
-          <p:nvPr>
-            <p:ph type="title"/>
-          </p:nvPr>
-        </p:nvSpPr>
-        <p:spPr/>
-        <p:txBody>
-          <a:bodyPr/>
-          <a:lstStyle/>
-          <a:p>
-            <a:r>
-              <a:rPr lang="en-US" dirty="0"/>
-              <a:t>Lecture Resources</a:t>
-            </a:r>
-          </a:p>
-        </p:txBody>
-      </p:sp>
-      <p:sp>
-        <p:nvSpPr>
-          <p:cNvPr id="3" name="Content Placeholder 2">
-            <a:extLst>
-              <a:ext uri="{FF2B5EF4-FFF2-40B4-BE49-F238E27FC236}">
-                <a16:creationId xmlns:a16="http://schemas.microsoft.com/office/drawing/2014/main" id="{048171A8-7BC9-A1CC-24DE-D1A363BFCAAB}"/>
-              </a:ext>
-            </a:extLst>
-          </p:cNvPr>
-          <p:cNvSpPr>
-            <a:spLocks noGrp="1"/>
-          </p:cNvSpPr>
-          <p:nvPr>
-            <p:ph idx="1"/>
-          </p:nvPr>
-        </p:nvSpPr>
-        <p:spPr/>
-        <p:txBody>
-          <a:bodyPr>
-            <a:normAutofit/>
-          </a:bodyPr>
-          <a:lstStyle/>
-          <a:p>
-            <a:pPr algn="just"/>
-            <a:endParaRPr lang="en-US" sz="2800" i="1" dirty="0"/>
-          </a:p>
-        </p:txBody>
-      </p:sp>
-      <p:sp>
-        <p:nvSpPr>
-          <p:cNvPr id="4" name="Slide Number Placeholder 3">
-            <a:extLst>
-              <a:ext uri="{FF2B5EF4-FFF2-40B4-BE49-F238E27FC236}">
-                <a16:creationId xmlns:a16="http://schemas.microsoft.com/office/drawing/2014/main" id="{1A07D2F6-E8B4-DCE8-6D7F-E8A49CF5128B}"/>
-              </a:ext>
-            </a:extLst>
-          </p:cNvPr>
-          <p:cNvSpPr>
-            <a:spLocks noGrp="1"/>
-          </p:cNvSpPr>
-          <p:nvPr>
-            <p:ph type="sldNum" sz="quarter" idx="12"/>
-          </p:nvPr>
-        </p:nvSpPr>
-        <p:spPr/>
-        <p:txBody>
-          <a:bodyPr/>
-          <a:lstStyle/>
-          <a:p>
-            <a:fld id="{0079CAC6-A72B-4EF8-B465-34FA47827E7F}" type="slidenum">
-              <a:rPr lang="en-US" smtClean="0"/>
-              <a:t>37</a:t>
-            </a:fld>
-            <a:endParaRPr lang="en-US" dirty="0"/>
-          </a:p>
-        </p:txBody>
-      </p:sp>
-      <p:sp>
-        <p:nvSpPr>
-          <p:cNvPr id="5" name="Footer Placeholder 4">
-            <a:extLst>
-              <a:ext uri="{FF2B5EF4-FFF2-40B4-BE49-F238E27FC236}">
-                <a16:creationId xmlns:a16="http://schemas.microsoft.com/office/drawing/2014/main" id="{F7926C1C-F8F8-36AC-3F81-B1B9194574F2}"/>
-              </a:ext>
-            </a:extLst>
-          </p:cNvPr>
-          <p:cNvSpPr>
-            <a:spLocks noGrp="1"/>
-          </p:cNvSpPr>
-          <p:nvPr>
-            <p:ph type="ftr" sz="quarter" idx="11"/>
-          </p:nvPr>
-        </p:nvSpPr>
-        <p:spPr/>
-        <p:txBody>
-          <a:bodyPr/>
-          <a:lstStyle/>
-          <a:p>
-            <a:r>
-              <a:rPr lang="en-US"/>
-              <a:t>Fundamental Programming with Python</a:t>
-            </a:r>
-            <a:endParaRPr lang="en-US" dirty="0"/>
-          </a:p>
-        </p:txBody>
-      </p:sp>
-    </p:spTree>
-    <p:extLst>
-      <p:ext uri="{BB962C8B-B14F-4D97-AF65-F5344CB8AC3E}">
-        <p14:creationId xmlns:p14="http://schemas.microsoft.com/office/powerpoint/2010/main" val="3233585793"/>
-      </p:ext>
-    </p:extLst>
-  </p:cSld>
-  <p:clrMapOvr>
-    <a:masterClrMapping/>
-  </p:clrMapOvr>
-</p:sld>
-</file>
-
-<file path=ppt/slides/slide4.xml><?xml version="1.0" encoding="utf-8"?>
-<p:sld xmlns:a="http://schemas.openxmlformats.org/drawingml/2006/main" xmlns:r="http://schemas.openxmlformats.org/officeDocument/2006/relationships" xmlns:p="http://schemas.openxmlformats.org/presentationml/2006/main">
-  <p:cSld>
-    <p:spTree>
-      <p:nvGrpSpPr>
-        <p:cNvPr id="1" name=""/>
-        <p:cNvGrpSpPr/>
-        <p:nvPr/>
-      </p:nvGrpSpPr>
-      <p:grpSpPr>
-        <a:xfrm>
-          <a:off x="0" y="0"/>
-          <a:ext cx="0" cy="0"/>
-          <a:chOff x="0" y="0"/>
-          <a:chExt cx="0" cy="0"/>
-        </a:xfrm>
-      </p:grpSpPr>
-      <p:sp>
-        <p:nvSpPr>
-          <p:cNvPr id="2" name="Title 1">
-            <a:extLst>
-              <a:ext uri="{FF2B5EF4-FFF2-40B4-BE49-F238E27FC236}">
-                <a16:creationId xmlns:a16="http://schemas.microsoft.com/office/drawing/2014/main" id="{87B1A73B-6C72-C6E9-38EE-574B6DD11391}"/>
-              </a:ext>
-            </a:extLst>
-          </p:cNvPr>
-          <p:cNvSpPr>
-            <a:spLocks noGrp="1"/>
-          </p:cNvSpPr>
-          <p:nvPr>
-            <p:ph type="title"/>
-          </p:nvPr>
-        </p:nvSpPr>
-        <p:spPr/>
-        <p:txBody>
-          <a:bodyPr/>
-          <a:lstStyle/>
-          <a:p>
-            <a:r>
-              <a:rPr lang="en-US" dirty="0"/>
-              <a:t>Today</a:t>
-            </a:r>
-          </a:p>
-        </p:txBody>
-      </p:sp>
-      <p:sp>
-        <p:nvSpPr>
-          <p:cNvPr id="3" name="Content Placeholder 2">
-            <a:extLst>
-              <a:ext uri="{FF2B5EF4-FFF2-40B4-BE49-F238E27FC236}">
-                <a16:creationId xmlns:a16="http://schemas.microsoft.com/office/drawing/2014/main" id="{8F365F2D-194E-E711-907C-908961A12084}"/>
-              </a:ext>
-            </a:extLst>
-          </p:cNvPr>
-          <p:cNvSpPr>
-            <a:spLocks noGrp="1"/>
-          </p:cNvSpPr>
-          <p:nvPr>
-            <p:ph idx="1"/>
-          </p:nvPr>
-        </p:nvSpPr>
-        <p:spPr/>
-        <p:txBody>
-          <a:bodyPr>
-            <a:normAutofit lnSpcReduction="10000"/>
-          </a:bodyPr>
-          <a:lstStyle/>
-          <a:p>
-            <a:r>
-              <a:rPr lang="en-US" dirty="0"/>
-              <a:t>Short Presentation</a:t>
-            </a:r>
-          </a:p>
-          <a:p>
-            <a:r>
-              <a:rPr lang="en-US" dirty="0"/>
-              <a:t>Review the Last Lecture</a:t>
-            </a:r>
-          </a:p>
-          <a:p>
-            <a:r>
-              <a:rPr lang="en-US" dirty="0"/>
-              <a:t>Problem Modeling</a:t>
-            </a:r>
-          </a:p>
-          <a:p>
-            <a:r>
-              <a:rPr lang="en-US" dirty="0"/>
-              <a:t>Data types in Python</a:t>
-            </a:r>
-          </a:p>
-          <a:p>
-            <a:r>
-              <a:rPr lang="en-US" dirty="0"/>
-              <a:t>Interpret your commands with Python</a:t>
-            </a:r>
-          </a:p>
-          <a:p>
-            <a:r>
-              <a:rPr lang="en-US" dirty="0"/>
-              <a:t>Programming with Python</a:t>
-            </a:r>
-          </a:p>
-          <a:p>
-            <a:r>
-              <a:rPr lang="en-US" dirty="0">
-                <a:solidFill>
-                  <a:schemeClr val="accent6"/>
-                </a:solidFill>
-              </a:rPr>
-              <a:t>Application of Programming in the Digital Age!</a:t>
-            </a:r>
-            <a:endParaRPr lang="fa-IR" dirty="0">
-              <a:solidFill>
-                <a:schemeClr val="accent6"/>
-              </a:solidFill>
-            </a:endParaRPr>
-          </a:p>
-        </p:txBody>
-      </p:sp>
-      <p:sp>
-        <p:nvSpPr>
-          <p:cNvPr id="4" name="Slide Number Placeholder 3">
-            <a:extLst>
-              <a:ext uri="{FF2B5EF4-FFF2-40B4-BE49-F238E27FC236}">
-                <a16:creationId xmlns:a16="http://schemas.microsoft.com/office/drawing/2014/main" id="{2556300D-25DE-4DCB-83C2-F8447A300882}"/>
-              </a:ext>
-            </a:extLst>
-          </p:cNvPr>
-          <p:cNvSpPr>
-            <a:spLocks noGrp="1"/>
-          </p:cNvSpPr>
-          <p:nvPr>
-            <p:ph type="sldNum" sz="quarter" idx="12"/>
-          </p:nvPr>
-        </p:nvSpPr>
-        <p:spPr/>
-        <p:txBody>
-          <a:bodyPr/>
-          <a:lstStyle/>
-          <a:p>
-            <a:fld id="{0079CAC6-A72B-4EF8-B465-34FA47827E7F}" type="slidenum">
-              <a:rPr lang="en-US" smtClean="0"/>
-              <a:t>4</a:t>
-            </a:fld>
-            <a:endParaRPr lang="en-US" dirty="0"/>
-          </a:p>
-        </p:txBody>
-      </p:sp>
-      <p:sp>
-        <p:nvSpPr>
-          <p:cNvPr id="5" name="Footer Placeholder 4">
-            <a:extLst>
-              <a:ext uri="{FF2B5EF4-FFF2-40B4-BE49-F238E27FC236}">
-                <a16:creationId xmlns:a16="http://schemas.microsoft.com/office/drawing/2014/main" id="{C698F15F-8CBD-19A6-FD8E-9F54F23195D9}"/>
-              </a:ext>
-            </a:extLst>
-          </p:cNvPr>
-          <p:cNvSpPr>
-            <a:spLocks noGrp="1"/>
-          </p:cNvSpPr>
-          <p:nvPr>
-            <p:ph type="ftr" sz="quarter" idx="11"/>
-          </p:nvPr>
-        </p:nvSpPr>
-        <p:spPr/>
-        <p:txBody>
-          <a:bodyPr/>
-          <a:lstStyle/>
-          <a:p>
-            <a:r>
-              <a:rPr lang="en-US"/>
-              <a:t>Fundamental Programming with Python</a:t>
-            </a:r>
-            <a:endParaRPr lang="en-US" dirty="0"/>
-          </a:p>
-        </p:txBody>
-      </p:sp>
-    </p:spTree>
-    <p:extLst>
-      <p:ext uri="{BB962C8B-B14F-4D97-AF65-F5344CB8AC3E}">
-        <p14:creationId xmlns:p14="http://schemas.microsoft.com/office/powerpoint/2010/main" val="2786932843"/>
-      </p:ext>
-    </p:extLst>
-  </p:cSld>
-  <p:clrMapOvr>
-    <a:masterClrMapping/>
-  </p:clrMapOvr>
 </p:sld>
 </file>
 
